--- a/College_Costs_Career_Pay.pptx
+++ b/College_Costs_Career_Pay.pptx
@@ -16,25 +16,26 @@
     <p:sldId id="261" r:id="rId11"/>
     <p:sldId id="262" r:id="rId12"/>
     <p:sldId id="263" r:id="rId13"/>
+    <p:sldId id="264" r:id="rId14"/>
   </p:sldIdLst>
   <p:sldSz cy="5143500" cx="9144000"/>
   <p:notesSz cx="6858000" cy="9144000"/>
   <p:embeddedFontLst>
     <p:embeddedFont>
       <p:font typeface="Roboto"/>
-      <p:regular r:id="rId14"/>
-      <p:bold r:id="rId15"/>
-      <p:italic r:id="rId16"/>
-      <p:boldItalic r:id="rId17"/>
+      <p:regular r:id="rId15"/>
+      <p:bold r:id="rId16"/>
+      <p:italic r:id="rId17"/>
+      <p:boldItalic r:id="rId18"/>
     </p:embeddedFont>
     <p:embeddedFont>
       <p:font typeface="Average"/>
-      <p:regular r:id="rId18"/>
+      <p:regular r:id="rId19"/>
     </p:embeddedFont>
     <p:embeddedFont>
       <p:font typeface="Oswald"/>
-      <p:regular r:id="rId19"/>
-      <p:bold r:id="rId20"/>
+      <p:regular r:id="rId20"/>
+      <p:bold r:id="rId21"/>
     </p:embeddedFont>
   </p:embeddedFontLst>
   <p:defaultTextStyle>
@@ -1459,6 +1460,105 @@
       <p:sp>
         <p:nvSpPr>
           <p:cNvPr id="110" name="Google Shape;110;g18e4127dfa6_0_274:notes"/>
+          <p:cNvSpPr txBox="1"/>
+          <p:nvPr>
+            <p:ph idx="1" type="body"/>
+          </p:nvPr>
+        </p:nvSpPr>
+        <p:spPr>
+          <a:xfrm>
+            <a:off x="685800" y="4343400"/>
+            <a:ext cx="5486400" cy="4114800"/>
+          </a:xfrm>
+          <a:prstGeom prst="rect">
+            <a:avLst/>
+          </a:prstGeom>
+        </p:spPr>
+        <p:txBody>
+          <a:bodyPr anchorCtr="0" anchor="t" bIns="91425" lIns="91425" spcFirstLastPara="1" rIns="91425" wrap="square" tIns="91425">
+            <a:noAutofit/>
+          </a:bodyPr>
+          <a:lstStyle/>
+          <a:p>
+            <a:pPr indent="0" lvl="0" marL="0" rtl="0" algn="l">
+              <a:spcBef>
+                <a:spcPts val="0"/>
+              </a:spcBef>
+              <a:spcAft>
+                <a:spcPts val="0"/>
+              </a:spcAft>
+              <a:buNone/>
+            </a:pPr>
+            <a:r>
+              <a:t/>
+            </a:r>
+            <a:endParaRPr/>
+          </a:p>
+        </p:txBody>
+      </p:sp>
+    </p:spTree>
+  </p:cSld>
+  <p:clrMapOvr>
+    <a:masterClrMapping/>
+  </p:clrMapOvr>
+</p:notes>
+</file>
+
+<file path=ppt/notesSlides/notesSlide9.xml><?xml version="1.0" encoding="utf-8"?>
+<p:notes xmlns:a="http://schemas.openxmlformats.org/drawingml/2006/main" xmlns:r="http://schemas.openxmlformats.org/officeDocument/2006/relationships" xmlns:mc="http://schemas.openxmlformats.org/markup-compatibility/2006" xmlns:mv="urn:schemas-microsoft-com:mac:vml" xmlns:p="http://schemas.openxmlformats.org/presentationml/2006/main" xmlns:c="http://schemas.openxmlformats.org/drawingml/2006/chart" xmlns:dgm="http://schemas.openxmlformats.org/drawingml/2006/diagram" xmlns:o="urn:schemas-microsoft-com:office:office" xmlns:v="urn:schemas-microsoft-com:vml" xmlns:pvml="urn:schemas-microsoft-com:office:powerpoint" xmlns:com="http://schemas.openxmlformats.org/drawingml/2006/compatibility" xmlns:p14="http://schemas.microsoft.com/office/powerpoint/2010/main" xmlns:p15="http://schemas.microsoft.com/office/powerpoint/2012/main" xmlns:ahyp="http://schemas.microsoft.com/office/drawing/2018/hyperlinkcolor" showMasterPhAnim="0" showMasterSp="0">
+  <p:cSld>
+    <p:spTree>
+      <p:nvGrpSpPr>
+        <p:cNvPr id="114" name="Shape 114"/>
+        <p:cNvGrpSpPr/>
+        <p:nvPr/>
+      </p:nvGrpSpPr>
+      <p:grpSpPr>
+        <a:xfrm>
+          <a:off x="0" y="0"/>
+          <a:ext cx="0" cy="0"/>
+          <a:chOff x="0" y="0"/>
+          <a:chExt cx="0" cy="0"/>
+        </a:xfrm>
+      </p:grpSpPr>
+      <p:sp>
+        <p:nvSpPr>
+          <p:cNvPr id="115" name="Google Shape;115;g18e4127dfa6_0_281:notes"/>
+          <p:cNvSpPr/>
+          <p:nvPr>
+            <p:ph idx="2" type="sldImg"/>
+          </p:nvPr>
+        </p:nvSpPr>
+        <p:spPr>
+          <a:xfrm>
+            <a:off x="381300" y="685800"/>
+            <a:ext cx="6096000" cy="3429000"/>
+          </a:xfrm>
+          <a:custGeom>
+            <a:rect b="b" l="l" r="r" t="t"/>
+            <a:pathLst>
+              <a:path extrusionOk="0" h="120000" w="120000">
+                <a:moveTo>
+                  <a:pt x="0" y="0"/>
+                </a:moveTo>
+                <a:lnTo>
+                  <a:pt x="120000" y="0"/>
+                </a:lnTo>
+                <a:lnTo>
+                  <a:pt x="120000" y="120000"/>
+                </a:lnTo>
+                <a:lnTo>
+                  <a:pt x="0" y="120000"/>
+                </a:lnTo>
+                <a:close/>
+              </a:path>
+            </a:pathLst>
+          </a:custGeom>
+        </p:spPr>
+      </p:sp>
+      <p:sp>
+        <p:nvSpPr>
+          <p:cNvPr id="116" name="Google Shape;116;g18e4127dfa6_0_281:notes"/>
           <p:cNvSpPr txBox="1"/>
           <p:nvPr>
             <p:ph idx="1" type="body"/>
@@ -8796,7 +8896,7 @@
         </p:nvSpPr>
         <p:spPr>
           <a:xfrm>
-            <a:off x="265500" y="1081400"/>
+            <a:off x="265500" y="1716600"/>
             <a:ext cx="4045200" cy="1710300"/>
           </a:xfrm>
           <a:prstGeom prst="rect">
@@ -8804,7 +8904,7 @@
           </a:prstGeom>
         </p:spPr>
         <p:txBody>
-          <a:bodyPr anchorCtr="0" anchor="b" bIns="91425" lIns="91425" spcFirstLastPara="1" rIns="91425" wrap="square" tIns="91425">
+          <a:bodyPr anchorCtr="0" anchor="ctr" bIns="91425" lIns="91425" spcFirstLastPara="1" rIns="91425" wrap="square" tIns="91425">
             <a:normAutofit/>
           </a:bodyPr>
           <a:lstStyle/>
@@ -8831,20 +8931,233 @@
           <p:cNvPr id="113" name="Google Shape;113;p20"/>
           <p:cNvSpPr txBox="1"/>
           <p:nvPr>
-            <p:ph idx="1" type="subTitle"/>
+            <p:ph idx="2" type="body"/>
           </p:nvPr>
         </p:nvSpPr>
         <p:spPr>
           <a:xfrm>
-            <a:off x="265500" y="2845201"/>
-            <a:ext cx="4045200" cy="1345500"/>
+            <a:off x="4939500" y="724200"/>
+            <a:ext cx="3837000" cy="3695100"/>
           </a:xfrm>
           <a:prstGeom prst="rect">
             <a:avLst/>
           </a:prstGeom>
         </p:spPr>
         <p:txBody>
-          <a:bodyPr anchorCtr="0" anchor="t" bIns="91425" lIns="91425" spcFirstLastPara="1" rIns="91425" wrap="square" tIns="91425">
+          <a:bodyPr anchorCtr="0" anchor="ctr" bIns="91425" lIns="91425" spcFirstLastPara="1" rIns="91425" wrap="square" tIns="91425">
+            <a:normAutofit lnSpcReduction="10000"/>
+          </a:bodyPr>
+          <a:lstStyle/>
+          <a:p>
+            <a:pPr indent="0" lvl="0" marL="0" rtl="0" algn="l">
+              <a:spcBef>
+                <a:spcPts val="0"/>
+              </a:spcBef>
+              <a:spcAft>
+                <a:spcPts val="0"/>
+              </a:spcAft>
+              <a:buNone/>
+            </a:pPr>
+            <a:r>
+              <a:rPr lang="en">
+                <a:latin typeface="Roboto"/>
+                <a:ea typeface="Roboto"/>
+                <a:cs typeface="Roboto"/>
+                <a:sym typeface="Roboto"/>
+              </a:rPr>
+              <a:t>Preliminary Data Preprocessing</a:t>
+            </a:r>
+            <a:endParaRPr>
+              <a:latin typeface="Roboto"/>
+              <a:ea typeface="Roboto"/>
+              <a:cs typeface="Roboto"/>
+              <a:sym typeface="Roboto"/>
+            </a:endParaRPr>
+          </a:p>
+          <a:p>
+            <a:pPr indent="0" lvl="0" marL="0" rtl="0" algn="l">
+              <a:spcBef>
+                <a:spcPts val="1200"/>
+              </a:spcBef>
+              <a:spcAft>
+                <a:spcPts val="0"/>
+              </a:spcAft>
+              <a:buNone/>
+            </a:pPr>
+            <a:r>
+              <a:t/>
+            </a:r>
+            <a:endParaRPr>
+              <a:latin typeface="Roboto"/>
+              <a:ea typeface="Roboto"/>
+              <a:cs typeface="Roboto"/>
+              <a:sym typeface="Roboto"/>
+            </a:endParaRPr>
+          </a:p>
+          <a:p>
+            <a:pPr indent="0" lvl="0" marL="0" rtl="0" algn="l">
+              <a:spcBef>
+                <a:spcPts val="1200"/>
+              </a:spcBef>
+              <a:spcAft>
+                <a:spcPts val="0"/>
+              </a:spcAft>
+              <a:buNone/>
+            </a:pPr>
+            <a:r>
+              <a:rPr lang="en">
+                <a:latin typeface="Roboto"/>
+                <a:ea typeface="Roboto"/>
+                <a:cs typeface="Roboto"/>
+                <a:sym typeface="Roboto"/>
+              </a:rPr>
+              <a:t>Preliminary Feature Selection and Engineering Process</a:t>
+            </a:r>
+            <a:endParaRPr>
+              <a:latin typeface="Roboto"/>
+              <a:ea typeface="Roboto"/>
+              <a:cs typeface="Roboto"/>
+              <a:sym typeface="Roboto"/>
+            </a:endParaRPr>
+          </a:p>
+          <a:p>
+            <a:pPr indent="0" lvl="0" marL="0" rtl="0" algn="l">
+              <a:spcBef>
+                <a:spcPts val="1200"/>
+              </a:spcBef>
+              <a:spcAft>
+                <a:spcPts val="0"/>
+              </a:spcAft>
+              <a:buNone/>
+            </a:pPr>
+            <a:r>
+              <a:t/>
+            </a:r>
+            <a:endParaRPr>
+              <a:latin typeface="Roboto"/>
+              <a:ea typeface="Roboto"/>
+              <a:cs typeface="Roboto"/>
+              <a:sym typeface="Roboto"/>
+            </a:endParaRPr>
+          </a:p>
+          <a:p>
+            <a:pPr indent="0" lvl="0" marL="0" rtl="0" algn="l">
+              <a:spcBef>
+                <a:spcPts val="1200"/>
+              </a:spcBef>
+              <a:spcAft>
+                <a:spcPts val="0"/>
+              </a:spcAft>
+              <a:buNone/>
+            </a:pPr>
+            <a:r>
+              <a:rPr lang="en">
+                <a:latin typeface="Roboto"/>
+                <a:ea typeface="Roboto"/>
+                <a:cs typeface="Roboto"/>
+                <a:sym typeface="Roboto"/>
+              </a:rPr>
+              <a:t>Training and Testing Sets</a:t>
+            </a:r>
+            <a:endParaRPr>
+              <a:latin typeface="Roboto"/>
+              <a:ea typeface="Roboto"/>
+              <a:cs typeface="Roboto"/>
+              <a:sym typeface="Roboto"/>
+            </a:endParaRPr>
+          </a:p>
+          <a:p>
+            <a:pPr indent="0" lvl="0" marL="0" rtl="0" algn="l">
+              <a:spcBef>
+                <a:spcPts val="1200"/>
+              </a:spcBef>
+              <a:spcAft>
+                <a:spcPts val="0"/>
+              </a:spcAft>
+              <a:buNone/>
+            </a:pPr>
+            <a:r>
+              <a:t/>
+            </a:r>
+            <a:endParaRPr>
+              <a:latin typeface="Roboto"/>
+              <a:ea typeface="Roboto"/>
+              <a:cs typeface="Roboto"/>
+              <a:sym typeface="Roboto"/>
+            </a:endParaRPr>
+          </a:p>
+          <a:p>
+            <a:pPr indent="0" lvl="0" marL="0" rtl="0" algn="l">
+              <a:spcBef>
+                <a:spcPts val="1200"/>
+              </a:spcBef>
+              <a:spcAft>
+                <a:spcPts val="1200"/>
+              </a:spcAft>
+              <a:buNone/>
+            </a:pPr>
+            <a:r>
+              <a:rPr lang="en">
+                <a:latin typeface="Roboto"/>
+                <a:ea typeface="Roboto"/>
+                <a:cs typeface="Roboto"/>
+                <a:sym typeface="Roboto"/>
+              </a:rPr>
+              <a:t>Model Selection - benefits and limitations</a:t>
+            </a:r>
+            <a:endParaRPr>
+              <a:latin typeface="Roboto"/>
+              <a:ea typeface="Roboto"/>
+              <a:cs typeface="Roboto"/>
+              <a:sym typeface="Roboto"/>
+            </a:endParaRPr>
+          </a:p>
+        </p:txBody>
+      </p:sp>
+    </p:spTree>
+  </p:cSld>
+  <p:clrMapOvr>
+    <a:masterClrMapping/>
+  </p:clrMapOvr>
+</p:sld>
+</file>
+
+<file path=ppt/slides/slide9.xml><?xml version="1.0" encoding="utf-8"?>
+<p:sld xmlns:a="http://schemas.openxmlformats.org/drawingml/2006/main" xmlns:r="http://schemas.openxmlformats.org/officeDocument/2006/relationships" xmlns:mc="http://schemas.openxmlformats.org/markup-compatibility/2006" xmlns:mv="urn:schemas-microsoft-com:mac:vml" xmlns:p="http://schemas.openxmlformats.org/presentationml/2006/main" xmlns:c="http://schemas.openxmlformats.org/drawingml/2006/chart" xmlns:dgm="http://schemas.openxmlformats.org/drawingml/2006/diagram" xmlns:o="urn:schemas-microsoft-com:office:office" xmlns:v="urn:schemas-microsoft-com:vml" xmlns:pvml="urn:schemas-microsoft-com:office:powerpoint" xmlns:com="http://schemas.openxmlformats.org/drawingml/2006/compatibility" xmlns:p14="http://schemas.microsoft.com/office/powerpoint/2010/main" xmlns:p15="http://schemas.microsoft.com/office/powerpoint/2012/main" xmlns:ahyp="http://schemas.microsoft.com/office/drawing/2018/hyperlinkcolor">
+  <p:cSld>
+    <p:spTree>
+      <p:nvGrpSpPr>
+        <p:cNvPr id="117" name="Shape 117"/>
+        <p:cNvGrpSpPr/>
+        <p:nvPr/>
+      </p:nvGrpSpPr>
+      <p:grpSpPr>
+        <a:xfrm>
+          <a:off x="0" y="0"/>
+          <a:ext cx="0" cy="0"/>
+          <a:chOff x="0" y="0"/>
+          <a:chExt cx="0" cy="0"/>
+        </a:xfrm>
+      </p:grpSpPr>
+      <p:sp>
+        <p:nvSpPr>
+          <p:cNvPr id="118" name="Google Shape;118;p21"/>
+          <p:cNvSpPr txBox="1"/>
+          <p:nvPr>
+            <p:ph type="title"/>
+          </p:nvPr>
+        </p:nvSpPr>
+        <p:spPr>
+          <a:xfrm>
+            <a:off x="265500" y="1716600"/>
+            <a:ext cx="4045200" cy="1710300"/>
+          </a:xfrm>
+          <a:prstGeom prst="rect">
+            <a:avLst/>
+          </a:prstGeom>
+        </p:spPr>
+        <p:txBody>
+          <a:bodyPr anchorCtr="0" anchor="ctr" bIns="91425" lIns="91425" spcFirstLastPara="1" rIns="91425" wrap="square" tIns="91425">
             <a:normAutofit/>
           </a:bodyPr>
           <a:lstStyle/>
@@ -8859,7 +9172,8 @@
               <a:buNone/>
             </a:pPr>
             <a:r>
-              <a:t/>
+              <a:rPr lang="en"/>
+              <a:t>Dashboard</a:t>
             </a:r>
             <a:endParaRPr/>
           </a:p>
@@ -8867,7 +9181,7 @@
       </p:sp>
       <p:sp>
         <p:nvSpPr>
-          <p:cNvPr id="114" name="Google Shape;114;p20"/>
+          <p:cNvPr id="119" name="Google Shape;119;p21"/>
           <p:cNvSpPr txBox="1"/>
           <p:nvPr>
             <p:ph idx="2" type="body"/>
@@ -8893,14 +9207,157 @@
                 <a:spcPts val="0"/>
               </a:spcBef>
               <a:spcAft>
+                <a:spcPts val="0"/>
+              </a:spcAft>
+              <a:buNone/>
+            </a:pPr>
+            <a:r>
+              <a:rPr lang="en">
+                <a:latin typeface="Roboto"/>
+                <a:ea typeface="Roboto"/>
+                <a:cs typeface="Roboto"/>
+                <a:sym typeface="Roboto"/>
+              </a:rPr>
+              <a:t>Storyboard</a:t>
+            </a:r>
+            <a:endParaRPr>
+              <a:latin typeface="Roboto"/>
+              <a:ea typeface="Roboto"/>
+              <a:cs typeface="Roboto"/>
+              <a:sym typeface="Roboto"/>
+            </a:endParaRPr>
+          </a:p>
+          <a:p>
+            <a:pPr indent="0" lvl="0" marL="0" rtl="0" algn="l">
+              <a:spcBef>
                 <a:spcPts val="1200"/>
+              </a:spcBef>
+              <a:spcAft>
+                <a:spcPts val="0"/>
               </a:spcAft>
               <a:buNone/>
             </a:pPr>
             <a:r>
               <a:t/>
             </a:r>
-            <a:endParaRPr/>
+            <a:endParaRPr>
+              <a:latin typeface="Roboto"/>
+              <a:ea typeface="Roboto"/>
+              <a:cs typeface="Roboto"/>
+              <a:sym typeface="Roboto"/>
+            </a:endParaRPr>
+          </a:p>
+          <a:p>
+            <a:pPr indent="0" lvl="0" marL="0" rtl="0" algn="l">
+              <a:spcBef>
+                <a:spcPts val="1200"/>
+              </a:spcBef>
+              <a:spcAft>
+                <a:spcPts val="0"/>
+              </a:spcAft>
+              <a:buNone/>
+            </a:pPr>
+            <a:r>
+              <a:t/>
+            </a:r>
+            <a:endParaRPr>
+              <a:latin typeface="Roboto"/>
+              <a:ea typeface="Roboto"/>
+              <a:cs typeface="Roboto"/>
+              <a:sym typeface="Roboto"/>
+            </a:endParaRPr>
+          </a:p>
+          <a:p>
+            <a:pPr indent="0" lvl="0" marL="0" rtl="0" algn="l">
+              <a:spcBef>
+                <a:spcPts val="1200"/>
+              </a:spcBef>
+              <a:spcAft>
+                <a:spcPts val="0"/>
+              </a:spcAft>
+              <a:buNone/>
+            </a:pPr>
+            <a:r>
+              <a:rPr lang="en">
+                <a:latin typeface="Roboto"/>
+                <a:ea typeface="Roboto"/>
+                <a:cs typeface="Roboto"/>
+                <a:sym typeface="Roboto"/>
+              </a:rPr>
+              <a:t>Description of Tools</a:t>
+            </a:r>
+            <a:endParaRPr>
+              <a:latin typeface="Roboto"/>
+              <a:ea typeface="Roboto"/>
+              <a:cs typeface="Roboto"/>
+              <a:sym typeface="Roboto"/>
+            </a:endParaRPr>
+          </a:p>
+          <a:p>
+            <a:pPr indent="0" lvl="0" marL="0" rtl="0" algn="l">
+              <a:spcBef>
+                <a:spcPts val="1200"/>
+              </a:spcBef>
+              <a:spcAft>
+                <a:spcPts val="0"/>
+              </a:spcAft>
+              <a:buNone/>
+            </a:pPr>
+            <a:r>
+              <a:t/>
+            </a:r>
+            <a:endParaRPr>
+              <a:latin typeface="Roboto"/>
+              <a:ea typeface="Roboto"/>
+              <a:cs typeface="Roboto"/>
+              <a:sym typeface="Roboto"/>
+            </a:endParaRPr>
+          </a:p>
+          <a:p>
+            <a:pPr indent="0" lvl="0" marL="0" rtl="0" algn="l">
+              <a:spcBef>
+                <a:spcPts val="1200"/>
+              </a:spcBef>
+              <a:spcAft>
+                <a:spcPts val="0"/>
+              </a:spcAft>
+              <a:buNone/>
+            </a:pPr>
+            <a:r>
+              <a:t/>
+            </a:r>
+            <a:endParaRPr>
+              <a:latin typeface="Roboto"/>
+              <a:ea typeface="Roboto"/>
+              <a:cs typeface="Roboto"/>
+              <a:sym typeface="Roboto"/>
+            </a:endParaRPr>
+          </a:p>
+          <a:p>
+            <a:pPr indent="0" lvl="0" marL="0" rtl="0" algn="l">
+              <a:spcBef>
+                <a:spcPts val="1200"/>
+              </a:spcBef>
+              <a:spcAft>
+                <a:spcPts val="1200"/>
+              </a:spcAft>
+              <a:buNone/>
+            </a:pPr>
+            <a:r>
+              <a:rPr lang="en">
+                <a:latin typeface="Roboto"/>
+                <a:ea typeface="Roboto"/>
+                <a:cs typeface="Roboto"/>
+                <a:sym typeface="Roboto"/>
+              </a:rPr>
+              <a:t>Interactive Elements</a:t>
+            </a:r>
+            <a:endParaRPr>
+              <a:latin typeface="Roboto"/>
+              <a:ea typeface="Roboto"/>
+              <a:cs typeface="Roboto"/>
+              <a:sym typeface="Roboto"/>
+            </a:endParaRPr>
           </a:p>
         </p:txBody>
       </p:sp>
@@ -8913,6 +9370,285 @@
 </file>
 
 <file path=ppt/theme/theme1.xml><?xml version="1.0" encoding="utf-8"?>
+<a:theme xmlns:a="http://schemas.openxmlformats.org/drawingml/2006/main" xmlns:r="http://schemas.openxmlformats.org/officeDocument/2006/relationships">
+  <a:themeElements>
+    <a:clrScheme name="Default">
+      <a:dk1>
+        <a:srgbClr val="000000"/>
+      </a:dk1>
+      <a:lt1>
+        <a:srgbClr val="FFFFFF"/>
+      </a:lt1>
+      <a:dk2>
+        <a:srgbClr val="158158"/>
+      </a:dk2>
+      <a:lt2>
+        <a:srgbClr val="F3F3F3"/>
+      </a:lt2>
+      <a:accent1>
+        <a:srgbClr val="058DC7"/>
+      </a:accent1>
+      <a:accent2>
+        <a:srgbClr val="50B432"/>
+      </a:accent2>
+      <a:accent3>
+        <a:srgbClr val="ED561B"/>
+      </a:accent3>
+      <a:accent4>
+        <a:srgbClr val="EDEF00"/>
+      </a:accent4>
+      <a:accent5>
+        <a:srgbClr val="24CBE5"/>
+      </a:accent5>
+      <a:accent6>
+        <a:srgbClr val="64E572"/>
+      </a:accent6>
+      <a:hlink>
+        <a:srgbClr val="2200CC"/>
+      </a:hlink>
+      <a:folHlink>
+        <a:srgbClr val="551A8B"/>
+      </a:folHlink>
+    </a:clrScheme>
+    <a:fontScheme name="Office">
+      <a:majorFont>
+        <a:latin typeface="Arial"/>
+        <a:ea typeface=""/>
+        <a:cs typeface=""/>
+        <a:font script="Jpan" typeface="ＭＳ Ｐゴシック"/>
+        <a:font script="Hang" typeface="맑은 고딕"/>
+        <a:font script="Hans" typeface="宋体"/>
+        <a:font script="Hant" typeface="新細明體"/>
+        <a:font script="Arab" typeface="Times New Roman"/>
+        <a:font script="Hebr" typeface="Times New Roman"/>
+        <a:font script="Thai" typeface="Angsana New"/>
+        <a:font script="Ethi" typeface="Nyala"/>
+        <a:font script="Beng" typeface="Vrinda"/>
+        <a:font script="Gujr" typeface="Shruti"/>
+        <a:font script="Khmr" typeface="MoolBoran"/>
+        <a:font script="Knda" typeface="Tunga"/>
+        <a:font script="Guru" typeface="Raavi"/>
+        <a:font script="Cans" typeface="Euphemia"/>
+        <a:font script="Cher" typeface="Plantagenet Cherokee"/>
+        <a:font script="Yiii" typeface="Microsoft Yi Baiti"/>
+        <a:font script="Tibt" typeface="Microsoft Himalaya"/>
+        <a:font script="Thaa" typeface="MV Boli"/>
+        <a:font script="Deva" typeface="Mangal"/>
+        <a:font script="Telu" typeface="Gautami"/>
+        <a:font script="Taml" typeface="Latha"/>
+        <a:font script="Syrc" typeface="Estrangelo Edessa"/>
+        <a:font script="Orya" typeface="Kalinga"/>
+        <a:font script="Mlym" typeface="Kartika"/>
+        <a:font script="Laoo" typeface="DokChampa"/>
+        <a:font script="Sinh" typeface="Iskoola Pota"/>
+        <a:font script="Mong" typeface="Mongolian Baiti"/>
+        <a:font script="Viet" typeface="Times New Roman"/>
+        <a:font script="Uigh" typeface="Microsoft Uighur"/>
+        <a:font script="Geor" typeface="Sylfaen"/>
+      </a:majorFont>
+      <a:minorFont>
+        <a:latin typeface="Arial"/>
+        <a:ea typeface=""/>
+        <a:cs typeface=""/>
+        <a:font script="Jpan" typeface="ＭＳ Ｐゴシック"/>
+        <a:font script="Hang" typeface="맑은 고딕"/>
+        <a:font script="Hans" typeface="宋体"/>
+        <a:font script="Hant" typeface="新細明體"/>
+        <a:font script="Arab" typeface="Arial"/>
+        <a:font script="Hebr" typeface="Arial"/>
+        <a:font script="Thai" typeface="Cordia New"/>
+        <a:font script="Ethi" typeface="Nyala"/>
+        <a:font script="Beng" typeface="Vrinda"/>
+        <a:font script="Gujr" typeface="Shruti"/>
+        <a:font script="Khmr" typeface="DaunPenh"/>
+        <a:font script="Knda" typeface="Tunga"/>
+        <a:font script="Guru" typeface="Raavi"/>
+        <a:font script="Cans" typeface="Euphemia"/>
+        <a:font script="Cher" typeface="Plantagenet Cherokee"/>
+        <a:font script="Yiii" typeface="Microsoft Yi Baiti"/>
+        <a:font script="Tibt" typeface="Microsoft Himalaya"/>
+        <a:font script="Thaa" typeface="MV Boli"/>
+        <a:font script="Deva" typeface="Mangal"/>
+        <a:font script="Telu" typeface="Gautami"/>
+        <a:font script="Taml" typeface="Latha"/>
+        <a:font script="Syrc" typeface="Estrangelo Edessa"/>
+        <a:font script="Orya" typeface="Kalinga"/>
+        <a:font script="Mlym" typeface="Kartika"/>
+        <a:font script="Laoo" typeface="DokChampa"/>
+        <a:font script="Sinh" typeface="Iskoola Pota"/>
+        <a:font script="Mong" typeface="Mongolian Baiti"/>
+        <a:font script="Viet" typeface="Arial"/>
+        <a:font script="Uigh" typeface="Microsoft Uighur"/>
+        <a:font script="Geor" typeface="Sylfaen"/>
+      </a:minorFont>
+    </a:fontScheme>
+    <a:fmtScheme name="Office">
+      <a:fillStyleLst>
+        <a:solidFill>
+          <a:schemeClr val="phClr"/>
+        </a:solidFill>
+        <a:gradFill rotWithShape="1">
+          <a:gsLst>
+            <a:gs pos="0">
+              <a:schemeClr val="phClr">
+                <a:tint val="50000"/>
+                <a:satMod val="300000"/>
+              </a:schemeClr>
+            </a:gs>
+            <a:gs pos="35000">
+              <a:schemeClr val="phClr">
+                <a:tint val="37000"/>
+                <a:satMod val="300000"/>
+              </a:schemeClr>
+            </a:gs>
+            <a:gs pos="100000">
+              <a:schemeClr val="phClr">
+                <a:tint val="15000"/>
+                <a:satMod val="350000"/>
+              </a:schemeClr>
+            </a:gs>
+          </a:gsLst>
+          <a:lin ang="16200000" scaled="1"/>
+        </a:gradFill>
+        <a:gradFill rotWithShape="1">
+          <a:gsLst>
+            <a:gs pos="0">
+              <a:schemeClr val="phClr">
+                <a:tint val="100000"/>
+                <a:shade val="100000"/>
+                <a:satMod val="130000"/>
+              </a:schemeClr>
+            </a:gs>
+            <a:gs pos="100000">
+              <a:schemeClr val="phClr">
+                <a:tint val="50000"/>
+                <a:shade val="100000"/>
+                <a:satMod val="350000"/>
+              </a:schemeClr>
+            </a:gs>
+          </a:gsLst>
+          <a:lin ang="16200000" scaled="0"/>
+        </a:gradFill>
+      </a:fillStyleLst>
+      <a:lnStyleLst>
+        <a:ln w="9525" cap="flat" cmpd="sng" algn="ctr">
+          <a:solidFill>
+            <a:schemeClr val="phClr">
+              <a:shade val="95000"/>
+              <a:satMod val="105000"/>
+            </a:schemeClr>
+          </a:solidFill>
+          <a:prstDash val="solid"/>
+        </a:ln>
+        <a:ln w="25400" cap="flat" cmpd="sng" algn="ctr">
+          <a:solidFill>
+            <a:schemeClr val="phClr"/>
+          </a:solidFill>
+          <a:prstDash val="solid"/>
+        </a:ln>
+        <a:ln w="38100" cap="flat" cmpd="sng" algn="ctr">
+          <a:solidFill>
+            <a:schemeClr val="phClr"/>
+          </a:solidFill>
+          <a:prstDash val="solid"/>
+        </a:ln>
+      </a:lnStyleLst>
+      <a:effectStyleLst>
+        <a:effectStyle>
+          <a:effectLst>
+            <a:outerShdw blurRad="40000" dist="20000" dir="5400000" rotWithShape="0">
+              <a:srgbClr val="000000">
+                <a:alpha val="38000"/>
+              </a:srgbClr>
+            </a:outerShdw>
+          </a:effectLst>
+        </a:effectStyle>
+        <a:effectStyle>
+          <a:effectLst>
+            <a:outerShdw blurRad="40000" dist="23000" dir="5400000" rotWithShape="0">
+              <a:srgbClr val="000000">
+                <a:alpha val="35000"/>
+              </a:srgbClr>
+            </a:outerShdw>
+          </a:effectLst>
+        </a:effectStyle>
+        <a:effectStyle>
+          <a:effectLst>
+            <a:outerShdw blurRad="40000" dist="23000" dir="5400000" rotWithShape="0">
+              <a:srgbClr val="000000">
+                <a:alpha val="35000"/>
+              </a:srgbClr>
+            </a:outerShdw>
+          </a:effectLst>
+          <a:scene3d>
+            <a:camera prst="orthographicFront">
+              <a:rot lat="0" lon="0" rev="0"/>
+            </a:camera>
+            <a:lightRig rig="threePt" dir="t">
+              <a:rot lat="0" lon="0" rev="1200000"/>
+            </a:lightRig>
+          </a:scene3d>
+          <a:sp3d>
+            <a:bevelT w="63500" h="25400"/>
+          </a:sp3d>
+        </a:effectStyle>
+      </a:effectStyleLst>
+      <a:bgFillStyleLst>
+        <a:solidFill>
+          <a:schemeClr val="phClr"/>
+        </a:solidFill>
+        <a:gradFill rotWithShape="1">
+          <a:gsLst>
+            <a:gs pos="0">
+              <a:schemeClr val="phClr">
+                <a:tint val="40000"/>
+                <a:satMod val="350000"/>
+              </a:schemeClr>
+            </a:gs>
+            <a:gs pos="40000">
+              <a:schemeClr val="phClr">
+                <a:tint val="45000"/>
+                <a:shade val="99000"/>
+                <a:satMod val="350000"/>
+              </a:schemeClr>
+            </a:gs>
+            <a:gs pos="100000">
+              <a:schemeClr val="phClr">
+                <a:shade val="20000"/>
+                <a:satMod val="255000"/>
+              </a:schemeClr>
+            </a:gs>
+          </a:gsLst>
+          <a:path path="circle">
+            <a:fillToRect l="50000" t="-80000" r="50000" b="180000"/>
+          </a:path>
+        </a:gradFill>
+        <a:gradFill rotWithShape="1">
+          <a:gsLst>
+            <a:gs pos="0">
+              <a:schemeClr val="phClr">
+                <a:tint val="80000"/>
+                <a:satMod val="300000"/>
+              </a:schemeClr>
+            </a:gs>
+            <a:gs pos="100000">
+              <a:schemeClr val="phClr">
+                <a:shade val="30000"/>
+                <a:satMod val="200000"/>
+              </a:schemeClr>
+            </a:gs>
+          </a:gsLst>
+          <a:path path="circle">
+            <a:fillToRect l="50000" t="50000" r="50000" b="50000"/>
+          </a:path>
+        </a:gradFill>
+      </a:bgFillStyleLst>
+    </a:fmtScheme>
+  </a:themeElements>
+</a:theme>
+</file>
+
+<file path=ppt/theme/theme2.xml><?xml version="1.0" encoding="utf-8"?>
 <a:theme xmlns:a="http://schemas.openxmlformats.org/drawingml/2006/main" xmlns:r="http://schemas.openxmlformats.org/officeDocument/2006/relationships" name="Slate">
   <a:themeElements>
     <a:clrScheme name="Slate">
@@ -9189,283 +9925,4 @@
     </a:fmtScheme>
   </a:themeElements>
 </a:theme>
-</file>
-
-<file path=ppt/theme/theme2.xml><?xml version="1.0" encoding="utf-8"?>
-<a:theme xmlns:a="http://schemas.openxmlformats.org/drawingml/2006/main" xmlns:r="http://schemas.openxmlformats.org/officeDocument/2006/relationships">
-  <a:themeElements>
-    <a:clrScheme name="Default">
-      <a:dk1>
-        <a:srgbClr val="000000"/>
-      </a:dk1>
-      <a:lt1>
-        <a:srgbClr val="FFFFFF"/>
-      </a:lt1>
-      <a:dk2>
-        <a:srgbClr val="158158"/>
-      </a:dk2>
-      <a:lt2>
-        <a:srgbClr val="F3F3F3"/>
-      </a:lt2>
-      <a:accent1>
-        <a:srgbClr val="058DC7"/>
-      </a:accent1>
-      <a:accent2>
-        <a:srgbClr val="50B432"/>
-      </a:accent2>
-      <a:accent3>
-        <a:srgbClr val="ED561B"/>
-      </a:accent3>
-      <a:accent4>
-        <a:srgbClr val="EDEF00"/>
-      </a:accent4>
-      <a:accent5>
-        <a:srgbClr val="24CBE5"/>
-      </a:accent5>
-      <a:accent6>
-        <a:srgbClr val="64E572"/>
-      </a:accent6>
-      <a:hlink>
-        <a:srgbClr val="2200CC"/>
-      </a:hlink>
-      <a:folHlink>
-        <a:srgbClr val="551A8B"/>
-      </a:folHlink>
-    </a:clrScheme>
-    <a:fontScheme name="Office">
-      <a:majorFont>
-        <a:latin typeface="Arial"/>
-        <a:ea typeface=""/>
-        <a:cs typeface=""/>
-        <a:font script="Jpan" typeface="ＭＳ Ｐゴシック"/>
-        <a:font script="Hang" typeface="맑은 고딕"/>
-        <a:font script="Hans" typeface="宋体"/>
-        <a:font script="Hant" typeface="新細明體"/>
-        <a:font script="Arab" typeface="Times New Roman"/>
-        <a:font script="Hebr" typeface="Times New Roman"/>
-        <a:font script="Thai" typeface="Angsana New"/>
-        <a:font script="Ethi" typeface="Nyala"/>
-        <a:font script="Beng" typeface="Vrinda"/>
-        <a:font script="Gujr" typeface="Shruti"/>
-        <a:font script="Khmr" typeface="MoolBoran"/>
-        <a:font script="Knda" typeface="Tunga"/>
-        <a:font script="Guru" typeface="Raavi"/>
-        <a:font script="Cans" typeface="Euphemia"/>
-        <a:font script="Cher" typeface="Plantagenet Cherokee"/>
-        <a:font script="Yiii" typeface="Microsoft Yi Baiti"/>
-        <a:font script="Tibt" typeface="Microsoft Himalaya"/>
-        <a:font script="Thaa" typeface="MV Boli"/>
-        <a:font script="Deva" typeface="Mangal"/>
-        <a:font script="Telu" typeface="Gautami"/>
-        <a:font script="Taml" typeface="Latha"/>
-        <a:font script="Syrc" typeface="Estrangelo Edessa"/>
-        <a:font script="Orya" typeface="Kalinga"/>
-        <a:font script="Mlym" typeface="Kartika"/>
-        <a:font script="Laoo" typeface="DokChampa"/>
-        <a:font script="Sinh" typeface="Iskoola Pota"/>
-        <a:font script="Mong" typeface="Mongolian Baiti"/>
-        <a:font script="Viet" typeface="Times New Roman"/>
-        <a:font script="Uigh" typeface="Microsoft Uighur"/>
-        <a:font script="Geor" typeface="Sylfaen"/>
-      </a:majorFont>
-      <a:minorFont>
-        <a:latin typeface="Arial"/>
-        <a:ea typeface=""/>
-        <a:cs typeface=""/>
-        <a:font script="Jpan" typeface="ＭＳ Ｐゴシック"/>
-        <a:font script="Hang" typeface="맑은 고딕"/>
-        <a:font script="Hans" typeface="宋体"/>
-        <a:font script="Hant" typeface="新細明體"/>
-        <a:font script="Arab" typeface="Arial"/>
-        <a:font script="Hebr" typeface="Arial"/>
-        <a:font script="Thai" typeface="Cordia New"/>
-        <a:font script="Ethi" typeface="Nyala"/>
-        <a:font script="Beng" typeface="Vrinda"/>
-        <a:font script="Gujr" typeface="Shruti"/>
-        <a:font script="Khmr" typeface="DaunPenh"/>
-        <a:font script="Knda" typeface="Tunga"/>
-        <a:font script="Guru" typeface="Raavi"/>
-        <a:font script="Cans" typeface="Euphemia"/>
-        <a:font script="Cher" typeface="Plantagenet Cherokee"/>
-        <a:font script="Yiii" typeface="Microsoft Yi Baiti"/>
-        <a:font script="Tibt" typeface="Microsoft Himalaya"/>
-        <a:font script="Thaa" typeface="MV Boli"/>
-        <a:font script="Deva" typeface="Mangal"/>
-        <a:font script="Telu" typeface="Gautami"/>
-        <a:font script="Taml" typeface="Latha"/>
-        <a:font script="Syrc" typeface="Estrangelo Edessa"/>
-        <a:font script="Orya" typeface="Kalinga"/>
-        <a:font script="Mlym" typeface="Kartika"/>
-        <a:font script="Laoo" typeface="DokChampa"/>
-        <a:font script="Sinh" typeface="Iskoola Pota"/>
-        <a:font script="Mong" typeface="Mongolian Baiti"/>
-        <a:font script="Viet" typeface="Arial"/>
-        <a:font script="Uigh" typeface="Microsoft Uighur"/>
-        <a:font script="Geor" typeface="Sylfaen"/>
-      </a:minorFont>
-    </a:fontScheme>
-    <a:fmtScheme name="Office">
-      <a:fillStyleLst>
-        <a:solidFill>
-          <a:schemeClr val="phClr"/>
-        </a:solidFill>
-        <a:gradFill rotWithShape="1">
-          <a:gsLst>
-            <a:gs pos="0">
-              <a:schemeClr val="phClr">
-                <a:tint val="50000"/>
-                <a:satMod val="300000"/>
-              </a:schemeClr>
-            </a:gs>
-            <a:gs pos="35000">
-              <a:schemeClr val="phClr">
-                <a:tint val="37000"/>
-                <a:satMod val="300000"/>
-              </a:schemeClr>
-            </a:gs>
-            <a:gs pos="100000">
-              <a:schemeClr val="phClr">
-                <a:tint val="15000"/>
-                <a:satMod val="350000"/>
-              </a:schemeClr>
-            </a:gs>
-          </a:gsLst>
-          <a:lin ang="16200000" scaled="1"/>
-        </a:gradFill>
-        <a:gradFill rotWithShape="1">
-          <a:gsLst>
-            <a:gs pos="0">
-              <a:schemeClr val="phClr">
-                <a:tint val="100000"/>
-                <a:shade val="100000"/>
-                <a:satMod val="130000"/>
-              </a:schemeClr>
-            </a:gs>
-            <a:gs pos="100000">
-              <a:schemeClr val="phClr">
-                <a:tint val="50000"/>
-                <a:shade val="100000"/>
-                <a:satMod val="350000"/>
-              </a:schemeClr>
-            </a:gs>
-          </a:gsLst>
-          <a:lin ang="16200000" scaled="0"/>
-        </a:gradFill>
-      </a:fillStyleLst>
-      <a:lnStyleLst>
-        <a:ln w="9525" cap="flat" cmpd="sng" algn="ctr">
-          <a:solidFill>
-            <a:schemeClr val="phClr">
-              <a:shade val="95000"/>
-              <a:satMod val="105000"/>
-            </a:schemeClr>
-          </a:solidFill>
-          <a:prstDash val="solid"/>
-        </a:ln>
-        <a:ln w="25400" cap="flat" cmpd="sng" algn="ctr">
-          <a:solidFill>
-            <a:schemeClr val="phClr"/>
-          </a:solidFill>
-          <a:prstDash val="solid"/>
-        </a:ln>
-        <a:ln w="38100" cap="flat" cmpd="sng" algn="ctr">
-          <a:solidFill>
-            <a:schemeClr val="phClr"/>
-          </a:solidFill>
-          <a:prstDash val="solid"/>
-        </a:ln>
-      </a:lnStyleLst>
-      <a:effectStyleLst>
-        <a:effectStyle>
-          <a:effectLst>
-            <a:outerShdw blurRad="40000" dist="20000" dir="5400000" rotWithShape="0">
-              <a:srgbClr val="000000">
-                <a:alpha val="38000"/>
-              </a:srgbClr>
-            </a:outerShdw>
-          </a:effectLst>
-        </a:effectStyle>
-        <a:effectStyle>
-          <a:effectLst>
-            <a:outerShdw blurRad="40000" dist="23000" dir="5400000" rotWithShape="0">
-              <a:srgbClr val="000000">
-                <a:alpha val="35000"/>
-              </a:srgbClr>
-            </a:outerShdw>
-          </a:effectLst>
-        </a:effectStyle>
-        <a:effectStyle>
-          <a:effectLst>
-            <a:outerShdw blurRad="40000" dist="23000" dir="5400000" rotWithShape="0">
-              <a:srgbClr val="000000">
-                <a:alpha val="35000"/>
-              </a:srgbClr>
-            </a:outerShdw>
-          </a:effectLst>
-          <a:scene3d>
-            <a:camera prst="orthographicFront">
-              <a:rot lat="0" lon="0" rev="0"/>
-            </a:camera>
-            <a:lightRig rig="threePt" dir="t">
-              <a:rot lat="0" lon="0" rev="1200000"/>
-            </a:lightRig>
-          </a:scene3d>
-          <a:sp3d>
-            <a:bevelT w="63500" h="25400"/>
-          </a:sp3d>
-        </a:effectStyle>
-      </a:effectStyleLst>
-      <a:bgFillStyleLst>
-        <a:solidFill>
-          <a:schemeClr val="phClr"/>
-        </a:solidFill>
-        <a:gradFill rotWithShape="1">
-          <a:gsLst>
-            <a:gs pos="0">
-              <a:schemeClr val="phClr">
-                <a:tint val="40000"/>
-                <a:satMod val="350000"/>
-              </a:schemeClr>
-            </a:gs>
-            <a:gs pos="40000">
-              <a:schemeClr val="phClr">
-                <a:tint val="45000"/>
-                <a:shade val="99000"/>
-                <a:satMod val="350000"/>
-              </a:schemeClr>
-            </a:gs>
-            <a:gs pos="100000">
-              <a:schemeClr val="phClr">
-                <a:shade val="20000"/>
-                <a:satMod val="255000"/>
-              </a:schemeClr>
-            </a:gs>
-          </a:gsLst>
-          <a:path path="circle">
-            <a:fillToRect l="50000" t="-80000" r="50000" b="180000"/>
-          </a:path>
-        </a:gradFill>
-        <a:gradFill rotWithShape="1">
-          <a:gsLst>
-            <a:gs pos="0">
-              <a:schemeClr val="phClr">
-                <a:tint val="80000"/>
-                <a:satMod val="300000"/>
-              </a:schemeClr>
-            </a:gs>
-            <a:gs pos="100000">
-              <a:schemeClr val="phClr">
-                <a:shade val="30000"/>
-                <a:satMod val="200000"/>
-              </a:schemeClr>
-            </a:gs>
-          </a:gsLst>
-          <a:path path="circle">
-            <a:fillToRect l="50000" t="50000" r="50000" b="50000"/>
-          </a:path>
-        </a:gradFill>
-      </a:bgFillStyleLst>
-    </a:fmtScheme>
-  </a:themeElements>
-</a:theme>
 </file>
--- a/College_Costs_Career_Pay.pptx
+++ b/College_Costs_Career_Pay.pptx
@@ -1127,7 +1127,7 @@
       </p:grpSpPr>
       <p:sp>
         <p:nvSpPr>
-          <p:cNvPr id="91" name="Google Shape;91;g18e4127dfa6_0_243:notes"/>
+          <p:cNvPr id="91" name="Google Shape;91;g18e4127dfa6_0_287:notes"/>
           <p:cNvSpPr/>
           <p:nvPr>
             <p:ph idx="2" type="sldImg"/>
@@ -1162,7 +1162,7 @@
       </p:sp>
       <p:sp>
         <p:nvSpPr>
-          <p:cNvPr id="92" name="Google Shape;92;g18e4127dfa6_0_243:notes"/>
+          <p:cNvPr id="92" name="Google Shape;92;g18e4127dfa6_0_287:notes"/>
           <p:cNvSpPr txBox="1"/>
           <p:nvPr>
             <p:ph idx="1" type="body"/>
@@ -8299,20 +8299,20 @@
         </p:nvSpPr>
         <p:spPr>
           <a:xfrm>
-            <a:off x="311700" y="445025"/>
-            <a:ext cx="8520600" cy="572700"/>
+            <a:off x="265500" y="1716600"/>
+            <a:ext cx="4045200" cy="1710300"/>
           </a:xfrm>
           <a:prstGeom prst="rect">
             <a:avLst/>
           </a:prstGeom>
         </p:spPr>
         <p:txBody>
-          <a:bodyPr anchorCtr="0" anchor="t" bIns="91425" lIns="91425" spcFirstLastPara="1" rIns="91425" wrap="square" tIns="91425">
-            <a:normAutofit fontScale="90000"/>
+          <a:bodyPr anchorCtr="0" anchor="b" bIns="91425" lIns="91425" spcFirstLastPara="1" rIns="91425" wrap="square" tIns="91425">
+            <a:normAutofit/>
           </a:bodyPr>
           <a:lstStyle/>
           <a:p>
-            <a:pPr indent="0" lvl="0" marL="0" rtl="0" algn="l">
+            <a:pPr indent="0" lvl="0" marL="0" rtl="0" algn="ctr">
               <a:spcBef>
                 <a:spcPts val="0"/>
               </a:spcBef>
@@ -8323,7 +8323,7 @@
             </a:pPr>
             <a:r>
               <a:rPr lang="en"/>
-              <a:t>Exploratory Data Analysis - Questions</a:t>
+              <a:t>Exploratory Data Analysis</a:t>
             </a:r>
             <a:endParaRPr/>
           </a:p>
@@ -8334,32 +8334,61 @@
           <p:cNvPr id="95" name="Google Shape;95;p17"/>
           <p:cNvSpPr txBox="1"/>
           <p:nvPr>
-            <p:ph idx="1" type="body"/>
+            <p:ph idx="2" type="body"/>
           </p:nvPr>
         </p:nvSpPr>
         <p:spPr>
           <a:xfrm>
-            <a:off x="311700" y="1152475"/>
-            <a:ext cx="8520600" cy="3416400"/>
+            <a:off x="4954600" y="648750"/>
+            <a:ext cx="3837000" cy="3719400"/>
           </a:xfrm>
           <a:prstGeom prst="rect">
             <a:avLst/>
           </a:prstGeom>
         </p:spPr>
         <p:txBody>
-          <a:bodyPr anchorCtr="0" anchor="t" bIns="91425" lIns="91425" spcFirstLastPara="1" rIns="91425" wrap="square" tIns="91425">
-            <a:normAutofit/>
+          <a:bodyPr anchorCtr="0" anchor="ctr" bIns="91425" lIns="91425" spcFirstLastPara="1" rIns="91425" wrap="square" tIns="91425">
+            <a:normAutofit fontScale="77500" lnSpcReduction="10000"/>
           </a:bodyPr>
           <a:lstStyle/>
           <a:p>
-            <a:pPr indent="-342900" lvl="0" marL="457200" rtl="0" algn="l">
-              <a:spcBef>
-                <a:spcPts val="0"/>
-              </a:spcBef>
-              <a:spcAft>
-                <a:spcPts val="0"/>
-              </a:spcAft>
-              <a:buSzPts val="1800"/>
+            <a:pPr indent="0" lvl="0" marL="0" rtl="0" algn="l">
+              <a:spcBef>
+                <a:spcPts val="0"/>
+              </a:spcBef>
+              <a:spcAft>
+                <a:spcPts val="0"/>
+              </a:spcAft>
+              <a:buNone/>
+            </a:pPr>
+            <a:r>
+              <a:rPr b="1" lang="en" sz="2050">
+                <a:latin typeface="Roboto"/>
+                <a:ea typeface="Roboto"/>
+                <a:cs typeface="Roboto"/>
+                <a:sym typeface="Roboto"/>
+              </a:rPr>
+              <a:t>QUESTIONS</a:t>
+            </a:r>
+            <a:endParaRPr b="1" sz="2050">
+              <a:latin typeface="Roboto"/>
+              <a:ea typeface="Roboto"/>
+              <a:cs typeface="Roboto"/>
+              <a:sym typeface="Roboto"/>
+            </a:endParaRPr>
+          </a:p>
+          <a:p>
+            <a:pPr indent="-317182" lvl="0" marL="457200" rtl="0" algn="l">
+              <a:spcBef>
+                <a:spcPts val="1200"/>
+              </a:spcBef>
+              <a:spcAft>
+                <a:spcPts val="0"/>
+              </a:spcAft>
+              <a:buClr>
+                <a:schemeClr val="lt1"/>
+              </a:buClr>
+              <a:buSzPct val="100000"/>
               <a:buFont typeface="Roboto"/>
               <a:buChar char="❖"/>
             </a:pPr>
@@ -8388,14 +8417,17 @@
             </a:endParaRPr>
           </a:p>
           <a:p>
-            <a:pPr indent="-342900" lvl="0" marL="457200" rtl="0" algn="l">
-              <a:spcBef>
-                <a:spcPts val="0"/>
-              </a:spcBef>
-              <a:spcAft>
-                <a:spcPts val="0"/>
-              </a:spcAft>
-              <a:buSzPts val="1800"/>
+            <a:pPr indent="-317182" lvl="0" marL="457200" rtl="0" algn="l">
+              <a:spcBef>
+                <a:spcPts val="0"/>
+              </a:spcBef>
+              <a:spcAft>
+                <a:spcPts val="0"/>
+              </a:spcAft>
+              <a:buClr>
+                <a:schemeClr val="lt1"/>
+              </a:buClr>
+              <a:buSzPct val="100000"/>
               <a:buFont typeface="Roboto"/>
               <a:buChar char="❖"/>
             </a:pPr>
@@ -8424,14 +8456,17 @@
             </a:endParaRPr>
           </a:p>
           <a:p>
-            <a:pPr indent="-342900" lvl="0" marL="457200" rtl="0" algn="l">
-              <a:spcBef>
-                <a:spcPts val="0"/>
-              </a:spcBef>
-              <a:spcAft>
-                <a:spcPts val="0"/>
-              </a:spcAft>
-              <a:buSzPts val="1800"/>
+            <a:pPr indent="-317182" lvl="0" marL="457200" rtl="0" algn="l">
+              <a:spcBef>
+                <a:spcPts val="0"/>
+              </a:spcBef>
+              <a:spcAft>
+                <a:spcPts val="0"/>
+              </a:spcAft>
+              <a:buClr>
+                <a:schemeClr val="lt1"/>
+              </a:buClr>
+              <a:buSzPct val="100000"/>
               <a:buFont typeface="Roboto"/>
               <a:buChar char="❖"/>
             </a:pPr>
@@ -8460,14 +8495,17 @@
             </a:endParaRPr>
           </a:p>
           <a:p>
-            <a:pPr indent="-342900" lvl="0" marL="457200" rtl="0" algn="l">
-              <a:spcBef>
-                <a:spcPts val="0"/>
-              </a:spcBef>
-              <a:spcAft>
-                <a:spcPts val="0"/>
-              </a:spcAft>
-              <a:buSzPts val="1800"/>
+            <a:pPr indent="-317182" lvl="0" marL="457200" rtl="0" algn="l">
+              <a:spcBef>
+                <a:spcPts val="0"/>
+              </a:spcBef>
+              <a:spcAft>
+                <a:spcPts val="0"/>
+              </a:spcAft>
+              <a:buClr>
+                <a:schemeClr val="lt1"/>
+              </a:buClr>
+              <a:buSzPct val="100000"/>
               <a:buFont typeface="Roboto"/>
               <a:buChar char="❖"/>
             </a:pPr>
@@ -8496,14 +8534,17 @@
             </a:endParaRPr>
           </a:p>
           <a:p>
-            <a:pPr indent="-342900" lvl="0" marL="457200" rtl="0" algn="l">
-              <a:spcBef>
-                <a:spcPts val="0"/>
-              </a:spcBef>
-              <a:spcAft>
-                <a:spcPts val="0"/>
-              </a:spcAft>
-              <a:buSzPts val="1800"/>
+            <a:pPr indent="-317182" lvl="0" marL="457200" rtl="0" algn="l">
+              <a:spcBef>
+                <a:spcPts val="0"/>
+              </a:spcBef>
+              <a:spcAft>
+                <a:spcPts val="0"/>
+              </a:spcAft>
+              <a:buClr>
+                <a:schemeClr val="lt1"/>
+              </a:buClr>
+              <a:buSzPct val="100000"/>
               <a:buFont typeface="Roboto"/>
               <a:buChar char="❖"/>
             </a:pPr>
@@ -8516,12 +8557,7 @@
               </a:rPr>
               <a:t>What regions have the highest early career salary?</a:t>
             </a:r>
-            <a:endParaRPr>
-              <a:latin typeface="Roboto"/>
-              <a:ea typeface="Roboto"/>
-              <a:cs typeface="Roboto"/>
-              <a:sym typeface="Roboto"/>
-            </a:endParaRPr>
+            <a:endParaRPr/>
           </a:p>
         </p:txBody>
       </p:sp>
@@ -8645,6 +8681,32 @@
                 <a:sym typeface="Times New Roman"/>
               </a:rPr>
               <a:t>Description - TBD</a:t>
+            </a:r>
+            <a:endParaRPr i="1">
+              <a:latin typeface="Times New Roman"/>
+              <a:ea typeface="Times New Roman"/>
+              <a:cs typeface="Times New Roman"/>
+              <a:sym typeface="Times New Roman"/>
+            </a:endParaRPr>
+          </a:p>
+          <a:p>
+            <a:pPr indent="0" lvl="0" marL="0" rtl="0" algn="l">
+              <a:spcBef>
+                <a:spcPts val="1200"/>
+              </a:spcBef>
+              <a:spcAft>
+                <a:spcPts val="0"/>
+              </a:spcAft>
+              <a:buNone/>
+            </a:pPr>
+            <a:r>
+              <a:rPr i="1" lang="en">
+                <a:latin typeface="Times New Roman"/>
+                <a:ea typeface="Times New Roman"/>
+                <a:cs typeface="Times New Roman"/>
+                <a:sym typeface="Times New Roman"/>
+              </a:rPr>
+              <a:t>Link to EDA code - TBD</a:t>
             </a:r>
             <a:endParaRPr i="1">
               <a:latin typeface="Times New Roman"/>

--- a/College_Costs_Career_Pay.pptx
+++ b/College_Costs_Career_Pay.pptx
@@ -8620,7 +8620,7 @@
             </a:pPr>
             <a:r>
               <a:rPr lang="en"/>
-              <a:t>Exploratory Data Analysis - Visuals</a:t>
+              <a:t>Exploratory Data Analysis - Visuals and Descriptions</a:t>
             </a:r>
             <a:endParaRPr/>
           </a:p>
@@ -8706,7 +8706,7 @@
                 <a:cs typeface="Times New Roman"/>
                 <a:sym typeface="Times New Roman"/>
               </a:rPr>
-              <a:t>Link to EDA code - TBD</a:t>
+              <a:t>Link to EDA file with code - TBD</a:t>
             </a:r>
             <a:endParaRPr i="1">
               <a:latin typeface="Times New Roman"/>
@@ -8818,8 +8818,8 @@
         </p:nvSpPr>
         <p:spPr>
           <a:xfrm>
-            <a:off x="4939500" y="724200"/>
-            <a:ext cx="3837000" cy="3695100"/>
+            <a:off x="4916875" y="316775"/>
+            <a:ext cx="3837000" cy="3983700"/>
           </a:xfrm>
           <a:prstGeom prst="rect">
             <a:avLst/>
@@ -8841,24 +8841,103 @@
               <a:buNone/>
             </a:pPr>
             <a:r>
-              <a:rPr lang="en" sz="1100">
+              <a:rPr lang="en" sz="1000">
                 <a:latin typeface="Roboto"/>
                 <a:ea typeface="Roboto"/>
                 <a:cs typeface="Roboto"/>
                 <a:sym typeface="Roboto"/>
               </a:rPr>
-              <a:t>PostgreSQL</a:t>
+              <a:t>PostgreSQL, via PGAdmin, is used to store the tables of data.</a:t>
             </a:r>
+            <a:endParaRPr sz="1000">
+              <a:latin typeface="Roboto"/>
+              <a:ea typeface="Roboto"/>
+              <a:cs typeface="Roboto"/>
+              <a:sym typeface="Roboto"/>
+            </a:endParaRPr>
+          </a:p>
+          <a:p>
+            <a:pPr indent="0" lvl="0" marL="0" rtl="0" algn="l">
+              <a:spcBef>
+                <a:spcPts val="1200"/>
+              </a:spcBef>
+              <a:spcAft>
+                <a:spcPts val="0"/>
+              </a:spcAft>
+              <a:buNone/>
+            </a:pPr>
             <a:r>
-              <a:rPr lang="en" sz="1100">
+              <a:rPr lang="en" sz="1000">
                 <a:latin typeface="Roboto"/>
                 <a:ea typeface="Roboto"/>
                 <a:cs typeface="Roboto"/>
                 <a:sym typeface="Roboto"/>
               </a:rPr>
-              <a:t> via PGAdmin was used to store the tables of data.</a:t>
+              <a:t>Below is our entity relational diagram that outlines our datasets and assisted us with our EDA process. </a:t>
             </a:r>
-            <a:endParaRPr sz="1100">
+            <a:endParaRPr sz="1000">
+              <a:latin typeface="Roboto"/>
+              <a:ea typeface="Roboto"/>
+              <a:cs typeface="Roboto"/>
+              <a:sym typeface="Roboto"/>
+            </a:endParaRPr>
+          </a:p>
+          <a:p>
+            <a:pPr indent="0" lvl="0" marL="0" rtl="0" algn="l">
+              <a:spcBef>
+                <a:spcPts val="1200"/>
+              </a:spcBef>
+              <a:spcAft>
+                <a:spcPts val="0"/>
+              </a:spcAft>
+              <a:buNone/>
+            </a:pPr>
+            <a:r>
+              <a:rPr lang="en" sz="1000">
+                <a:latin typeface="Roboto"/>
+                <a:ea typeface="Roboto"/>
+                <a:cs typeface="Roboto"/>
+                <a:sym typeface="Roboto"/>
+              </a:rPr>
+              <a:t>The two most common features within our datasets is </a:t>
+            </a:r>
+            <a:r>
+              <a:rPr b="1" lang="en" sz="1000">
+                <a:latin typeface="Roboto"/>
+                <a:ea typeface="Roboto"/>
+                <a:cs typeface="Roboto"/>
+                <a:sym typeface="Roboto"/>
+              </a:rPr>
+              <a:t>State </a:t>
+            </a:r>
+            <a:r>
+              <a:rPr lang="en" sz="1000">
+                <a:latin typeface="Roboto"/>
+                <a:ea typeface="Roboto"/>
+                <a:cs typeface="Roboto"/>
+                <a:sym typeface="Roboto"/>
+              </a:rPr>
+              <a:t>and </a:t>
+            </a:r>
+            <a:r>
+              <a:rPr b="1" lang="en" sz="1000">
+                <a:latin typeface="Roboto"/>
+                <a:ea typeface="Roboto"/>
+                <a:cs typeface="Roboto"/>
+                <a:sym typeface="Roboto"/>
+              </a:rPr>
+              <a:t>UniversityName</a:t>
+            </a:r>
+            <a:r>
+              <a:rPr lang="en" sz="1000">
+                <a:latin typeface="Roboto"/>
+                <a:ea typeface="Roboto"/>
+                <a:cs typeface="Roboto"/>
+                <a:sym typeface="Roboto"/>
+              </a:rPr>
+              <a:t>.</a:t>
+            </a:r>
+            <a:endParaRPr sz="1000">
               <a:latin typeface="Roboto"/>
               <a:ea typeface="Roboto"/>
               <a:cs typeface="Roboto"/>

--- a/College_Costs_Career_Pay.pptx
+++ b/College_Costs_Career_Pay.pptx
@@ -17,25 +17,28 @@
     <p:sldId id="262" r:id="rId12"/>
     <p:sldId id="263" r:id="rId13"/>
     <p:sldId id="264" r:id="rId14"/>
+    <p:sldId id="265" r:id="rId15"/>
+    <p:sldId id="266" r:id="rId16"/>
+    <p:sldId id="267" r:id="rId17"/>
   </p:sldIdLst>
   <p:sldSz cy="5143500" cx="9144000"/>
   <p:notesSz cx="6858000" cy="9144000"/>
   <p:embeddedFontLst>
     <p:embeddedFont>
       <p:font typeface="Roboto"/>
-      <p:regular r:id="rId15"/>
-      <p:bold r:id="rId16"/>
-      <p:italic r:id="rId17"/>
-      <p:boldItalic r:id="rId18"/>
+      <p:regular r:id="rId18"/>
+      <p:bold r:id="rId19"/>
+      <p:italic r:id="rId20"/>
+      <p:boldItalic r:id="rId21"/>
     </p:embeddedFont>
     <p:embeddedFont>
       <p:font typeface="Average"/>
-      <p:regular r:id="rId19"/>
+      <p:regular r:id="rId22"/>
     </p:embeddedFont>
     <p:embeddedFont>
       <p:font typeface="Oswald"/>
-      <p:regular r:id="rId20"/>
-      <p:bold r:id="rId21"/>
+      <p:regular r:id="rId23"/>
+      <p:bold r:id="rId24"/>
     </p:embeddedFont>
   </p:embeddedFontLst>
   <p:defaultTextStyle>
@@ -811,6 +814,303 @@
 </p:notes>
 </file>
 
+<file path=ppt/notesSlides/notesSlide10.xml><?xml version="1.0" encoding="utf-8"?>
+<p:notes xmlns:a="http://schemas.openxmlformats.org/drawingml/2006/main" xmlns:r="http://schemas.openxmlformats.org/officeDocument/2006/relationships" xmlns:mc="http://schemas.openxmlformats.org/markup-compatibility/2006" xmlns:mv="urn:schemas-microsoft-com:mac:vml" xmlns:p="http://schemas.openxmlformats.org/presentationml/2006/main" xmlns:c="http://schemas.openxmlformats.org/drawingml/2006/chart" xmlns:dgm="http://schemas.openxmlformats.org/drawingml/2006/diagram" xmlns:o="urn:schemas-microsoft-com:office:office" xmlns:v="urn:schemas-microsoft-com:vml" xmlns:pvml="urn:schemas-microsoft-com:office:powerpoint" xmlns:com="http://schemas.openxmlformats.org/drawingml/2006/compatibility" xmlns:p14="http://schemas.microsoft.com/office/powerpoint/2010/main" xmlns:p15="http://schemas.microsoft.com/office/powerpoint/2012/main" xmlns:ahyp="http://schemas.microsoft.com/office/drawing/2018/hyperlinkcolor" showMasterPhAnim="0" showMasterSp="0">
+  <p:cSld>
+    <p:spTree>
+      <p:nvGrpSpPr>
+        <p:cNvPr id="126" name="Shape 126"/>
+        <p:cNvGrpSpPr/>
+        <p:nvPr/>
+      </p:nvGrpSpPr>
+      <p:grpSpPr>
+        <a:xfrm>
+          <a:off x="0" y="0"/>
+          <a:ext cx="0" cy="0"/>
+          <a:chOff x="0" y="0"/>
+          <a:chExt cx="0" cy="0"/>
+        </a:xfrm>
+      </p:grpSpPr>
+      <p:sp>
+        <p:nvSpPr>
+          <p:cNvPr id="127" name="Google Shape;127;g19463de4c04_0_0:notes"/>
+          <p:cNvSpPr/>
+          <p:nvPr>
+            <p:ph idx="2" type="sldImg"/>
+          </p:nvPr>
+        </p:nvSpPr>
+        <p:spPr>
+          <a:xfrm>
+            <a:off x="381300" y="685800"/>
+            <a:ext cx="6096000" cy="3429000"/>
+          </a:xfrm>
+          <a:custGeom>
+            <a:rect b="b" l="l" r="r" t="t"/>
+            <a:pathLst>
+              <a:path extrusionOk="0" h="120000" w="120000">
+                <a:moveTo>
+                  <a:pt x="0" y="0"/>
+                </a:moveTo>
+                <a:lnTo>
+                  <a:pt x="120000" y="0"/>
+                </a:lnTo>
+                <a:lnTo>
+                  <a:pt x="120000" y="120000"/>
+                </a:lnTo>
+                <a:lnTo>
+                  <a:pt x="0" y="120000"/>
+                </a:lnTo>
+                <a:close/>
+              </a:path>
+            </a:pathLst>
+          </a:custGeom>
+        </p:spPr>
+      </p:sp>
+      <p:sp>
+        <p:nvSpPr>
+          <p:cNvPr id="128" name="Google Shape;128;g19463de4c04_0_0:notes"/>
+          <p:cNvSpPr txBox="1"/>
+          <p:nvPr>
+            <p:ph idx="1" type="body"/>
+          </p:nvPr>
+        </p:nvSpPr>
+        <p:spPr>
+          <a:xfrm>
+            <a:off x="685800" y="4343400"/>
+            <a:ext cx="5486400" cy="4114800"/>
+          </a:xfrm>
+          <a:prstGeom prst="rect">
+            <a:avLst/>
+          </a:prstGeom>
+        </p:spPr>
+        <p:txBody>
+          <a:bodyPr anchorCtr="0" anchor="t" bIns="91425" lIns="91425" spcFirstLastPara="1" rIns="91425" wrap="square" tIns="91425">
+            <a:noAutofit/>
+          </a:bodyPr>
+          <a:lstStyle/>
+          <a:p>
+            <a:pPr indent="0" lvl="0" marL="0" rtl="0" algn="l">
+              <a:spcBef>
+                <a:spcPts val="0"/>
+              </a:spcBef>
+              <a:spcAft>
+                <a:spcPts val="0"/>
+              </a:spcAft>
+              <a:buNone/>
+            </a:pPr>
+            <a:r>
+              <a:t/>
+            </a:r>
+            <a:endParaRPr/>
+          </a:p>
+        </p:txBody>
+      </p:sp>
+    </p:spTree>
+  </p:cSld>
+  <p:clrMapOvr>
+    <a:masterClrMapping/>
+  </p:clrMapOvr>
+</p:notes>
+</file>
+
+<file path=ppt/notesSlides/notesSlide11.xml><?xml version="1.0" encoding="utf-8"?>
+<p:notes xmlns:a="http://schemas.openxmlformats.org/drawingml/2006/main" xmlns:r="http://schemas.openxmlformats.org/officeDocument/2006/relationships" xmlns:mc="http://schemas.openxmlformats.org/markup-compatibility/2006" xmlns:mv="urn:schemas-microsoft-com:mac:vml" xmlns:p="http://schemas.openxmlformats.org/presentationml/2006/main" xmlns:c="http://schemas.openxmlformats.org/drawingml/2006/chart" xmlns:dgm="http://schemas.openxmlformats.org/drawingml/2006/diagram" xmlns:o="urn:schemas-microsoft-com:office:office" xmlns:v="urn:schemas-microsoft-com:vml" xmlns:pvml="urn:schemas-microsoft-com:office:powerpoint" xmlns:com="http://schemas.openxmlformats.org/drawingml/2006/compatibility" xmlns:p14="http://schemas.microsoft.com/office/powerpoint/2010/main" xmlns:p15="http://schemas.microsoft.com/office/powerpoint/2012/main" xmlns:ahyp="http://schemas.microsoft.com/office/drawing/2018/hyperlinkcolor" showMasterPhAnim="0" showMasterSp="0">
+  <p:cSld>
+    <p:spTree>
+      <p:nvGrpSpPr>
+        <p:cNvPr id="143" name="Shape 143"/>
+        <p:cNvGrpSpPr/>
+        <p:nvPr/>
+      </p:nvGrpSpPr>
+      <p:grpSpPr>
+        <a:xfrm>
+          <a:off x="0" y="0"/>
+          <a:ext cx="0" cy="0"/>
+          <a:chOff x="0" y="0"/>
+          <a:chExt cx="0" cy="0"/>
+        </a:xfrm>
+      </p:grpSpPr>
+      <p:sp>
+        <p:nvSpPr>
+          <p:cNvPr id="144" name="Google Shape;144;g18e4127dfa6_0_281:notes"/>
+          <p:cNvSpPr/>
+          <p:nvPr>
+            <p:ph idx="2" type="sldImg"/>
+          </p:nvPr>
+        </p:nvSpPr>
+        <p:spPr>
+          <a:xfrm>
+            <a:off x="381300" y="685800"/>
+            <a:ext cx="6096000" cy="3429000"/>
+          </a:xfrm>
+          <a:custGeom>
+            <a:rect b="b" l="l" r="r" t="t"/>
+            <a:pathLst>
+              <a:path extrusionOk="0" h="120000" w="120000">
+                <a:moveTo>
+                  <a:pt x="0" y="0"/>
+                </a:moveTo>
+                <a:lnTo>
+                  <a:pt x="120000" y="0"/>
+                </a:lnTo>
+                <a:lnTo>
+                  <a:pt x="120000" y="120000"/>
+                </a:lnTo>
+                <a:lnTo>
+                  <a:pt x="0" y="120000"/>
+                </a:lnTo>
+                <a:close/>
+              </a:path>
+            </a:pathLst>
+          </a:custGeom>
+        </p:spPr>
+      </p:sp>
+      <p:sp>
+        <p:nvSpPr>
+          <p:cNvPr id="145" name="Google Shape;145;g18e4127dfa6_0_281:notes"/>
+          <p:cNvSpPr txBox="1"/>
+          <p:nvPr>
+            <p:ph idx="1" type="body"/>
+          </p:nvPr>
+        </p:nvSpPr>
+        <p:spPr>
+          <a:xfrm>
+            <a:off x="685800" y="4343400"/>
+            <a:ext cx="5486400" cy="4114800"/>
+          </a:xfrm>
+          <a:prstGeom prst="rect">
+            <a:avLst/>
+          </a:prstGeom>
+        </p:spPr>
+        <p:txBody>
+          <a:bodyPr anchorCtr="0" anchor="t" bIns="91425" lIns="91425" spcFirstLastPara="1" rIns="91425" wrap="square" tIns="91425">
+            <a:noAutofit/>
+          </a:bodyPr>
+          <a:lstStyle/>
+          <a:p>
+            <a:pPr indent="0" lvl="0" marL="0" rtl="0" algn="l">
+              <a:spcBef>
+                <a:spcPts val="0"/>
+              </a:spcBef>
+              <a:spcAft>
+                <a:spcPts val="0"/>
+              </a:spcAft>
+              <a:buNone/>
+            </a:pPr>
+            <a:r>
+              <a:t/>
+            </a:r>
+            <a:endParaRPr/>
+          </a:p>
+        </p:txBody>
+      </p:sp>
+    </p:spTree>
+  </p:cSld>
+  <p:clrMapOvr>
+    <a:masterClrMapping/>
+  </p:clrMapOvr>
+</p:notes>
+</file>
+
+<file path=ppt/notesSlides/notesSlide12.xml><?xml version="1.0" encoding="utf-8"?>
+<p:notes xmlns:a="http://schemas.openxmlformats.org/drawingml/2006/main" xmlns:r="http://schemas.openxmlformats.org/officeDocument/2006/relationships" xmlns:mc="http://schemas.openxmlformats.org/markup-compatibility/2006" xmlns:mv="urn:schemas-microsoft-com:mac:vml" xmlns:p="http://schemas.openxmlformats.org/presentationml/2006/main" xmlns:c="http://schemas.openxmlformats.org/drawingml/2006/chart" xmlns:dgm="http://schemas.openxmlformats.org/drawingml/2006/diagram" xmlns:o="urn:schemas-microsoft-com:office:office" xmlns:v="urn:schemas-microsoft-com:vml" xmlns:pvml="urn:schemas-microsoft-com:office:powerpoint" xmlns:com="http://schemas.openxmlformats.org/drawingml/2006/compatibility" xmlns:p14="http://schemas.microsoft.com/office/powerpoint/2010/main" xmlns:p15="http://schemas.microsoft.com/office/powerpoint/2012/main" xmlns:ahyp="http://schemas.microsoft.com/office/drawing/2018/hyperlinkcolor" showMasterPhAnim="0" showMasterSp="0">
+  <p:cSld>
+    <p:spTree>
+      <p:nvGrpSpPr>
+        <p:cNvPr id="149" name="Shape 149"/>
+        <p:cNvGrpSpPr/>
+        <p:nvPr/>
+      </p:nvGrpSpPr>
+      <p:grpSpPr>
+        <a:xfrm>
+          <a:off x="0" y="0"/>
+          <a:ext cx="0" cy="0"/>
+          <a:chOff x="0" y="0"/>
+          <a:chExt cx="0" cy="0"/>
+        </a:xfrm>
+      </p:grpSpPr>
+      <p:sp>
+        <p:nvSpPr>
+          <p:cNvPr id="150" name="Google Shape;150;g1944409ac44_0_10:notes"/>
+          <p:cNvSpPr/>
+          <p:nvPr>
+            <p:ph idx="2" type="sldImg"/>
+          </p:nvPr>
+        </p:nvSpPr>
+        <p:spPr>
+          <a:xfrm>
+            <a:off x="381300" y="685800"/>
+            <a:ext cx="6096000" cy="3429000"/>
+          </a:xfrm>
+          <a:custGeom>
+            <a:rect b="b" l="l" r="r" t="t"/>
+            <a:pathLst>
+              <a:path extrusionOk="0" h="120000" w="120000">
+                <a:moveTo>
+                  <a:pt x="0" y="0"/>
+                </a:moveTo>
+                <a:lnTo>
+                  <a:pt x="120000" y="0"/>
+                </a:lnTo>
+                <a:lnTo>
+                  <a:pt x="120000" y="120000"/>
+                </a:lnTo>
+                <a:lnTo>
+                  <a:pt x="0" y="120000"/>
+                </a:lnTo>
+                <a:close/>
+              </a:path>
+            </a:pathLst>
+          </a:custGeom>
+        </p:spPr>
+      </p:sp>
+      <p:sp>
+        <p:nvSpPr>
+          <p:cNvPr id="151" name="Google Shape;151;g1944409ac44_0_10:notes"/>
+          <p:cNvSpPr txBox="1"/>
+          <p:nvPr>
+            <p:ph idx="1" type="body"/>
+          </p:nvPr>
+        </p:nvSpPr>
+        <p:spPr>
+          <a:xfrm>
+            <a:off x="685800" y="4343400"/>
+            <a:ext cx="5486400" cy="4114800"/>
+          </a:xfrm>
+          <a:prstGeom prst="rect">
+            <a:avLst/>
+          </a:prstGeom>
+        </p:spPr>
+        <p:txBody>
+          <a:bodyPr anchorCtr="0" anchor="t" bIns="91425" lIns="91425" spcFirstLastPara="1" rIns="91425" wrap="square" tIns="91425">
+            <a:noAutofit/>
+          </a:bodyPr>
+          <a:lstStyle/>
+          <a:p>
+            <a:pPr indent="0" lvl="0" marL="0" rtl="0" algn="l">
+              <a:spcBef>
+                <a:spcPts val="0"/>
+              </a:spcBef>
+              <a:spcAft>
+                <a:spcPts val="0"/>
+              </a:spcAft>
+              <a:buNone/>
+            </a:pPr>
+            <a:r>
+              <a:t/>
+            </a:r>
+            <a:endParaRPr/>
+          </a:p>
+        </p:txBody>
+      </p:sp>
+    </p:spTree>
+  </p:cSld>
+  <p:clrMapOvr>
+    <a:masterClrMapping/>
+  </p:clrMapOvr>
+</p:notes>
+</file>
+
 <file path=ppt/notesSlides/notesSlide2.xml><?xml version="1.0" encoding="utf-8"?>
 <p:notes xmlns:a="http://schemas.openxmlformats.org/drawingml/2006/main" xmlns:r="http://schemas.openxmlformats.org/officeDocument/2006/relationships" xmlns:mc="http://schemas.openxmlformats.org/markup-compatibility/2006" xmlns:mv="urn:schemas-microsoft-com:mac:vml" xmlns:p="http://schemas.openxmlformats.org/presentationml/2006/main" xmlns:c="http://schemas.openxmlformats.org/drawingml/2006/chart" xmlns:dgm="http://schemas.openxmlformats.org/drawingml/2006/diagram" xmlns:o="urn:schemas-microsoft-com:office:office" xmlns:v="urn:schemas-microsoft-com:vml" xmlns:pvml="urn:schemas-microsoft-com:office:powerpoint" xmlns:com="http://schemas.openxmlformats.org/drawingml/2006/compatibility" xmlns:p14="http://schemas.microsoft.com/office/powerpoint/2010/main" xmlns:p15="http://schemas.microsoft.com/office/powerpoint/2012/main" xmlns:ahyp="http://schemas.microsoft.com/office/drawing/2018/hyperlinkcolor" showMasterPhAnim="0" showMasterSp="0">
   <p:cSld>
@@ -1014,7 +1314,7 @@
   <p:cSld>
     <p:spTree>
       <p:nvGrpSpPr>
-        <p:cNvPr id="83" name="Shape 83"/>
+        <p:cNvPr id="84" name="Shape 84"/>
         <p:cNvGrpSpPr/>
         <p:nvPr/>
       </p:nvGrpSpPr>
@@ -1028,7 +1328,7 @@
       </p:grpSpPr>
       <p:sp>
         <p:nvSpPr>
-          <p:cNvPr id="84" name="Google Shape;84;g18e4127dfa6_0_235:notes"/>
+          <p:cNvPr id="85" name="Google Shape;85;g18e4127dfa6_0_235:notes"/>
           <p:cNvSpPr/>
           <p:nvPr>
             <p:ph idx="2" type="sldImg"/>
@@ -1063,7 +1363,7 @@
       </p:sp>
       <p:sp>
         <p:nvSpPr>
-          <p:cNvPr id="85" name="Google Shape;85;g18e4127dfa6_0_235:notes"/>
+          <p:cNvPr id="86" name="Google Shape;86;g18e4127dfa6_0_235:notes"/>
           <p:cNvSpPr txBox="1"/>
           <p:nvPr>
             <p:ph idx="1" type="body"/>
@@ -1113,7 +1413,7 @@
   <p:cSld>
     <p:spTree>
       <p:nvGrpSpPr>
-        <p:cNvPr id="90" name="Shape 90"/>
+        <p:cNvPr id="91" name="Shape 91"/>
         <p:cNvGrpSpPr/>
         <p:nvPr/>
       </p:nvGrpSpPr>
@@ -1127,7 +1427,7 @@
       </p:grpSpPr>
       <p:sp>
         <p:nvSpPr>
-          <p:cNvPr id="91" name="Google Shape;91;g18e4127dfa6_0_287:notes"/>
+          <p:cNvPr id="92" name="Google Shape;92;g18e4127dfa6_0_287:notes"/>
           <p:cNvSpPr/>
           <p:nvPr>
             <p:ph idx="2" type="sldImg"/>
@@ -1162,7 +1462,7 @@
       </p:sp>
       <p:sp>
         <p:nvSpPr>
-          <p:cNvPr id="92" name="Google Shape;92;g18e4127dfa6_0_287:notes"/>
+          <p:cNvPr id="93" name="Google Shape;93;g18e4127dfa6_0_287:notes"/>
           <p:cNvSpPr txBox="1"/>
           <p:nvPr>
             <p:ph idx="1" type="body"/>
@@ -1212,7 +1512,7 @@
   <p:cSld>
     <p:spTree>
       <p:nvGrpSpPr>
-        <p:cNvPr id="96" name="Shape 96"/>
+        <p:cNvPr id="97" name="Shape 97"/>
         <p:cNvGrpSpPr/>
         <p:nvPr/>
       </p:nvGrpSpPr>
@@ -1226,7 +1526,7 @@
       </p:grpSpPr>
       <p:sp>
         <p:nvSpPr>
-          <p:cNvPr id="97" name="Google Shape;97;g18e4127dfa6_0_248:notes"/>
+          <p:cNvPr id="98" name="Google Shape;98;g18e4127dfa6_0_248:notes"/>
           <p:cNvSpPr/>
           <p:nvPr>
             <p:ph idx="2" type="sldImg"/>
@@ -1261,7 +1561,7 @@
       </p:sp>
       <p:sp>
         <p:nvSpPr>
-          <p:cNvPr id="98" name="Google Shape;98;g18e4127dfa6_0_248:notes"/>
+          <p:cNvPr id="99" name="Google Shape;99;g18e4127dfa6_0_248:notes"/>
           <p:cNvSpPr txBox="1"/>
           <p:nvPr>
             <p:ph idx="1" type="body"/>
@@ -1311,7 +1611,7 @@
   <p:cSld>
     <p:spTree>
       <p:nvGrpSpPr>
-        <p:cNvPr id="102" name="Shape 102"/>
+        <p:cNvPr id="105" name="Shape 105"/>
         <p:cNvGrpSpPr/>
         <p:nvPr/>
       </p:nvGrpSpPr>
@@ -1325,7 +1625,7 @@
       </p:grpSpPr>
       <p:sp>
         <p:nvSpPr>
-          <p:cNvPr id="103" name="Google Shape;103;g18e4127dfa6_0_268:notes"/>
+          <p:cNvPr id="106" name="Google Shape;106;g1944409ac44_0_3:notes"/>
           <p:cNvSpPr/>
           <p:nvPr>
             <p:ph idx="2" type="sldImg"/>
@@ -1360,7 +1660,7 @@
       </p:sp>
       <p:sp>
         <p:nvSpPr>
-          <p:cNvPr id="104" name="Google Shape;104;g18e4127dfa6_0_268:notes"/>
+          <p:cNvPr id="107" name="Google Shape;107;g1944409ac44_0_3:notes"/>
           <p:cNvSpPr txBox="1"/>
           <p:nvPr>
             <p:ph idx="1" type="body"/>
@@ -1410,7 +1710,7 @@
   <p:cSld>
     <p:spTree>
       <p:nvGrpSpPr>
-        <p:cNvPr id="108" name="Shape 108"/>
+        <p:cNvPr id="113" name="Shape 113"/>
         <p:cNvGrpSpPr/>
         <p:nvPr/>
       </p:nvGrpSpPr>
@@ -1424,7 +1724,7 @@
       </p:grpSpPr>
       <p:sp>
         <p:nvSpPr>
-          <p:cNvPr id="109" name="Google Shape;109;g18e4127dfa6_0_274:notes"/>
+          <p:cNvPr id="114" name="Google Shape;114;g18e4127dfa6_0_268:notes"/>
           <p:cNvSpPr/>
           <p:nvPr>
             <p:ph idx="2" type="sldImg"/>
@@ -1459,7 +1759,7 @@
       </p:sp>
       <p:sp>
         <p:nvSpPr>
-          <p:cNvPr id="110" name="Google Shape;110;g18e4127dfa6_0_274:notes"/>
+          <p:cNvPr id="115" name="Google Shape;115;g18e4127dfa6_0_268:notes"/>
           <p:cNvSpPr txBox="1"/>
           <p:nvPr>
             <p:ph idx="1" type="body"/>
@@ -1509,7 +1809,7 @@
   <p:cSld>
     <p:spTree>
       <p:nvGrpSpPr>
-        <p:cNvPr id="114" name="Shape 114"/>
+        <p:cNvPr id="120" name="Shape 120"/>
         <p:cNvGrpSpPr/>
         <p:nvPr/>
       </p:nvGrpSpPr>
@@ -1523,7 +1823,7 @@
       </p:grpSpPr>
       <p:sp>
         <p:nvSpPr>
-          <p:cNvPr id="115" name="Google Shape;115;g18e4127dfa6_0_281:notes"/>
+          <p:cNvPr id="121" name="Google Shape;121;g18e4127dfa6_0_274:notes"/>
           <p:cNvSpPr/>
           <p:nvPr>
             <p:ph idx="2" type="sldImg"/>
@@ -1558,7 +1858,7 @@
       </p:sp>
       <p:sp>
         <p:nvSpPr>
-          <p:cNvPr id="116" name="Google Shape;116;g18e4127dfa6_0_281:notes"/>
+          <p:cNvPr id="122" name="Google Shape;122;g18e4127dfa6_0_274:notes"/>
           <p:cNvSpPr txBox="1"/>
           <p:nvPr>
             <p:ph idx="1" type="body"/>
@@ -6995,6 +7295,1432 @@
 </p:sld>
 </file>
 
+<file path=ppt/slides/slide10.xml><?xml version="1.0" encoding="utf-8"?>
+<p:sld xmlns:a="http://schemas.openxmlformats.org/drawingml/2006/main" xmlns:r="http://schemas.openxmlformats.org/officeDocument/2006/relationships" xmlns:mc="http://schemas.openxmlformats.org/markup-compatibility/2006" xmlns:mv="urn:schemas-microsoft-com:mac:vml" xmlns:p="http://schemas.openxmlformats.org/presentationml/2006/main" xmlns:c="http://schemas.openxmlformats.org/drawingml/2006/chart" xmlns:dgm="http://schemas.openxmlformats.org/drawingml/2006/diagram" xmlns:o="urn:schemas-microsoft-com:office:office" xmlns:v="urn:schemas-microsoft-com:vml" xmlns:pvml="urn:schemas-microsoft-com:office:powerpoint" xmlns:com="http://schemas.openxmlformats.org/drawingml/2006/compatibility" xmlns:p14="http://schemas.microsoft.com/office/powerpoint/2010/main" xmlns:p15="http://schemas.microsoft.com/office/powerpoint/2012/main" xmlns:ahyp="http://schemas.microsoft.com/office/drawing/2018/hyperlinkcolor">
+  <p:cSld>
+    <p:spTree>
+      <p:nvGrpSpPr>
+        <p:cNvPr id="129" name="Shape 129"/>
+        <p:cNvGrpSpPr/>
+        <p:nvPr/>
+      </p:nvGrpSpPr>
+      <p:grpSpPr>
+        <a:xfrm>
+          <a:off x="0" y="0"/>
+          <a:ext cx="0" cy="0"/>
+          <a:chOff x="0" y="0"/>
+          <a:chExt cx="0" cy="0"/>
+        </a:xfrm>
+      </p:grpSpPr>
+      <p:sp>
+        <p:nvSpPr>
+          <p:cNvPr id="130" name="Google Shape;130;p22"/>
+          <p:cNvSpPr txBox="1"/>
+          <p:nvPr>
+            <p:ph type="title"/>
+          </p:nvPr>
+        </p:nvSpPr>
+        <p:spPr>
+          <a:xfrm>
+            <a:off x="311700" y="445025"/>
+            <a:ext cx="8520600" cy="572700"/>
+          </a:xfrm>
+          <a:prstGeom prst="rect">
+            <a:avLst/>
+          </a:prstGeom>
+        </p:spPr>
+        <p:txBody>
+          <a:bodyPr anchorCtr="0" anchor="t" bIns="91425" lIns="91425" spcFirstLastPara="1" rIns="91425" wrap="square" tIns="91425">
+            <a:normAutofit fontScale="90000"/>
+          </a:bodyPr>
+          <a:lstStyle/>
+          <a:p>
+            <a:pPr indent="0" lvl="0" marL="0" rtl="0" algn="l">
+              <a:spcBef>
+                <a:spcPts val="0"/>
+              </a:spcBef>
+              <a:spcAft>
+                <a:spcPts val="0"/>
+              </a:spcAft>
+              <a:buNone/>
+            </a:pPr>
+            <a:r>
+              <a:rPr lang="en"/>
+              <a:t>Machine Learning</a:t>
+            </a:r>
+            <a:r>
+              <a:rPr lang="en"/>
+              <a:t> - Model Selection with Benefits and Limitations</a:t>
+            </a:r>
+            <a:endParaRPr/>
+          </a:p>
+          <a:p>
+            <a:pPr indent="0" lvl="0" marL="0" rtl="0" algn="l">
+              <a:lnSpc>
+                <a:spcPct val="115000"/>
+              </a:lnSpc>
+              <a:spcBef>
+                <a:spcPts val="0"/>
+              </a:spcBef>
+              <a:spcAft>
+                <a:spcPts val="1200"/>
+              </a:spcAft>
+              <a:buNone/>
+            </a:pPr>
+            <a:r>
+              <a:t/>
+            </a:r>
+            <a:endParaRPr/>
+          </a:p>
+        </p:txBody>
+      </p:sp>
+      <p:sp>
+        <p:nvSpPr>
+          <p:cNvPr id="131" name="Google Shape;131;p22"/>
+          <p:cNvSpPr txBox="1"/>
+          <p:nvPr>
+            <p:ph idx="1" type="body"/>
+          </p:nvPr>
+        </p:nvSpPr>
+        <p:spPr>
+          <a:xfrm>
+            <a:off x="311700" y="955150"/>
+            <a:ext cx="8520600" cy="3551100"/>
+          </a:xfrm>
+          <a:prstGeom prst="rect">
+            <a:avLst/>
+          </a:prstGeom>
+        </p:spPr>
+        <p:txBody>
+          <a:bodyPr anchorCtr="0" anchor="t" bIns="91425" lIns="91425" spcFirstLastPara="1" rIns="91425" wrap="square" tIns="91425">
+            <a:normAutofit/>
+          </a:bodyPr>
+          <a:lstStyle/>
+          <a:p>
+            <a:pPr indent="0" lvl="0" marL="0" rtl="0" algn="l">
+              <a:spcBef>
+                <a:spcPts val="0"/>
+              </a:spcBef>
+              <a:spcAft>
+                <a:spcPts val="0"/>
+              </a:spcAft>
+              <a:buNone/>
+            </a:pPr>
+            <a:r>
+              <a:t/>
+            </a:r>
+            <a:endParaRPr sz="1200">
+              <a:latin typeface="Roboto"/>
+              <a:ea typeface="Roboto"/>
+              <a:cs typeface="Roboto"/>
+              <a:sym typeface="Roboto"/>
+            </a:endParaRPr>
+          </a:p>
+          <a:p>
+            <a:pPr indent="0" lvl="0" marL="0" rtl="0" algn="l">
+              <a:spcBef>
+                <a:spcPts val="1200"/>
+              </a:spcBef>
+              <a:spcAft>
+                <a:spcPts val="0"/>
+              </a:spcAft>
+              <a:buNone/>
+            </a:pPr>
+            <a:r>
+              <a:t/>
+            </a:r>
+            <a:endParaRPr sz="1200">
+              <a:latin typeface="Roboto"/>
+              <a:ea typeface="Roboto"/>
+              <a:cs typeface="Roboto"/>
+              <a:sym typeface="Roboto"/>
+            </a:endParaRPr>
+          </a:p>
+          <a:p>
+            <a:pPr indent="0" lvl="0" marL="0" rtl="0" algn="l">
+              <a:spcBef>
+                <a:spcPts val="1200"/>
+              </a:spcBef>
+              <a:spcAft>
+                <a:spcPts val="0"/>
+              </a:spcAft>
+              <a:buNone/>
+            </a:pPr>
+            <a:r>
+              <a:t/>
+            </a:r>
+            <a:endParaRPr sz="1200">
+              <a:latin typeface="Roboto"/>
+              <a:ea typeface="Roboto"/>
+              <a:cs typeface="Roboto"/>
+              <a:sym typeface="Roboto"/>
+            </a:endParaRPr>
+          </a:p>
+          <a:p>
+            <a:pPr indent="0" lvl="0" marL="0" rtl="0" algn="l">
+              <a:spcBef>
+                <a:spcPts val="1200"/>
+              </a:spcBef>
+              <a:spcAft>
+                <a:spcPts val="0"/>
+              </a:spcAft>
+              <a:buNone/>
+            </a:pPr>
+            <a:r>
+              <a:t/>
+            </a:r>
+            <a:endParaRPr sz="1200">
+              <a:latin typeface="Roboto"/>
+              <a:ea typeface="Roboto"/>
+              <a:cs typeface="Roboto"/>
+              <a:sym typeface="Roboto"/>
+            </a:endParaRPr>
+          </a:p>
+          <a:p>
+            <a:pPr indent="0" lvl="0" marL="0" rtl="0" algn="l">
+              <a:spcBef>
+                <a:spcPts val="1200"/>
+              </a:spcBef>
+              <a:spcAft>
+                <a:spcPts val="1200"/>
+              </a:spcAft>
+              <a:buNone/>
+            </a:pPr>
+            <a:r>
+              <a:t/>
+            </a:r>
+            <a:endParaRPr sz="1200">
+              <a:latin typeface="Roboto"/>
+              <a:ea typeface="Roboto"/>
+              <a:cs typeface="Roboto"/>
+              <a:sym typeface="Roboto"/>
+            </a:endParaRPr>
+          </a:p>
+        </p:txBody>
+      </p:sp>
+      <p:pic>
+        <p:nvPicPr>
+          <p:cNvPr id="132" name="Google Shape;132;p22"/>
+          <p:cNvPicPr preferRelativeResize="0"/>
+          <p:nvPr/>
+        </p:nvPicPr>
+        <p:blipFill>
+          <a:blip r:embed="rId3">
+            <a:alphaModFix/>
+          </a:blip>
+          <a:stretch>
+            <a:fillRect/>
+          </a:stretch>
+        </p:blipFill>
+        <p:spPr>
+          <a:xfrm>
+            <a:off x="206075" y="2724150"/>
+            <a:ext cx="2751151" cy="1485875"/>
+          </a:xfrm>
+          <a:prstGeom prst="rect">
+            <a:avLst/>
+          </a:prstGeom>
+          <a:noFill/>
+          <a:ln>
+            <a:noFill/>
+          </a:ln>
+        </p:spPr>
+      </p:pic>
+      <p:sp>
+        <p:nvSpPr>
+          <p:cNvPr id="133" name="Google Shape;133;p22"/>
+          <p:cNvSpPr txBox="1"/>
+          <p:nvPr/>
+        </p:nvSpPr>
+        <p:spPr>
+          <a:xfrm>
+            <a:off x="129800" y="2364000"/>
+            <a:ext cx="2751300" cy="415500"/>
+          </a:xfrm>
+          <a:prstGeom prst="rect">
+            <a:avLst/>
+          </a:prstGeom>
+          <a:noFill/>
+          <a:ln>
+            <a:noFill/>
+          </a:ln>
+        </p:spPr>
+        <p:txBody>
+          <a:bodyPr anchorCtr="0" anchor="t" bIns="91425" lIns="91425" spcFirstLastPara="1" rIns="91425" wrap="square" tIns="91425">
+            <a:noAutofit/>
+          </a:bodyPr>
+          <a:lstStyle/>
+          <a:p>
+            <a:pPr indent="0" lvl="0" marL="0" rtl="0" algn="l">
+              <a:spcBef>
+                <a:spcPts val="0"/>
+              </a:spcBef>
+              <a:spcAft>
+                <a:spcPts val="0"/>
+              </a:spcAft>
+              <a:buNone/>
+            </a:pPr>
+            <a:r>
+              <a:rPr lang="en" sz="1500">
+                <a:solidFill>
+                  <a:schemeClr val="accent3"/>
+                </a:solidFill>
+                <a:latin typeface="Roboto"/>
+                <a:ea typeface="Roboto"/>
+                <a:cs typeface="Roboto"/>
+                <a:sym typeface="Roboto"/>
+              </a:rPr>
+              <a:t>Linear</a:t>
+            </a:r>
+            <a:r>
+              <a:rPr lang="en" sz="1500">
+                <a:solidFill>
+                  <a:schemeClr val="accent3"/>
+                </a:solidFill>
+                <a:latin typeface="Roboto"/>
+                <a:ea typeface="Roboto"/>
+                <a:cs typeface="Roboto"/>
+                <a:sym typeface="Roboto"/>
+              </a:rPr>
+              <a:t> Regression </a:t>
+            </a:r>
+            <a:endParaRPr sz="1500">
+              <a:solidFill>
+                <a:schemeClr val="accent3"/>
+              </a:solidFill>
+              <a:latin typeface="Roboto"/>
+              <a:ea typeface="Roboto"/>
+              <a:cs typeface="Roboto"/>
+              <a:sym typeface="Roboto"/>
+            </a:endParaRPr>
+          </a:p>
+        </p:txBody>
+      </p:sp>
+      <p:sp>
+        <p:nvSpPr>
+          <p:cNvPr id="134" name="Google Shape;134;p22"/>
+          <p:cNvSpPr txBox="1"/>
+          <p:nvPr/>
+        </p:nvSpPr>
+        <p:spPr>
+          <a:xfrm>
+            <a:off x="5004575" y="2897100"/>
+            <a:ext cx="3188700" cy="415500"/>
+          </a:xfrm>
+          <a:prstGeom prst="rect">
+            <a:avLst/>
+          </a:prstGeom>
+          <a:noFill/>
+          <a:ln>
+            <a:noFill/>
+          </a:ln>
+        </p:spPr>
+        <p:txBody>
+          <a:bodyPr anchorCtr="0" anchor="t" bIns="91425" lIns="91425" spcFirstLastPara="1" rIns="91425" wrap="square" tIns="91425">
+            <a:noAutofit/>
+          </a:bodyPr>
+          <a:lstStyle/>
+          <a:p>
+            <a:pPr indent="0" lvl="0" marL="0" rtl="0" algn="l">
+              <a:spcBef>
+                <a:spcPts val="0"/>
+              </a:spcBef>
+              <a:spcAft>
+                <a:spcPts val="0"/>
+              </a:spcAft>
+              <a:buNone/>
+            </a:pPr>
+            <a:r>
+              <a:rPr lang="en" sz="1500">
+                <a:solidFill>
+                  <a:schemeClr val="accent3"/>
+                </a:solidFill>
+                <a:latin typeface="Roboto"/>
+                <a:ea typeface="Roboto"/>
+                <a:cs typeface="Roboto"/>
+                <a:sym typeface="Roboto"/>
+              </a:rPr>
+              <a:t>Balanced Random Forest Classifier</a:t>
+            </a:r>
+            <a:endParaRPr sz="1500">
+              <a:solidFill>
+                <a:schemeClr val="accent3"/>
+              </a:solidFill>
+              <a:latin typeface="Roboto"/>
+              <a:ea typeface="Roboto"/>
+              <a:cs typeface="Roboto"/>
+              <a:sym typeface="Roboto"/>
+            </a:endParaRPr>
+          </a:p>
+        </p:txBody>
+      </p:sp>
+      <p:sp>
+        <p:nvSpPr>
+          <p:cNvPr id="135" name="Google Shape;135;p22"/>
+          <p:cNvSpPr txBox="1"/>
+          <p:nvPr/>
+        </p:nvSpPr>
+        <p:spPr>
+          <a:xfrm>
+            <a:off x="4826125" y="955150"/>
+            <a:ext cx="3188700" cy="415500"/>
+          </a:xfrm>
+          <a:prstGeom prst="rect">
+            <a:avLst/>
+          </a:prstGeom>
+          <a:noFill/>
+          <a:ln>
+            <a:noFill/>
+          </a:ln>
+        </p:spPr>
+        <p:txBody>
+          <a:bodyPr anchorCtr="0" anchor="t" bIns="91425" lIns="91425" spcFirstLastPara="1" rIns="91425" wrap="square" tIns="91425">
+            <a:noAutofit/>
+          </a:bodyPr>
+          <a:lstStyle/>
+          <a:p>
+            <a:pPr indent="0" lvl="0" marL="0" rtl="0" algn="l">
+              <a:spcBef>
+                <a:spcPts val="0"/>
+              </a:spcBef>
+              <a:spcAft>
+                <a:spcPts val="0"/>
+              </a:spcAft>
+              <a:buNone/>
+            </a:pPr>
+            <a:r>
+              <a:rPr lang="en" sz="1500">
+                <a:solidFill>
+                  <a:schemeClr val="accent3"/>
+                </a:solidFill>
+                <a:latin typeface="Roboto"/>
+                <a:ea typeface="Roboto"/>
+                <a:cs typeface="Roboto"/>
+                <a:sym typeface="Roboto"/>
+              </a:rPr>
+              <a:t>Easy Ensemble AdaBoost Classifier</a:t>
+            </a:r>
+            <a:endParaRPr sz="1500">
+              <a:solidFill>
+                <a:schemeClr val="accent3"/>
+              </a:solidFill>
+              <a:latin typeface="Roboto"/>
+              <a:ea typeface="Roboto"/>
+              <a:cs typeface="Roboto"/>
+              <a:sym typeface="Roboto"/>
+            </a:endParaRPr>
+          </a:p>
+        </p:txBody>
+      </p:sp>
+      <p:sp>
+        <p:nvSpPr>
+          <p:cNvPr id="136" name="Google Shape;136;p22"/>
+          <p:cNvSpPr txBox="1"/>
+          <p:nvPr/>
+        </p:nvSpPr>
+        <p:spPr>
+          <a:xfrm>
+            <a:off x="160825" y="4206500"/>
+            <a:ext cx="3404700" cy="415500"/>
+          </a:xfrm>
+          <a:prstGeom prst="rect">
+            <a:avLst/>
+          </a:prstGeom>
+          <a:noFill/>
+          <a:ln>
+            <a:noFill/>
+          </a:ln>
+        </p:spPr>
+        <p:txBody>
+          <a:bodyPr anchorCtr="0" anchor="t" bIns="91425" lIns="91425" spcFirstLastPara="1" rIns="91425" wrap="square" tIns="91425">
+            <a:noAutofit/>
+          </a:bodyPr>
+          <a:lstStyle/>
+          <a:p>
+            <a:pPr indent="0" lvl="0" marL="0" rtl="0" algn="l">
+              <a:spcBef>
+                <a:spcPts val="0"/>
+              </a:spcBef>
+              <a:spcAft>
+                <a:spcPts val="0"/>
+              </a:spcAft>
+              <a:buNone/>
+            </a:pPr>
+            <a:r>
+              <a:rPr lang="en" sz="1500">
+                <a:solidFill>
+                  <a:schemeClr val="accent3"/>
+                </a:solidFill>
+                <a:latin typeface="Roboto"/>
+                <a:ea typeface="Roboto"/>
+                <a:cs typeface="Roboto"/>
+                <a:sym typeface="Roboto"/>
+              </a:rPr>
+              <a:t>Deep Neural Network - using tf.keras</a:t>
+            </a:r>
+            <a:endParaRPr sz="1500">
+              <a:solidFill>
+                <a:schemeClr val="accent3"/>
+              </a:solidFill>
+              <a:latin typeface="Roboto"/>
+              <a:ea typeface="Roboto"/>
+              <a:cs typeface="Roboto"/>
+              <a:sym typeface="Roboto"/>
+            </a:endParaRPr>
+          </a:p>
+        </p:txBody>
+      </p:sp>
+      <p:pic>
+        <p:nvPicPr>
+          <p:cNvPr id="137" name="Google Shape;137;p22"/>
+          <p:cNvPicPr preferRelativeResize="0"/>
+          <p:nvPr/>
+        </p:nvPicPr>
+        <p:blipFill>
+          <a:blip r:embed="rId4">
+            <a:alphaModFix/>
+          </a:blip>
+          <a:stretch>
+            <a:fillRect/>
+          </a:stretch>
+        </p:blipFill>
+        <p:spPr>
+          <a:xfrm>
+            <a:off x="237025" y="4564513"/>
+            <a:ext cx="3404700" cy="289892"/>
+          </a:xfrm>
+          <a:prstGeom prst="rect">
+            <a:avLst/>
+          </a:prstGeom>
+          <a:noFill/>
+          <a:ln>
+            <a:noFill/>
+          </a:ln>
+        </p:spPr>
+      </p:pic>
+      <p:pic>
+        <p:nvPicPr>
+          <p:cNvPr id="138" name="Google Shape;138;p22"/>
+          <p:cNvPicPr preferRelativeResize="0"/>
+          <p:nvPr/>
+        </p:nvPicPr>
+        <p:blipFill>
+          <a:blip r:embed="rId5">
+            <a:alphaModFix/>
+          </a:blip>
+          <a:stretch>
+            <a:fillRect/>
+          </a:stretch>
+        </p:blipFill>
+        <p:spPr>
+          <a:xfrm>
+            <a:off x="4050125" y="1306475"/>
+            <a:ext cx="4740699" cy="1181575"/>
+          </a:xfrm>
+          <a:prstGeom prst="rect">
+            <a:avLst/>
+          </a:prstGeom>
+          <a:noFill/>
+          <a:ln>
+            <a:noFill/>
+          </a:ln>
+        </p:spPr>
+      </p:pic>
+      <p:pic>
+        <p:nvPicPr>
+          <p:cNvPr id="139" name="Google Shape;139;p22"/>
+          <p:cNvPicPr preferRelativeResize="0"/>
+          <p:nvPr/>
+        </p:nvPicPr>
+        <p:blipFill>
+          <a:blip r:embed="rId6">
+            <a:alphaModFix/>
+          </a:blip>
+          <a:stretch>
+            <a:fillRect/>
+          </a:stretch>
+        </p:blipFill>
+        <p:spPr>
+          <a:xfrm>
+            <a:off x="4091598" y="3250724"/>
+            <a:ext cx="4740700" cy="1255526"/>
+          </a:xfrm>
+          <a:prstGeom prst="rect">
+            <a:avLst/>
+          </a:prstGeom>
+          <a:noFill/>
+          <a:ln>
+            <a:noFill/>
+          </a:ln>
+        </p:spPr>
+      </p:pic>
+      <p:sp>
+        <p:nvSpPr>
+          <p:cNvPr id="140" name="Google Shape;140;p22"/>
+          <p:cNvSpPr txBox="1"/>
+          <p:nvPr/>
+        </p:nvSpPr>
+        <p:spPr>
+          <a:xfrm>
+            <a:off x="237025" y="1017725"/>
+            <a:ext cx="3531000" cy="1293000"/>
+          </a:xfrm>
+          <a:prstGeom prst="rect">
+            <a:avLst/>
+          </a:prstGeom>
+          <a:noFill/>
+          <a:ln>
+            <a:noFill/>
+          </a:ln>
+        </p:spPr>
+        <p:txBody>
+          <a:bodyPr anchorCtr="0" anchor="t" bIns="91425" lIns="91425" spcFirstLastPara="1" rIns="91425" wrap="square" tIns="91425">
+            <a:spAutoFit/>
+          </a:bodyPr>
+          <a:lstStyle/>
+          <a:p>
+            <a:pPr indent="0" lvl="0" marL="0" rtl="0" algn="l">
+              <a:spcBef>
+                <a:spcPts val="0"/>
+              </a:spcBef>
+              <a:spcAft>
+                <a:spcPts val="0"/>
+              </a:spcAft>
+              <a:buNone/>
+            </a:pPr>
+            <a:r>
+              <a:rPr lang="en" sz="1200">
+                <a:solidFill>
+                  <a:schemeClr val="accent3"/>
+                </a:solidFill>
+                <a:latin typeface="Roboto"/>
+                <a:ea typeface="Roboto"/>
+                <a:cs typeface="Roboto"/>
+                <a:sym typeface="Roboto"/>
+              </a:rPr>
+              <a:t>Of the four models, we believe that the AdaBoost is the most favorable for our dataset. It narrowly beats out the Random Forest with regards to precision and accuracy. With the AdaBoost we will need to make sure it doesn’t overfit, as that is one of the models general limitations.</a:t>
+            </a:r>
+            <a:endParaRPr sz="1200">
+              <a:solidFill>
+                <a:schemeClr val="accent3"/>
+              </a:solidFill>
+              <a:latin typeface="Roboto"/>
+              <a:ea typeface="Roboto"/>
+              <a:cs typeface="Roboto"/>
+              <a:sym typeface="Roboto"/>
+            </a:endParaRPr>
+          </a:p>
+        </p:txBody>
+      </p:sp>
+      <p:pic>
+        <p:nvPicPr>
+          <p:cNvPr id="141" name="Google Shape;141;p22"/>
+          <p:cNvPicPr preferRelativeResize="0"/>
+          <p:nvPr/>
+        </p:nvPicPr>
+        <p:blipFill>
+          <a:blip r:embed="rId7">
+            <a:alphaModFix/>
+          </a:blip>
+          <a:stretch>
+            <a:fillRect/>
+          </a:stretch>
+        </p:blipFill>
+        <p:spPr>
+          <a:xfrm>
+            <a:off x="4050125" y="2526442"/>
+            <a:ext cx="1961575" cy="332275"/>
+          </a:xfrm>
+          <a:prstGeom prst="rect">
+            <a:avLst/>
+          </a:prstGeom>
+          <a:noFill/>
+          <a:ln>
+            <a:noFill/>
+          </a:ln>
+        </p:spPr>
+      </p:pic>
+      <p:pic>
+        <p:nvPicPr>
+          <p:cNvPr id="142" name="Google Shape;142;p22"/>
+          <p:cNvPicPr preferRelativeResize="0"/>
+          <p:nvPr/>
+        </p:nvPicPr>
+        <p:blipFill>
+          <a:blip r:embed="rId8">
+            <a:alphaModFix/>
+          </a:blip>
+          <a:stretch>
+            <a:fillRect/>
+          </a:stretch>
+        </p:blipFill>
+        <p:spPr>
+          <a:xfrm>
+            <a:off x="4091600" y="4543325"/>
+            <a:ext cx="1727842" cy="332275"/>
+          </a:xfrm>
+          <a:prstGeom prst="rect">
+            <a:avLst/>
+          </a:prstGeom>
+          <a:noFill/>
+          <a:ln>
+            <a:noFill/>
+          </a:ln>
+        </p:spPr>
+      </p:pic>
+    </p:spTree>
+  </p:cSld>
+  <p:clrMapOvr>
+    <a:masterClrMapping/>
+  </p:clrMapOvr>
+</p:sld>
+</file>
+
+<file path=ppt/slides/slide11.xml><?xml version="1.0" encoding="utf-8"?>
+<p:sld xmlns:a="http://schemas.openxmlformats.org/drawingml/2006/main" xmlns:r="http://schemas.openxmlformats.org/officeDocument/2006/relationships" xmlns:mc="http://schemas.openxmlformats.org/markup-compatibility/2006" xmlns:mv="urn:schemas-microsoft-com:mac:vml" xmlns:p="http://schemas.openxmlformats.org/presentationml/2006/main" xmlns:c="http://schemas.openxmlformats.org/drawingml/2006/chart" xmlns:dgm="http://schemas.openxmlformats.org/drawingml/2006/diagram" xmlns:o="urn:schemas-microsoft-com:office:office" xmlns:v="urn:schemas-microsoft-com:vml" xmlns:pvml="urn:schemas-microsoft-com:office:powerpoint" xmlns:com="http://schemas.openxmlformats.org/drawingml/2006/compatibility" xmlns:p14="http://schemas.microsoft.com/office/powerpoint/2010/main" xmlns:p15="http://schemas.microsoft.com/office/powerpoint/2012/main" xmlns:ahyp="http://schemas.microsoft.com/office/drawing/2018/hyperlinkcolor">
+  <p:cSld>
+    <p:spTree>
+      <p:nvGrpSpPr>
+        <p:cNvPr id="146" name="Shape 146"/>
+        <p:cNvGrpSpPr/>
+        <p:nvPr/>
+      </p:nvGrpSpPr>
+      <p:grpSpPr>
+        <a:xfrm>
+          <a:off x="0" y="0"/>
+          <a:ext cx="0" cy="0"/>
+          <a:chOff x="0" y="0"/>
+          <a:chExt cx="0" cy="0"/>
+        </a:xfrm>
+      </p:grpSpPr>
+      <p:sp>
+        <p:nvSpPr>
+          <p:cNvPr id="147" name="Google Shape;147;p23"/>
+          <p:cNvSpPr txBox="1"/>
+          <p:nvPr>
+            <p:ph type="title"/>
+          </p:nvPr>
+        </p:nvSpPr>
+        <p:spPr>
+          <a:xfrm>
+            <a:off x="265500" y="1716600"/>
+            <a:ext cx="4045200" cy="1710300"/>
+          </a:xfrm>
+          <a:prstGeom prst="rect">
+            <a:avLst/>
+          </a:prstGeom>
+        </p:spPr>
+        <p:txBody>
+          <a:bodyPr anchorCtr="0" anchor="ctr" bIns="91425" lIns="91425" spcFirstLastPara="1" rIns="91425" wrap="square" tIns="91425">
+            <a:normAutofit/>
+          </a:bodyPr>
+          <a:lstStyle/>
+          <a:p>
+            <a:pPr indent="0" lvl="0" marL="0" rtl="0" algn="ctr">
+              <a:spcBef>
+                <a:spcPts val="0"/>
+              </a:spcBef>
+              <a:spcAft>
+                <a:spcPts val="0"/>
+              </a:spcAft>
+              <a:buNone/>
+            </a:pPr>
+            <a:r>
+              <a:rPr lang="en"/>
+              <a:t>Dashboard</a:t>
+            </a:r>
+            <a:endParaRPr/>
+          </a:p>
+        </p:txBody>
+      </p:sp>
+      <p:sp>
+        <p:nvSpPr>
+          <p:cNvPr id="148" name="Google Shape;148;p23"/>
+          <p:cNvSpPr txBox="1"/>
+          <p:nvPr>
+            <p:ph idx="2" type="body"/>
+          </p:nvPr>
+        </p:nvSpPr>
+        <p:spPr>
+          <a:xfrm>
+            <a:off x="4941675" y="407400"/>
+            <a:ext cx="3862800" cy="4496400"/>
+          </a:xfrm>
+          <a:prstGeom prst="rect">
+            <a:avLst/>
+          </a:prstGeom>
+        </p:spPr>
+        <p:txBody>
+          <a:bodyPr anchorCtr="0" anchor="t" bIns="91425" lIns="91425" spcFirstLastPara="1" rIns="91425" wrap="square" tIns="91425">
+            <a:normAutofit/>
+          </a:bodyPr>
+          <a:lstStyle/>
+          <a:p>
+            <a:pPr indent="0" lvl="0" marL="0" rtl="0" algn="l">
+              <a:spcBef>
+                <a:spcPts val="0"/>
+              </a:spcBef>
+              <a:spcAft>
+                <a:spcPts val="0"/>
+              </a:spcAft>
+              <a:buNone/>
+            </a:pPr>
+            <a:r>
+              <a:rPr b="1" lang="en" sz="1500">
+                <a:latin typeface="Roboto"/>
+                <a:ea typeface="Roboto"/>
+                <a:cs typeface="Roboto"/>
+                <a:sym typeface="Roboto"/>
+              </a:rPr>
+              <a:t>Overview</a:t>
+            </a:r>
+            <a:br>
+              <a:rPr b="1" lang="en" sz="1840">
+                <a:latin typeface="Roboto"/>
+                <a:ea typeface="Roboto"/>
+                <a:cs typeface="Roboto"/>
+                <a:sym typeface="Roboto"/>
+              </a:rPr>
+            </a:br>
+            <a:r>
+              <a:rPr lang="en" sz="1200">
+                <a:latin typeface="Roboto"/>
+                <a:ea typeface="Roboto"/>
+                <a:cs typeface="Roboto"/>
+                <a:sym typeface="Roboto"/>
+              </a:rPr>
+              <a:t>We expect to have the Dashboard be a single page to remove any frustration from going back and forth to cross reference various data points. </a:t>
+            </a:r>
+            <a:endParaRPr sz="1200">
+              <a:latin typeface="Roboto"/>
+              <a:ea typeface="Roboto"/>
+              <a:cs typeface="Roboto"/>
+              <a:sym typeface="Roboto"/>
+            </a:endParaRPr>
+          </a:p>
+          <a:p>
+            <a:pPr indent="0" lvl="0" marL="0" rtl="0" algn="l">
+              <a:spcBef>
+                <a:spcPts val="1200"/>
+              </a:spcBef>
+              <a:spcAft>
+                <a:spcPts val="0"/>
+              </a:spcAft>
+              <a:buNone/>
+            </a:pPr>
+            <a:r>
+              <a:rPr lang="en" sz="1200">
+                <a:latin typeface="Roboto"/>
+                <a:ea typeface="Roboto"/>
+                <a:cs typeface="Roboto"/>
+                <a:sym typeface="Roboto"/>
+              </a:rPr>
+              <a:t>Future college bound students typically have a general idea of where they wish to attend school, geographically speaking, so we will focus on an interactive United States Map. This will allow the user to obtain the information they find most relevant to them, while still allowing for direct comparisons (among other states, for example) as they see fit. The visuals can be found on the following slide.</a:t>
+            </a:r>
+            <a:br>
+              <a:rPr lang="en" sz="1200">
+                <a:latin typeface="Roboto"/>
+                <a:ea typeface="Roboto"/>
+                <a:cs typeface="Roboto"/>
+                <a:sym typeface="Roboto"/>
+              </a:rPr>
+            </a:br>
+            <a:endParaRPr sz="1200">
+              <a:latin typeface="Roboto"/>
+              <a:ea typeface="Roboto"/>
+              <a:cs typeface="Roboto"/>
+              <a:sym typeface="Roboto"/>
+            </a:endParaRPr>
+          </a:p>
+          <a:p>
+            <a:pPr indent="0" lvl="0" marL="0" rtl="0" algn="l">
+              <a:spcBef>
+                <a:spcPts val="1200"/>
+              </a:spcBef>
+              <a:spcAft>
+                <a:spcPts val="0"/>
+              </a:spcAft>
+              <a:buNone/>
+            </a:pPr>
+            <a:r>
+              <a:rPr b="1" lang="en" sz="1500">
+                <a:latin typeface="Roboto"/>
+                <a:ea typeface="Roboto"/>
+                <a:cs typeface="Roboto"/>
+                <a:sym typeface="Roboto"/>
+              </a:rPr>
+              <a:t>Description of Tools</a:t>
+            </a:r>
+            <a:br>
+              <a:rPr lang="en">
+                <a:latin typeface="Roboto"/>
+                <a:ea typeface="Roboto"/>
+                <a:cs typeface="Roboto"/>
+                <a:sym typeface="Roboto"/>
+              </a:rPr>
+            </a:br>
+            <a:r>
+              <a:rPr lang="en" sz="1200">
+                <a:latin typeface="Roboto"/>
+                <a:ea typeface="Roboto"/>
+                <a:cs typeface="Roboto"/>
+                <a:sym typeface="Roboto"/>
+              </a:rPr>
+              <a:t>The interactive dashboard will be created and hosted on Tableau Public.</a:t>
+            </a:r>
+            <a:endParaRPr sz="1200">
+              <a:latin typeface="Roboto"/>
+              <a:ea typeface="Roboto"/>
+              <a:cs typeface="Roboto"/>
+              <a:sym typeface="Roboto"/>
+            </a:endParaRPr>
+          </a:p>
+          <a:p>
+            <a:pPr indent="0" lvl="0" marL="0" rtl="0" algn="l">
+              <a:spcBef>
+                <a:spcPts val="1200"/>
+              </a:spcBef>
+              <a:spcAft>
+                <a:spcPts val="1200"/>
+              </a:spcAft>
+              <a:buNone/>
+            </a:pPr>
+            <a:r>
+              <a:t/>
+            </a:r>
+            <a:endParaRPr sz="1200">
+              <a:latin typeface="Roboto"/>
+              <a:ea typeface="Roboto"/>
+              <a:cs typeface="Roboto"/>
+              <a:sym typeface="Roboto"/>
+            </a:endParaRPr>
+          </a:p>
+        </p:txBody>
+      </p:sp>
+    </p:spTree>
+  </p:cSld>
+  <p:clrMapOvr>
+    <a:masterClrMapping/>
+  </p:clrMapOvr>
+</p:sld>
+</file>
+
+<file path=ppt/slides/slide12.xml><?xml version="1.0" encoding="utf-8"?>
+<p:sld xmlns:a="http://schemas.openxmlformats.org/drawingml/2006/main" xmlns:r="http://schemas.openxmlformats.org/officeDocument/2006/relationships" xmlns:mc="http://schemas.openxmlformats.org/markup-compatibility/2006" xmlns:mv="urn:schemas-microsoft-com:mac:vml" xmlns:p="http://schemas.openxmlformats.org/presentationml/2006/main" xmlns:c="http://schemas.openxmlformats.org/drawingml/2006/chart" xmlns:dgm="http://schemas.openxmlformats.org/drawingml/2006/diagram" xmlns:o="urn:schemas-microsoft-com:office:office" xmlns:v="urn:schemas-microsoft-com:vml" xmlns:pvml="urn:schemas-microsoft-com:office:powerpoint" xmlns:com="http://schemas.openxmlformats.org/drawingml/2006/compatibility" xmlns:p14="http://schemas.microsoft.com/office/powerpoint/2010/main" xmlns:p15="http://schemas.microsoft.com/office/powerpoint/2012/main" xmlns:ahyp="http://schemas.microsoft.com/office/drawing/2018/hyperlinkcolor">
+  <p:cSld>
+    <p:spTree>
+      <p:nvGrpSpPr>
+        <p:cNvPr id="152" name="Shape 152"/>
+        <p:cNvGrpSpPr/>
+        <p:nvPr/>
+      </p:nvGrpSpPr>
+      <p:grpSpPr>
+        <a:xfrm>
+          <a:off x="0" y="0"/>
+          <a:ext cx="0" cy="0"/>
+          <a:chOff x="0" y="0"/>
+          <a:chExt cx="0" cy="0"/>
+        </a:xfrm>
+      </p:grpSpPr>
+      <p:sp>
+        <p:nvSpPr>
+          <p:cNvPr id="153" name="Google Shape;153;p24"/>
+          <p:cNvSpPr txBox="1"/>
+          <p:nvPr>
+            <p:ph type="title"/>
+          </p:nvPr>
+        </p:nvSpPr>
+        <p:spPr>
+          <a:xfrm>
+            <a:off x="311700" y="445025"/>
+            <a:ext cx="8520600" cy="572700"/>
+          </a:xfrm>
+          <a:prstGeom prst="rect">
+            <a:avLst/>
+          </a:prstGeom>
+        </p:spPr>
+        <p:txBody>
+          <a:bodyPr anchorCtr="0" anchor="t" bIns="91425" lIns="91425" spcFirstLastPara="1" rIns="91425" wrap="square" tIns="91425">
+            <a:normAutofit fontScale="90000"/>
+          </a:bodyPr>
+          <a:lstStyle/>
+          <a:p>
+            <a:pPr indent="0" lvl="0" marL="0" rtl="0" algn="l">
+              <a:spcBef>
+                <a:spcPts val="0"/>
+              </a:spcBef>
+              <a:spcAft>
+                <a:spcPts val="0"/>
+              </a:spcAft>
+              <a:buNone/>
+            </a:pPr>
+            <a:r>
+              <a:rPr lang="en"/>
+              <a:t>Dashboard - Storyboard and Interactive Elements</a:t>
+            </a:r>
+            <a:endParaRPr/>
+          </a:p>
+        </p:txBody>
+      </p:sp>
+      <p:sp>
+        <p:nvSpPr>
+          <p:cNvPr id="154" name="Google Shape;154;p24"/>
+          <p:cNvSpPr txBox="1"/>
+          <p:nvPr>
+            <p:ph idx="1" type="body"/>
+          </p:nvPr>
+        </p:nvSpPr>
+        <p:spPr>
+          <a:xfrm>
+            <a:off x="266425" y="926475"/>
+            <a:ext cx="8565900" cy="3732600"/>
+          </a:xfrm>
+          <a:prstGeom prst="rect">
+            <a:avLst/>
+          </a:prstGeom>
+        </p:spPr>
+        <p:txBody>
+          <a:bodyPr anchorCtr="0" anchor="t" bIns="91425" lIns="91425" spcFirstLastPara="1" rIns="91425" wrap="square" tIns="91425">
+            <a:normAutofit/>
+          </a:bodyPr>
+          <a:lstStyle/>
+          <a:p>
+            <a:pPr indent="0" lvl="0" marL="0" rtl="0" algn="l">
+              <a:spcBef>
+                <a:spcPts val="0"/>
+              </a:spcBef>
+              <a:spcAft>
+                <a:spcPts val="0"/>
+              </a:spcAft>
+              <a:buNone/>
+            </a:pPr>
+            <a:r>
+              <a:rPr lang="en" sz="1200">
+                <a:latin typeface="Roboto"/>
+                <a:ea typeface="Roboto"/>
+                <a:cs typeface="Roboto"/>
+                <a:sym typeface="Roboto"/>
+              </a:rPr>
+              <a:t>We intend to provide a bar chart for a comparison of In-State Tuition vs. Out-of-State Tuition for each state. Similar to the first visual shown below. Our primary focus for the Dashboard will be utilizing a Map where we plan to have most of our interactive elements reside.</a:t>
+            </a:r>
+            <a:endParaRPr sz="1200">
+              <a:latin typeface="Roboto"/>
+              <a:ea typeface="Roboto"/>
+              <a:cs typeface="Roboto"/>
+              <a:sym typeface="Roboto"/>
+            </a:endParaRPr>
+          </a:p>
+          <a:p>
+            <a:pPr indent="0" lvl="0" marL="0" rtl="0" algn="l">
+              <a:spcBef>
+                <a:spcPts val="1200"/>
+              </a:spcBef>
+              <a:spcAft>
+                <a:spcPts val="0"/>
+              </a:spcAft>
+              <a:buNone/>
+            </a:pPr>
+            <a:r>
+              <a:t/>
+            </a:r>
+            <a:endParaRPr sz="1200">
+              <a:latin typeface="Roboto"/>
+              <a:ea typeface="Roboto"/>
+              <a:cs typeface="Roboto"/>
+              <a:sym typeface="Roboto"/>
+            </a:endParaRPr>
+          </a:p>
+          <a:p>
+            <a:pPr indent="0" lvl="0" marL="0" rtl="0" algn="l">
+              <a:spcBef>
+                <a:spcPts val="1200"/>
+              </a:spcBef>
+              <a:spcAft>
+                <a:spcPts val="1200"/>
+              </a:spcAft>
+              <a:buNone/>
+            </a:pPr>
+            <a:r>
+              <a:t/>
+            </a:r>
+            <a:endParaRPr sz="1200">
+              <a:latin typeface="Roboto"/>
+              <a:ea typeface="Roboto"/>
+              <a:cs typeface="Roboto"/>
+              <a:sym typeface="Roboto"/>
+            </a:endParaRPr>
+          </a:p>
+        </p:txBody>
+      </p:sp>
+      <p:pic>
+        <p:nvPicPr>
+          <p:cNvPr id="155" name="Google Shape;155;p24"/>
+          <p:cNvPicPr preferRelativeResize="0"/>
+          <p:nvPr/>
+        </p:nvPicPr>
+        <p:blipFill>
+          <a:blip r:embed="rId3">
+            <a:alphaModFix/>
+          </a:blip>
+          <a:stretch>
+            <a:fillRect/>
+          </a:stretch>
+        </p:blipFill>
+        <p:spPr>
+          <a:xfrm>
+            <a:off x="347875" y="1704300"/>
+            <a:ext cx="1327575" cy="3281901"/>
+          </a:xfrm>
+          <a:prstGeom prst="rect">
+            <a:avLst/>
+          </a:prstGeom>
+          <a:noFill/>
+          <a:ln>
+            <a:noFill/>
+          </a:ln>
+        </p:spPr>
+      </p:pic>
+      <p:pic>
+        <p:nvPicPr>
+          <p:cNvPr id="156" name="Google Shape;156;p24"/>
+          <p:cNvPicPr preferRelativeResize="0"/>
+          <p:nvPr/>
+        </p:nvPicPr>
+        <p:blipFill>
+          <a:blip r:embed="rId4">
+            <a:alphaModFix/>
+          </a:blip>
+          <a:stretch>
+            <a:fillRect/>
+          </a:stretch>
+        </p:blipFill>
+        <p:spPr>
+          <a:xfrm>
+            <a:off x="1870575" y="1704300"/>
+            <a:ext cx="4147311" cy="3281901"/>
+          </a:xfrm>
+          <a:prstGeom prst="rect">
+            <a:avLst/>
+          </a:prstGeom>
+          <a:noFill/>
+          <a:ln>
+            <a:noFill/>
+          </a:ln>
+        </p:spPr>
+      </p:pic>
+      <p:sp>
+        <p:nvSpPr>
+          <p:cNvPr id="157" name="Google Shape;157;p24"/>
+          <p:cNvSpPr txBox="1"/>
+          <p:nvPr/>
+        </p:nvSpPr>
+        <p:spPr>
+          <a:xfrm>
+            <a:off x="6171450" y="1575300"/>
+            <a:ext cx="2661000" cy="3478800"/>
+          </a:xfrm>
+          <a:prstGeom prst="rect">
+            <a:avLst/>
+          </a:prstGeom>
+          <a:noFill/>
+          <a:ln>
+            <a:noFill/>
+          </a:ln>
+        </p:spPr>
+        <p:txBody>
+          <a:bodyPr anchorCtr="0" anchor="t" bIns="91425" lIns="91425" spcFirstLastPara="1" rIns="91425" wrap="square" tIns="91425">
+            <a:spAutoFit/>
+          </a:bodyPr>
+          <a:lstStyle/>
+          <a:p>
+            <a:pPr indent="0" lvl="0" marL="0" rtl="0" algn="l">
+              <a:spcBef>
+                <a:spcPts val="0"/>
+              </a:spcBef>
+              <a:spcAft>
+                <a:spcPts val="0"/>
+              </a:spcAft>
+              <a:buNone/>
+            </a:pPr>
+            <a:r>
+              <a:rPr b="1" lang="en" sz="1200">
+                <a:solidFill>
+                  <a:schemeClr val="lt2"/>
+                </a:solidFill>
+                <a:latin typeface="Roboto"/>
+                <a:ea typeface="Roboto"/>
+                <a:cs typeface="Roboto"/>
+                <a:sym typeface="Roboto"/>
+              </a:rPr>
+              <a:t>INTERACTIVE ELEMENTS</a:t>
+            </a:r>
+            <a:endParaRPr b="1" sz="1200">
+              <a:solidFill>
+                <a:schemeClr val="lt2"/>
+              </a:solidFill>
+              <a:latin typeface="Roboto"/>
+              <a:ea typeface="Roboto"/>
+              <a:cs typeface="Roboto"/>
+              <a:sym typeface="Roboto"/>
+            </a:endParaRPr>
+          </a:p>
+          <a:p>
+            <a:pPr indent="0" lvl="0" marL="0" rtl="0" algn="l">
+              <a:spcBef>
+                <a:spcPts val="0"/>
+              </a:spcBef>
+              <a:spcAft>
+                <a:spcPts val="0"/>
+              </a:spcAft>
+              <a:buNone/>
+            </a:pPr>
+            <a:r>
+              <a:t/>
+            </a:r>
+            <a:endParaRPr b="1" sz="1200">
+              <a:solidFill>
+                <a:schemeClr val="lt2"/>
+              </a:solidFill>
+              <a:latin typeface="Roboto"/>
+              <a:ea typeface="Roboto"/>
+              <a:cs typeface="Roboto"/>
+              <a:sym typeface="Roboto"/>
+            </a:endParaRPr>
+          </a:p>
+          <a:p>
+            <a:pPr indent="-298450" lvl="0" marL="457200" rtl="0" algn="l">
+              <a:spcBef>
+                <a:spcPts val="0"/>
+              </a:spcBef>
+              <a:spcAft>
+                <a:spcPts val="0"/>
+              </a:spcAft>
+              <a:buClr>
+                <a:schemeClr val="lt2"/>
+              </a:buClr>
+              <a:buSzPts val="1100"/>
+              <a:buFont typeface="Roboto"/>
+              <a:buChar char="❖"/>
+            </a:pPr>
+            <a:r>
+              <a:rPr lang="en" sz="1100">
+                <a:solidFill>
+                  <a:schemeClr val="lt2"/>
+                </a:solidFill>
+                <a:latin typeface="Roboto"/>
+                <a:ea typeface="Roboto"/>
+                <a:cs typeface="Roboto"/>
+                <a:sym typeface="Roboto"/>
+              </a:rPr>
+              <a:t>Filter by Salary Range - states that met the selected criteria will be highlighted (with additional information in the Tooltip).</a:t>
+            </a:r>
+            <a:br>
+              <a:rPr lang="en" sz="1100">
+                <a:solidFill>
+                  <a:schemeClr val="lt2"/>
+                </a:solidFill>
+                <a:latin typeface="Roboto"/>
+                <a:ea typeface="Roboto"/>
+                <a:cs typeface="Roboto"/>
+                <a:sym typeface="Roboto"/>
+              </a:rPr>
+            </a:br>
+            <a:endParaRPr sz="1100">
+              <a:solidFill>
+                <a:schemeClr val="lt2"/>
+              </a:solidFill>
+              <a:latin typeface="Roboto"/>
+              <a:ea typeface="Roboto"/>
+              <a:cs typeface="Roboto"/>
+              <a:sym typeface="Roboto"/>
+            </a:endParaRPr>
+          </a:p>
+          <a:p>
+            <a:pPr indent="-298450" lvl="0" marL="457200" rtl="0" algn="l">
+              <a:spcBef>
+                <a:spcPts val="0"/>
+              </a:spcBef>
+              <a:spcAft>
+                <a:spcPts val="0"/>
+              </a:spcAft>
+              <a:buClr>
+                <a:schemeClr val="lt2"/>
+              </a:buClr>
+              <a:buSzPts val="1100"/>
+              <a:buFont typeface="Roboto"/>
+              <a:buChar char="❖"/>
+            </a:pPr>
+            <a:r>
+              <a:rPr lang="en" sz="1100">
+                <a:solidFill>
+                  <a:schemeClr val="lt2"/>
+                </a:solidFill>
+                <a:latin typeface="Roboto"/>
+                <a:ea typeface="Roboto"/>
+                <a:cs typeface="Roboto"/>
+                <a:sym typeface="Roboto"/>
+              </a:rPr>
+              <a:t>In-State Tuition Average with Early Career Pay Average.</a:t>
+            </a:r>
+            <a:br>
+              <a:rPr lang="en" sz="1100">
+                <a:solidFill>
+                  <a:schemeClr val="lt2"/>
+                </a:solidFill>
+                <a:latin typeface="Roboto"/>
+                <a:ea typeface="Roboto"/>
+                <a:cs typeface="Roboto"/>
+                <a:sym typeface="Roboto"/>
+              </a:rPr>
+            </a:br>
+            <a:endParaRPr sz="1100">
+              <a:solidFill>
+                <a:schemeClr val="lt2"/>
+              </a:solidFill>
+              <a:latin typeface="Roboto"/>
+              <a:ea typeface="Roboto"/>
+              <a:cs typeface="Roboto"/>
+              <a:sym typeface="Roboto"/>
+            </a:endParaRPr>
+          </a:p>
+          <a:p>
+            <a:pPr indent="-298450" lvl="0" marL="457200" rtl="0" algn="l">
+              <a:spcBef>
+                <a:spcPts val="0"/>
+              </a:spcBef>
+              <a:spcAft>
+                <a:spcPts val="0"/>
+              </a:spcAft>
+              <a:buClr>
+                <a:schemeClr val="lt2"/>
+              </a:buClr>
+              <a:buSzPts val="1100"/>
+              <a:buFont typeface="Roboto"/>
+              <a:buChar char="❖"/>
+            </a:pPr>
+            <a:r>
+              <a:rPr lang="en" sz="1100">
+                <a:solidFill>
+                  <a:schemeClr val="lt2"/>
+                </a:solidFill>
+                <a:latin typeface="Roboto"/>
+                <a:ea typeface="Roboto"/>
+                <a:cs typeface="Roboto"/>
+                <a:sym typeface="Roboto"/>
+              </a:rPr>
+              <a:t>Out-of-State Tuition Average with Early Career Pay Average.</a:t>
+            </a:r>
+            <a:br>
+              <a:rPr lang="en" sz="1100">
+                <a:solidFill>
+                  <a:schemeClr val="lt2"/>
+                </a:solidFill>
+                <a:latin typeface="Roboto"/>
+                <a:ea typeface="Roboto"/>
+                <a:cs typeface="Roboto"/>
+                <a:sym typeface="Roboto"/>
+              </a:rPr>
+            </a:br>
+            <a:endParaRPr sz="1100">
+              <a:solidFill>
+                <a:schemeClr val="lt2"/>
+              </a:solidFill>
+              <a:latin typeface="Roboto"/>
+              <a:ea typeface="Roboto"/>
+              <a:cs typeface="Roboto"/>
+              <a:sym typeface="Roboto"/>
+            </a:endParaRPr>
+          </a:p>
+          <a:p>
+            <a:pPr indent="-298450" lvl="0" marL="457200" rtl="0" algn="l">
+              <a:spcBef>
+                <a:spcPts val="0"/>
+              </a:spcBef>
+              <a:spcAft>
+                <a:spcPts val="0"/>
+              </a:spcAft>
+              <a:buClr>
+                <a:schemeClr val="lt2"/>
+              </a:buClr>
+              <a:buSzPts val="1100"/>
+              <a:buFont typeface="Roboto"/>
+              <a:buChar char="❖"/>
+            </a:pPr>
+            <a:r>
+              <a:rPr lang="en" sz="1100">
+                <a:solidFill>
+                  <a:schemeClr val="lt2"/>
+                </a:solidFill>
+                <a:latin typeface="Roboto"/>
+                <a:ea typeface="Roboto"/>
+                <a:cs typeface="Roboto"/>
+                <a:sym typeface="Roboto"/>
+              </a:rPr>
+              <a:t>Public vs Private regarding Early Career Pay by State - list the top school of each type for the state selected. </a:t>
+            </a:r>
+            <a:br>
+              <a:rPr lang="en" sz="1100">
+                <a:solidFill>
+                  <a:schemeClr val="lt2"/>
+                </a:solidFill>
+                <a:latin typeface="Roboto"/>
+                <a:ea typeface="Roboto"/>
+                <a:cs typeface="Roboto"/>
+                <a:sym typeface="Roboto"/>
+              </a:rPr>
+            </a:br>
+            <a:endParaRPr sz="1100">
+              <a:solidFill>
+                <a:schemeClr val="lt2"/>
+              </a:solidFill>
+              <a:latin typeface="Roboto"/>
+              <a:ea typeface="Roboto"/>
+              <a:cs typeface="Roboto"/>
+              <a:sym typeface="Roboto"/>
+            </a:endParaRPr>
+          </a:p>
+          <a:p>
+            <a:pPr indent="0" lvl="0" marL="0" rtl="0" algn="l">
+              <a:spcBef>
+                <a:spcPts val="0"/>
+              </a:spcBef>
+              <a:spcAft>
+                <a:spcPts val="0"/>
+              </a:spcAft>
+              <a:buNone/>
+            </a:pPr>
+            <a:r>
+              <a:rPr i="1" lang="en" sz="700">
+                <a:solidFill>
+                  <a:schemeClr val="lt2"/>
+                </a:solidFill>
+                <a:latin typeface="Roboto"/>
+                <a:ea typeface="Roboto"/>
+                <a:cs typeface="Roboto"/>
+                <a:sym typeface="Roboto"/>
+              </a:rPr>
+              <a:t>*Further adjustments/additions to the interactive elements are possible as the project continues.</a:t>
+            </a:r>
+            <a:endParaRPr i="1" sz="700">
+              <a:solidFill>
+                <a:schemeClr val="lt2"/>
+              </a:solidFill>
+              <a:latin typeface="Roboto"/>
+              <a:ea typeface="Roboto"/>
+              <a:cs typeface="Roboto"/>
+              <a:sym typeface="Roboto"/>
+            </a:endParaRPr>
+          </a:p>
+        </p:txBody>
+      </p:sp>
+    </p:spTree>
+  </p:cSld>
+  <p:clrMapOvr>
+    <a:masterClrMapping/>
+  </p:clrMapOvr>
+</p:sld>
+</file>
+
 <file path=ppt/slides/slide2.xml><?xml version="1.0" encoding="utf-8"?>
 <p:sld xmlns:a="http://schemas.openxmlformats.org/drawingml/2006/main" xmlns:r="http://schemas.openxmlformats.org/officeDocument/2006/relationships" xmlns:mc="http://schemas.openxmlformats.org/markup-compatibility/2006" xmlns:mv="urn:schemas-microsoft-com:mac:vml" xmlns:p="http://schemas.openxmlformats.org/presentationml/2006/main" xmlns:c="http://schemas.openxmlformats.org/drawingml/2006/chart" xmlns:dgm="http://schemas.openxmlformats.org/drawingml/2006/diagram" xmlns:o="urn:schemas-microsoft-com:office:office" xmlns:v="urn:schemas-microsoft-com:vml" xmlns:pvml="urn:schemas-microsoft-com:office:powerpoint" xmlns:com="http://schemas.openxmlformats.org/drawingml/2006/compatibility" xmlns:p14="http://schemas.microsoft.com/office/powerpoint/2010/main" xmlns:p15="http://schemas.microsoft.com/office/powerpoint/2012/main" xmlns:ahyp="http://schemas.microsoft.com/office/drawing/2018/hyperlinkcolor">
   <p:cSld>
@@ -7857,6 +9583,34 @@
           </a:ln>
         </p:spPr>
       </p:pic>
+      <p:pic>
+        <p:nvPicPr>
+          <p:cNvPr id="83" name="Google Shape;83;p15"/>
+          <p:cNvPicPr preferRelativeResize="0"/>
+          <p:nvPr/>
+        </p:nvPicPr>
+        <p:blipFill>
+          <a:blip r:embed="rId10">
+            <a:alphaModFix/>
+          </a:blip>
+          <a:stretch>
+            <a:fillRect/>
+          </a:stretch>
+        </p:blipFill>
+        <p:spPr>
+          <a:xfrm>
+            <a:off x="362975" y="3775850"/>
+            <a:ext cx="1405924" cy="562380"/>
+          </a:xfrm>
+          <a:prstGeom prst="rect">
+            <a:avLst/>
+          </a:prstGeom>
+          <a:noFill/>
+          <a:ln>
+            <a:noFill/>
+          </a:ln>
+        </p:spPr>
+      </p:pic>
     </p:spTree>
   </p:cSld>
   <p:clrMapOvr>
@@ -7870,7 +9624,7 @@
   <p:cSld>
     <p:spTree>
       <p:nvGrpSpPr>
-        <p:cNvPr id="86" name="Shape 86"/>
+        <p:cNvPr id="87" name="Shape 87"/>
         <p:cNvGrpSpPr/>
         <p:nvPr/>
       </p:nvGrpSpPr>
@@ -7884,7 +9638,7 @@
       </p:grpSpPr>
       <p:sp>
         <p:nvSpPr>
-          <p:cNvPr id="87" name="Google Shape;87;p16"/>
+          <p:cNvPr id="88" name="Google Shape;88;p16"/>
           <p:cNvSpPr txBox="1"/>
           <p:nvPr>
             <p:ph type="title"/>
@@ -7924,7 +9678,7 @@
       </p:sp>
       <p:sp>
         <p:nvSpPr>
-          <p:cNvPr id="88" name="Google Shape;88;p16"/>
+          <p:cNvPr id="89" name="Google Shape;89;p16"/>
           <p:cNvSpPr txBox="1"/>
           <p:nvPr>
             <p:ph idx="1" type="body"/>
@@ -8240,7 +9994,7 @@
       </p:sp>
       <p:cxnSp>
         <p:nvCxnSpPr>
-          <p:cNvPr id="89" name="Google Shape;89;p16"/>
+          <p:cNvPr id="90" name="Google Shape;90;p16"/>
           <p:cNvCxnSpPr/>
           <p:nvPr/>
         </p:nvCxnSpPr>
@@ -8277,7 +10031,7 @@
   <p:cSld>
     <p:spTree>
       <p:nvGrpSpPr>
-        <p:cNvPr id="93" name="Shape 93"/>
+        <p:cNvPr id="94" name="Shape 94"/>
         <p:cNvGrpSpPr/>
         <p:nvPr/>
       </p:nvGrpSpPr>
@@ -8291,7 +10045,7 @@
       </p:grpSpPr>
       <p:sp>
         <p:nvSpPr>
-          <p:cNvPr id="94" name="Google Shape;94;p17"/>
+          <p:cNvPr id="95" name="Google Shape;95;p17"/>
           <p:cNvSpPr txBox="1"/>
           <p:nvPr>
             <p:ph type="title"/>
@@ -8331,7 +10085,7 @@
       </p:sp>
       <p:sp>
         <p:nvSpPr>
-          <p:cNvPr id="95" name="Google Shape;95;p17"/>
+          <p:cNvPr id="96" name="Google Shape;96;p17"/>
           <p:cNvSpPr txBox="1"/>
           <p:nvPr>
             <p:ph idx="2" type="body"/>
@@ -8348,7 +10102,7 @@
         </p:spPr>
         <p:txBody>
           <a:bodyPr anchorCtr="0" anchor="ctr" bIns="91425" lIns="91425" spcFirstLastPara="1" rIns="91425" wrap="square" tIns="91425">
-            <a:normAutofit fontScale="77500" lnSpcReduction="10000"/>
+            <a:normAutofit fontScale="85000" lnSpcReduction="10000"/>
           </a:bodyPr>
           <a:lstStyle/>
           <a:p>
@@ -8362,7 +10116,7 @@
               <a:buNone/>
             </a:pPr>
             <a:r>
-              <a:rPr b="1" lang="en" sz="2050">
+              <a:rPr b="1" lang="en" sz="1814">
                 <a:latin typeface="Roboto"/>
                 <a:ea typeface="Roboto"/>
                 <a:cs typeface="Roboto"/>
@@ -8370,7 +10124,7 @@
               </a:rPr>
               <a:t>QUESTIONS</a:t>
             </a:r>
-            <a:endParaRPr b="1" sz="2050">
+            <a:endParaRPr b="1" sz="1814">
               <a:latin typeface="Roboto"/>
               <a:ea typeface="Roboto"/>
               <a:cs typeface="Roboto"/>
@@ -8378,7 +10132,7 @@
             </a:endParaRPr>
           </a:p>
           <a:p>
-            <a:pPr indent="-317182" lvl="0" marL="457200" rtl="0" algn="l">
+            <a:pPr indent="-319404" lvl="0" marL="457200" rtl="0" algn="l">
               <a:spcBef>
                 <a:spcPts val="1200"/>
               </a:spcBef>
@@ -8393,7 +10147,7 @@
               <a:buChar char="❖"/>
             </a:pPr>
             <a:r>
-              <a:rPr lang="en">
+              <a:rPr lang="en" sz="1682">
                 <a:latin typeface="Roboto"/>
                 <a:ea typeface="Roboto"/>
                 <a:cs typeface="Roboto"/>
@@ -8402,14 +10156,14 @@
               <a:t>How many colleges are in each state?</a:t>
             </a:r>
             <a:br>
-              <a:rPr lang="en">
+              <a:rPr lang="en" sz="1682">
                 <a:latin typeface="Roboto"/>
                 <a:ea typeface="Roboto"/>
                 <a:cs typeface="Roboto"/>
                 <a:sym typeface="Roboto"/>
               </a:rPr>
             </a:br>
-            <a:endParaRPr>
+            <a:endParaRPr sz="1682">
               <a:latin typeface="Roboto"/>
               <a:ea typeface="Roboto"/>
               <a:cs typeface="Roboto"/>
@@ -8417,7 +10171,7 @@
             </a:endParaRPr>
           </a:p>
           <a:p>
-            <a:pPr indent="-317182" lvl="0" marL="457200" rtl="0" algn="l">
+            <a:pPr indent="-319404" lvl="0" marL="457200" rtl="0" algn="l">
               <a:spcBef>
                 <a:spcPts val="0"/>
               </a:spcBef>
@@ -8432,7 +10186,7 @@
               <a:buChar char="❖"/>
             </a:pPr>
             <a:r>
-              <a:rPr lang="en">
+              <a:rPr lang="en" sz="1682">
                 <a:latin typeface="Roboto"/>
                 <a:ea typeface="Roboto"/>
                 <a:cs typeface="Roboto"/>
@@ -8441,14 +10195,14 @@
               <a:t>How many public, private, and for-profit colleges are in each state?</a:t>
             </a:r>
             <a:br>
-              <a:rPr lang="en">
+              <a:rPr lang="en" sz="1682">
                 <a:latin typeface="Roboto"/>
                 <a:ea typeface="Roboto"/>
                 <a:cs typeface="Roboto"/>
                 <a:sym typeface="Roboto"/>
               </a:rPr>
             </a:br>
-            <a:endParaRPr>
+            <a:endParaRPr sz="1682">
               <a:latin typeface="Roboto"/>
               <a:ea typeface="Roboto"/>
               <a:cs typeface="Roboto"/>
@@ -8456,7 +10210,7 @@
             </a:endParaRPr>
           </a:p>
           <a:p>
-            <a:pPr indent="-317182" lvl="0" marL="457200" rtl="0" algn="l">
+            <a:pPr indent="-319404" lvl="0" marL="457200" rtl="0" algn="l">
               <a:spcBef>
                 <a:spcPts val="0"/>
               </a:spcBef>
@@ -8471,23 +10225,23 @@
               <a:buChar char="❖"/>
             </a:pPr>
             <a:r>
-              <a:rPr lang="en">
+              <a:rPr lang="en" sz="1682">
                 <a:latin typeface="Roboto"/>
                 <a:ea typeface="Roboto"/>
                 <a:cs typeface="Roboto"/>
                 <a:sym typeface="Roboto"/>
               </a:rPr>
-              <a:t>What are the average tuition costs by state of a two-year and four-year college?</a:t>
+              <a:t>How does field of study influence early career pay?</a:t>
             </a:r>
             <a:br>
-              <a:rPr lang="en">
+              <a:rPr lang="en" sz="1682">
                 <a:latin typeface="Roboto"/>
                 <a:ea typeface="Roboto"/>
                 <a:cs typeface="Roboto"/>
                 <a:sym typeface="Roboto"/>
               </a:rPr>
             </a:br>
-            <a:endParaRPr>
+            <a:endParaRPr sz="1682">
               <a:latin typeface="Roboto"/>
               <a:ea typeface="Roboto"/>
               <a:cs typeface="Roboto"/>
@@ -8495,7 +10249,7 @@
             </a:endParaRPr>
           </a:p>
           <a:p>
-            <a:pPr indent="-317182" lvl="0" marL="457200" rtl="0" algn="l">
+            <a:pPr indent="-319404" lvl="0" marL="457200" rtl="0" algn="l">
               <a:spcBef>
                 <a:spcPts val="0"/>
               </a:spcBef>
@@ -8510,7 +10264,7 @@
               <a:buChar char="❖"/>
             </a:pPr>
             <a:r>
-              <a:rPr lang="en">
+              <a:rPr lang="en" sz="1682">
                 <a:latin typeface="Roboto"/>
                 <a:ea typeface="Roboto"/>
                 <a:cs typeface="Roboto"/>
@@ -8519,14 +10273,14 @@
               <a:t>What states have the highest early career salary?</a:t>
             </a:r>
             <a:br>
-              <a:rPr lang="en">
+              <a:rPr lang="en" sz="1682">
                 <a:latin typeface="Roboto"/>
                 <a:ea typeface="Roboto"/>
                 <a:cs typeface="Roboto"/>
                 <a:sym typeface="Roboto"/>
               </a:rPr>
             </a:br>
-            <a:endParaRPr>
+            <a:endParaRPr sz="1682">
               <a:latin typeface="Roboto"/>
               <a:ea typeface="Roboto"/>
               <a:cs typeface="Roboto"/>
@@ -8534,7 +10288,7 @@
             </a:endParaRPr>
           </a:p>
           <a:p>
-            <a:pPr indent="-317182" lvl="0" marL="457200" rtl="0" algn="l">
+            <a:pPr indent="-319404" lvl="0" marL="457200" rtl="0" algn="l">
               <a:spcBef>
                 <a:spcPts val="0"/>
               </a:spcBef>
@@ -8549,7 +10303,7 @@
               <a:buChar char="❖"/>
             </a:pPr>
             <a:r>
-              <a:rPr lang="en">
+              <a:rPr lang="en" sz="1682">
                 <a:latin typeface="Roboto"/>
                 <a:ea typeface="Roboto"/>
                 <a:cs typeface="Roboto"/>
@@ -8557,7 +10311,7 @@
               </a:rPr>
               <a:t>What regions have the highest early career salary?</a:t>
             </a:r>
-            <a:endParaRPr/>
+            <a:endParaRPr sz="1682"/>
           </a:p>
         </p:txBody>
       </p:sp>
@@ -8574,7 +10328,7 @@
   <p:cSld>
     <p:spTree>
       <p:nvGrpSpPr>
-        <p:cNvPr id="99" name="Shape 99"/>
+        <p:cNvPr id="100" name="Shape 100"/>
         <p:cNvGrpSpPr/>
         <p:nvPr/>
       </p:nvGrpSpPr>
@@ -8588,7 +10342,7 @@
       </p:grpSpPr>
       <p:sp>
         <p:nvSpPr>
-          <p:cNvPr id="100" name="Google Shape;100;p18"/>
+          <p:cNvPr id="101" name="Google Shape;101;p18"/>
           <p:cNvSpPr txBox="1"/>
           <p:nvPr>
             <p:ph type="title"/>
@@ -8643,7 +10397,7 @@
       </p:sp>
       <p:sp>
         <p:nvSpPr>
-          <p:cNvPr id="101" name="Google Shape;101;p18"/>
+          <p:cNvPr id="102" name="Google Shape;102;p18"/>
           <p:cNvSpPr txBox="1"/>
           <p:nvPr>
             <p:ph idx="1" type="body"/>
@@ -8669,30 +10423,138 @@
                 <a:spcPts val="0"/>
               </a:spcBef>
               <a:spcAft>
-                <a:spcPts val="0"/>
+                <a:spcPts val="1200"/>
               </a:spcAft>
               <a:buNone/>
             </a:pPr>
             <a:r>
-              <a:rPr i="1" lang="en">
-                <a:latin typeface="Times New Roman"/>
-                <a:ea typeface="Times New Roman"/>
-                <a:cs typeface="Times New Roman"/>
-                <a:sym typeface="Times New Roman"/>
+              <a:rPr lang="en" sz="1200">
+                <a:latin typeface="Roboto"/>
+                <a:ea typeface="Roboto"/>
+                <a:cs typeface="Roboto"/>
+                <a:sym typeface="Roboto"/>
               </a:rPr>
-              <a:t>Description - TBD</a:t>
-            </a:r>
-            <a:endParaRPr i="1">
-              <a:latin typeface="Times New Roman"/>
-              <a:ea typeface="Times New Roman"/>
-              <a:cs typeface="Times New Roman"/>
-              <a:sym typeface="Times New Roman"/>
+              <a:t>After cleaning the data, which entailed matching and formatting the </a:t>
+            </a:r>
+            <a:r>
+              <a:rPr lang="en" sz="1200">
+                <a:latin typeface="Roboto"/>
+                <a:ea typeface="Roboto"/>
+                <a:cs typeface="Roboto"/>
+                <a:sym typeface="Roboto"/>
+              </a:rPr>
+              <a:t>school</a:t>
+            </a:r>
+            <a:r>
+              <a:rPr lang="en" sz="1200">
+                <a:latin typeface="Roboto"/>
+                <a:ea typeface="Roboto"/>
+                <a:cs typeface="Roboto"/>
+                <a:sym typeface="Roboto"/>
+              </a:rPr>
+              <a:t> names, we were left with 907 rows and 27 columns. Overall, the initial review showed that </a:t>
+            </a:r>
+            <a:r>
+              <a:rPr b="1" lang="en" sz="1200">
+                <a:latin typeface="Roboto"/>
+                <a:ea typeface="Roboto"/>
+                <a:cs typeface="Roboto"/>
+                <a:sym typeface="Roboto"/>
+              </a:rPr>
+              <a:t>Mississippi</a:t>
+            </a:r>
+            <a:r>
+              <a:rPr lang="en" sz="1200">
+                <a:latin typeface="Roboto"/>
+                <a:ea typeface="Roboto"/>
+                <a:cs typeface="Roboto"/>
+                <a:sym typeface="Roboto"/>
+              </a:rPr>
+              <a:t> had the lowest average of Early Career Pay while </a:t>
+            </a:r>
+            <a:r>
+              <a:rPr b="1" lang="en" sz="1200">
+                <a:latin typeface="Roboto"/>
+                <a:ea typeface="Roboto"/>
+                <a:cs typeface="Roboto"/>
+                <a:sym typeface="Roboto"/>
+              </a:rPr>
+              <a:t>New York </a:t>
+            </a:r>
+            <a:r>
+              <a:rPr lang="en" sz="1200">
+                <a:latin typeface="Roboto"/>
+                <a:ea typeface="Roboto"/>
+                <a:cs typeface="Roboto"/>
+                <a:sym typeface="Roboto"/>
+              </a:rPr>
+              <a:t>edged out California for the highest. Here are some highlights we found during the EDA process. </a:t>
+            </a:r>
+            <a:endParaRPr sz="1200">
+              <a:latin typeface="Roboto"/>
+              <a:ea typeface="Roboto"/>
+              <a:cs typeface="Roboto"/>
+              <a:sym typeface="Roboto"/>
             </a:endParaRPr>
           </a:p>
+        </p:txBody>
+      </p:sp>
+      <p:pic>
+        <p:nvPicPr>
+          <p:cNvPr id="103" name="Google Shape;103;p18"/>
+          <p:cNvPicPr preferRelativeResize="0"/>
+          <p:nvPr/>
+        </p:nvPicPr>
+        <p:blipFill>
+          <a:blip r:embed="rId3">
+            <a:alphaModFix/>
+          </a:blip>
+          <a:stretch>
+            <a:fillRect/>
+          </a:stretch>
+        </p:blipFill>
+        <p:spPr>
+          <a:xfrm>
+            <a:off x="414950" y="1956825"/>
+            <a:ext cx="5175575" cy="3016525"/>
+          </a:xfrm>
+          <a:prstGeom prst="rect">
+            <a:avLst/>
+          </a:prstGeom>
+          <a:noFill/>
+          <a:ln>
+            <a:noFill/>
+          </a:ln>
+        </p:spPr>
+      </p:pic>
+      <p:sp>
+        <p:nvSpPr>
+          <p:cNvPr id="104" name="Google Shape;104;p18"/>
+          <p:cNvSpPr txBox="1"/>
+          <p:nvPr/>
+        </p:nvSpPr>
+        <p:spPr>
+          <a:xfrm>
+            <a:off x="5772350" y="1999325"/>
+            <a:ext cx="2353800" cy="1847100"/>
+          </a:xfrm>
+          <a:prstGeom prst="rect">
+            <a:avLst/>
+          </a:prstGeom>
+          <a:noFill/>
+          <a:ln>
+            <a:noFill/>
+          </a:ln>
+        </p:spPr>
+        <p:txBody>
+          <a:bodyPr anchorCtr="0" anchor="t" bIns="91425" lIns="91425" spcFirstLastPara="1" rIns="91425" wrap="square" tIns="91425">
+            <a:spAutoFit/>
+          </a:bodyPr>
+          <a:lstStyle/>
           <a:p>
             <a:pPr indent="0" lvl="0" marL="0" rtl="0" algn="l">
               <a:spcBef>
-                <a:spcPts val="1200"/>
+                <a:spcPts val="0"/>
               </a:spcBef>
               <a:spcAft>
                 <a:spcPts val="0"/>
@@ -8700,45 +10562,25 @@
               <a:buNone/>
             </a:pPr>
             <a:r>
-              <a:rPr i="1" lang="en">
-                <a:latin typeface="Times New Roman"/>
-                <a:ea typeface="Times New Roman"/>
-                <a:cs typeface="Times New Roman"/>
-                <a:sym typeface="Times New Roman"/>
+              <a:rPr lang="en" sz="1200">
+                <a:solidFill>
+                  <a:schemeClr val="accent3"/>
+                </a:solidFill>
+                <a:latin typeface="Roboto"/>
+                <a:ea typeface="Roboto"/>
+                <a:cs typeface="Roboto"/>
+                <a:sym typeface="Roboto"/>
               </a:rPr>
-              <a:t>Link to EDA file with code - TBD</a:t>
-            </a:r>
-            <a:endParaRPr i="1">
-              <a:latin typeface="Times New Roman"/>
-              <a:ea typeface="Times New Roman"/>
-              <a:cs typeface="Times New Roman"/>
-              <a:sym typeface="Times New Roman"/>
-            </a:endParaRPr>
-          </a:p>
-          <a:p>
-            <a:pPr indent="0" lvl="0" marL="0" rtl="0" algn="l">
-              <a:spcBef>
-                <a:spcPts val="1200"/>
-              </a:spcBef>
-              <a:spcAft>
-                <a:spcPts val="1200"/>
-              </a:spcAft>
-              <a:buNone/>
-            </a:pPr>
-            <a:r>
-              <a:rPr i="1" lang="en">
-                <a:latin typeface="Times New Roman"/>
-                <a:ea typeface="Times New Roman"/>
-                <a:cs typeface="Times New Roman"/>
-                <a:sym typeface="Times New Roman"/>
-              </a:rPr>
-              <a:t>Images from Tableau - TBD</a:t>
-            </a:r>
-            <a:endParaRPr i="1">
-              <a:latin typeface="Times New Roman"/>
-              <a:ea typeface="Times New Roman"/>
-              <a:cs typeface="Times New Roman"/>
-              <a:sym typeface="Times New Roman"/>
+              <a:t>This visual shows the average Early Career Pay by Division. The divisions are comprised of smaller groups with the regions, as defined by the U.S. Census Bureau. The Middle Atlantic includes New York and East South Central includes Mississippi. </a:t>
+            </a:r>
+            <a:endParaRPr sz="1200">
+              <a:solidFill>
+                <a:schemeClr val="accent3"/>
+              </a:solidFill>
+              <a:latin typeface="Roboto"/>
+              <a:ea typeface="Roboto"/>
+              <a:cs typeface="Roboto"/>
+              <a:sym typeface="Roboto"/>
             </a:endParaRPr>
           </a:p>
         </p:txBody>
@@ -8756,7 +10598,7 @@
   <p:cSld>
     <p:spTree>
       <p:nvGrpSpPr>
-        <p:cNvPr id="105" name="Shape 105"/>
+        <p:cNvPr id="108" name="Shape 108"/>
         <p:cNvGrpSpPr/>
         <p:nvPr/>
       </p:nvGrpSpPr>
@@ -8770,7 +10612,250 @@
       </p:grpSpPr>
       <p:sp>
         <p:nvSpPr>
-          <p:cNvPr id="106" name="Google Shape;106;p19"/>
+          <p:cNvPr id="109" name="Google Shape;109;p19"/>
+          <p:cNvSpPr txBox="1"/>
+          <p:nvPr>
+            <p:ph type="title"/>
+          </p:nvPr>
+        </p:nvSpPr>
+        <p:spPr>
+          <a:xfrm>
+            <a:off x="311700" y="445025"/>
+            <a:ext cx="8520600" cy="572700"/>
+          </a:xfrm>
+          <a:prstGeom prst="rect">
+            <a:avLst/>
+          </a:prstGeom>
+        </p:spPr>
+        <p:txBody>
+          <a:bodyPr anchorCtr="0" anchor="t" bIns="91425" lIns="91425" spcFirstLastPara="1" rIns="91425" wrap="square" tIns="91425">
+            <a:normAutofit fontScale="90000"/>
+          </a:bodyPr>
+          <a:lstStyle/>
+          <a:p>
+            <a:pPr indent="0" lvl="0" marL="0" rtl="0" algn="l">
+              <a:spcBef>
+                <a:spcPts val="0"/>
+              </a:spcBef>
+              <a:spcAft>
+                <a:spcPts val="0"/>
+              </a:spcAft>
+              <a:buNone/>
+            </a:pPr>
+            <a:r>
+              <a:rPr lang="en"/>
+              <a:t>Exploratory Data Analysis - Visuals and Descriptions</a:t>
+            </a:r>
+            <a:endParaRPr/>
+          </a:p>
+        </p:txBody>
+      </p:sp>
+      <p:sp>
+        <p:nvSpPr>
+          <p:cNvPr id="110" name="Google Shape;110;p19"/>
+          <p:cNvSpPr txBox="1"/>
+          <p:nvPr>
+            <p:ph idx="1" type="body"/>
+          </p:nvPr>
+        </p:nvSpPr>
+        <p:spPr>
+          <a:xfrm>
+            <a:off x="311700" y="1076275"/>
+            <a:ext cx="8520600" cy="3416400"/>
+          </a:xfrm>
+          <a:prstGeom prst="rect">
+            <a:avLst/>
+          </a:prstGeom>
+        </p:spPr>
+        <p:txBody>
+          <a:bodyPr anchorCtr="0" anchor="t" bIns="91425" lIns="91425" spcFirstLastPara="1" rIns="91425" wrap="square" tIns="91425">
+            <a:normAutofit/>
+          </a:bodyPr>
+          <a:lstStyle/>
+          <a:p>
+            <a:pPr indent="0" lvl="0" marL="0" rtl="0" algn="l">
+              <a:spcBef>
+                <a:spcPts val="0"/>
+              </a:spcBef>
+              <a:spcAft>
+                <a:spcPts val="1200"/>
+              </a:spcAft>
+              <a:buNone/>
+            </a:pPr>
+            <a:r>
+              <a:rPr lang="en" sz="1200">
+                <a:latin typeface="Roboto"/>
+                <a:ea typeface="Roboto"/>
+                <a:cs typeface="Roboto"/>
+                <a:sym typeface="Roboto"/>
+              </a:rPr>
+              <a:t>What we found most interesting was the correlation of </a:t>
+            </a:r>
+            <a:r>
+              <a:rPr b="1" lang="en" sz="1200">
+                <a:latin typeface="Roboto"/>
+                <a:ea typeface="Roboto"/>
+                <a:cs typeface="Roboto"/>
+                <a:sym typeface="Roboto"/>
+              </a:rPr>
+              <a:t>Stem Percent </a:t>
+            </a:r>
+            <a:r>
+              <a:rPr lang="en" sz="1200">
+                <a:latin typeface="Roboto"/>
+                <a:ea typeface="Roboto"/>
+                <a:cs typeface="Roboto"/>
+                <a:sym typeface="Roboto"/>
+              </a:rPr>
+              <a:t>(the percentage of students enrolled in STEM fields of study) to </a:t>
+            </a:r>
+            <a:r>
+              <a:rPr b="1" lang="en" sz="1200">
+                <a:latin typeface="Roboto"/>
+                <a:ea typeface="Roboto"/>
+                <a:cs typeface="Roboto"/>
+                <a:sym typeface="Roboto"/>
+              </a:rPr>
+              <a:t>Early Career Pay</a:t>
+            </a:r>
+            <a:r>
+              <a:rPr lang="en" sz="1200">
+                <a:latin typeface="Roboto"/>
+                <a:ea typeface="Roboto"/>
+                <a:cs typeface="Roboto"/>
+                <a:sym typeface="Roboto"/>
+              </a:rPr>
+              <a:t>. The higher the percentage, the higher the pay. In sharp contrast, the lower the </a:t>
+            </a:r>
+            <a:r>
+              <a:rPr b="1" lang="en" sz="1200">
+                <a:latin typeface="Roboto"/>
+                <a:ea typeface="Roboto"/>
+                <a:cs typeface="Roboto"/>
+                <a:sym typeface="Roboto"/>
+              </a:rPr>
+              <a:t>Make World Better Percent</a:t>
+            </a:r>
+            <a:r>
+              <a:rPr lang="en" sz="1200">
+                <a:latin typeface="Roboto"/>
+                <a:ea typeface="Roboto"/>
+                <a:cs typeface="Roboto"/>
+                <a:sym typeface="Roboto"/>
+              </a:rPr>
+              <a:t> (the percentage of students who identified themselves in fields of study to better the world around them) the lower the </a:t>
+            </a:r>
+            <a:r>
+              <a:rPr b="1" lang="en" sz="1200">
+                <a:latin typeface="Roboto"/>
+                <a:ea typeface="Roboto"/>
+                <a:cs typeface="Roboto"/>
+                <a:sym typeface="Roboto"/>
+              </a:rPr>
+              <a:t>Early Career Pay</a:t>
+            </a:r>
+            <a:r>
+              <a:rPr lang="en" sz="1200">
+                <a:latin typeface="Roboto"/>
+                <a:ea typeface="Roboto"/>
+                <a:cs typeface="Roboto"/>
+                <a:sym typeface="Roboto"/>
+              </a:rPr>
+              <a:t>. As you can see, these patterns exist across all regions of the United States.</a:t>
+            </a:r>
+            <a:endParaRPr sz="1200">
+              <a:latin typeface="Roboto"/>
+              <a:ea typeface="Roboto"/>
+              <a:cs typeface="Roboto"/>
+              <a:sym typeface="Roboto"/>
+            </a:endParaRPr>
+          </a:p>
+        </p:txBody>
+      </p:sp>
+      <p:pic>
+        <p:nvPicPr>
+          <p:cNvPr id="111" name="Google Shape;111;p19"/>
+          <p:cNvPicPr preferRelativeResize="0"/>
+          <p:nvPr/>
+        </p:nvPicPr>
+        <p:blipFill>
+          <a:blip r:embed="rId3">
+            <a:alphaModFix/>
+          </a:blip>
+          <a:stretch>
+            <a:fillRect/>
+          </a:stretch>
+        </p:blipFill>
+        <p:spPr>
+          <a:xfrm>
+            <a:off x="4895650" y="2103925"/>
+            <a:ext cx="3319571" cy="2803025"/>
+          </a:xfrm>
+          <a:prstGeom prst="rect">
+            <a:avLst/>
+          </a:prstGeom>
+          <a:noFill/>
+          <a:ln>
+            <a:noFill/>
+          </a:ln>
+        </p:spPr>
+      </p:pic>
+      <p:pic>
+        <p:nvPicPr>
+          <p:cNvPr id="112" name="Google Shape;112;p19"/>
+          <p:cNvPicPr preferRelativeResize="0"/>
+          <p:nvPr/>
+        </p:nvPicPr>
+        <p:blipFill>
+          <a:blip r:embed="rId4">
+            <a:alphaModFix/>
+          </a:blip>
+          <a:stretch>
+            <a:fillRect/>
+          </a:stretch>
+        </p:blipFill>
+        <p:spPr>
+          <a:xfrm>
+            <a:off x="653450" y="2103925"/>
+            <a:ext cx="3304379" cy="2803025"/>
+          </a:xfrm>
+          <a:prstGeom prst="rect">
+            <a:avLst/>
+          </a:prstGeom>
+          <a:noFill/>
+          <a:ln>
+            <a:noFill/>
+          </a:ln>
+        </p:spPr>
+      </p:pic>
+    </p:spTree>
+  </p:cSld>
+  <p:clrMapOvr>
+    <a:masterClrMapping/>
+  </p:clrMapOvr>
+</p:sld>
+</file>
+
+<file path=ppt/slides/slide8.xml><?xml version="1.0" encoding="utf-8"?>
+<p:sld xmlns:a="http://schemas.openxmlformats.org/drawingml/2006/main" xmlns:r="http://schemas.openxmlformats.org/officeDocument/2006/relationships" xmlns:mc="http://schemas.openxmlformats.org/markup-compatibility/2006" xmlns:mv="urn:schemas-microsoft-com:mac:vml" xmlns:p="http://schemas.openxmlformats.org/presentationml/2006/main" xmlns:c="http://schemas.openxmlformats.org/drawingml/2006/chart" xmlns:dgm="http://schemas.openxmlformats.org/drawingml/2006/diagram" xmlns:o="urn:schemas-microsoft-com:office:office" xmlns:v="urn:schemas-microsoft-com:vml" xmlns:pvml="urn:schemas-microsoft-com:office:powerpoint" xmlns:com="http://schemas.openxmlformats.org/drawingml/2006/compatibility" xmlns:p14="http://schemas.microsoft.com/office/powerpoint/2010/main" xmlns:p15="http://schemas.microsoft.com/office/powerpoint/2012/main" xmlns:ahyp="http://schemas.microsoft.com/office/drawing/2018/hyperlinkcolor">
+  <p:cSld>
+    <p:spTree>
+      <p:nvGrpSpPr>
+        <p:cNvPr id="116" name="Shape 116"/>
+        <p:cNvGrpSpPr/>
+        <p:nvPr/>
+      </p:nvGrpSpPr>
+      <p:grpSpPr>
+        <a:xfrm>
+          <a:off x="0" y="0"/>
+          <a:ext cx="0" cy="0"/>
+          <a:chOff x="0" y="0"/>
+          <a:chExt cx="0" cy="0"/>
+        </a:xfrm>
+      </p:grpSpPr>
+      <p:sp>
+        <p:nvSpPr>
+          <p:cNvPr id="117" name="Google Shape;117;p20"/>
           <p:cNvSpPr txBox="1"/>
           <p:nvPr>
             <p:ph type="title"/>
@@ -8810,7 +10895,7 @@
       </p:sp>
       <p:sp>
         <p:nvSpPr>
-          <p:cNvPr id="107" name="Google Shape;107;p19"/>
+          <p:cNvPr id="118" name="Google Shape;118;p20"/>
           <p:cNvSpPr txBox="1"/>
           <p:nvPr>
             <p:ph idx="2" type="body"/>
@@ -8818,8 +10903,8 @@
         </p:nvSpPr>
         <p:spPr>
           <a:xfrm>
-            <a:off x="4916875" y="316775"/>
-            <a:ext cx="3837000" cy="3983700"/>
+            <a:off x="4916875" y="196150"/>
+            <a:ext cx="3797100" cy="4255200"/>
           </a:xfrm>
           <a:prstGeom prst="rect">
             <a:avLst/>
@@ -8841,15 +10926,32 @@
               <a:buNone/>
             </a:pPr>
             <a:r>
-              <a:rPr lang="en" sz="1000">
+              <a:rPr b="1" lang="en" sz="1500">
                 <a:latin typeface="Roboto"/>
                 <a:ea typeface="Roboto"/>
                 <a:cs typeface="Roboto"/>
                 <a:sym typeface="Roboto"/>
               </a:rPr>
-              <a:t>PostgreSQL, via PGAdmin, is used to store the tables of data.</a:t>
-            </a:r>
-            <a:endParaRPr sz="1000">
+              <a:t>Overview</a:t>
+            </a:r>
+            <a:br>
+              <a:rPr lang="en" sz="1100">
+                <a:latin typeface="Roboto"/>
+                <a:ea typeface="Roboto"/>
+                <a:cs typeface="Roboto"/>
+                <a:sym typeface="Roboto"/>
+              </a:rPr>
+            </a:br>
+            <a:r>
+              <a:rPr lang="en" sz="1100">
+                <a:latin typeface="Roboto"/>
+                <a:ea typeface="Roboto"/>
+                <a:cs typeface="Roboto"/>
+                <a:sym typeface="Roboto"/>
+              </a:rPr>
+              <a:t>PostgreSQL, via PGAdmin, is used to store the tables of data. We used SQLAlchemy as our Object Relational Mapper.</a:t>
+            </a:r>
+            <a:endParaRPr sz="1100">
               <a:latin typeface="Roboto"/>
               <a:ea typeface="Roboto"/>
               <a:cs typeface="Roboto"/>
@@ -8867,7 +10969,7 @@
               <a:buNone/>
             </a:pPr>
             <a:r>
-              <a:rPr lang="en" sz="1000">
+              <a:rPr lang="en" sz="1100">
                 <a:latin typeface="Roboto"/>
                 <a:ea typeface="Roboto"/>
                 <a:cs typeface="Roboto"/>
@@ -8875,7 +10977,7 @@
               </a:rPr>
               <a:t>Below is our entity relational diagram that outlines our datasets and assisted us with our EDA process. </a:t>
             </a:r>
-            <a:endParaRPr sz="1000">
+            <a:endParaRPr sz="1100">
               <a:latin typeface="Roboto"/>
               <a:ea typeface="Roboto"/>
               <a:cs typeface="Roboto"/>
@@ -8893,7 +10995,7 @@
               <a:buNone/>
             </a:pPr>
             <a:r>
-              <a:rPr lang="en" sz="1000">
+              <a:rPr lang="en" sz="1100">
                 <a:latin typeface="Roboto"/>
                 <a:ea typeface="Roboto"/>
                 <a:cs typeface="Roboto"/>
@@ -8902,7 +11004,7 @@
               <a:t>The two most common features within our datasets is </a:t>
             </a:r>
             <a:r>
-              <a:rPr b="1" lang="en" sz="1000">
+              <a:rPr b="1" lang="en" sz="1100">
                 <a:latin typeface="Roboto"/>
                 <a:ea typeface="Roboto"/>
                 <a:cs typeface="Roboto"/>
@@ -8911,7 +11013,7 @@
               <a:t>State </a:t>
             </a:r>
             <a:r>
-              <a:rPr lang="en" sz="1000">
+              <a:rPr lang="en" sz="1100">
                 <a:latin typeface="Roboto"/>
                 <a:ea typeface="Roboto"/>
                 <a:cs typeface="Roboto"/>
@@ -8920,7 +11022,7 @@
               <a:t>and </a:t>
             </a:r>
             <a:r>
-              <a:rPr b="1" lang="en" sz="1000">
+              <a:rPr b="1" lang="en" sz="1100">
                 <a:latin typeface="Roboto"/>
                 <a:ea typeface="Roboto"/>
                 <a:cs typeface="Roboto"/>
@@ -8929,15 +11031,15 @@
               <a:t>UniversityName</a:t>
             </a:r>
             <a:r>
-              <a:rPr lang="en" sz="1000">
+              <a:rPr lang="en" sz="1100">
                 <a:latin typeface="Roboto"/>
                 <a:ea typeface="Roboto"/>
                 <a:cs typeface="Roboto"/>
                 <a:sym typeface="Roboto"/>
               </a:rPr>
-              <a:t>.</a:t>
-            </a:r>
-            <a:endParaRPr sz="1000">
+              <a:t>. </a:t>
+            </a:r>
+            <a:endParaRPr sz="1100">
               <a:latin typeface="Roboto"/>
               <a:ea typeface="Roboto"/>
               <a:cs typeface="Roboto"/>
@@ -8985,13 +11087,7 @@
               <a:buNone/>
             </a:pPr>
             <a:r>
-              <a:rPr i="1" lang="en" sz="1600">
-                <a:latin typeface="Times New Roman"/>
-                <a:ea typeface="Times New Roman"/>
-                <a:cs typeface="Times New Roman"/>
-                <a:sym typeface="Times New Roman"/>
-              </a:rPr>
-              <a:t>**Will link to the University_Salary_DBD once resized file is updated in the MAIN branch of repo.</a:t>
+              <a:t/>
             </a:r>
             <a:endParaRPr i="1" sz="1600">
               <a:latin typeface="Times New Roman"/>
@@ -9002,6 +11098,34 @@
           </a:p>
         </p:txBody>
       </p:sp>
+      <p:pic>
+        <p:nvPicPr>
+          <p:cNvPr id="119" name="Google Shape;119;p20"/>
+          <p:cNvPicPr preferRelativeResize="0"/>
+          <p:nvPr/>
+        </p:nvPicPr>
+        <p:blipFill>
+          <a:blip r:embed="rId3">
+            <a:alphaModFix/>
+          </a:blip>
+          <a:stretch>
+            <a:fillRect/>
+          </a:stretch>
+        </p:blipFill>
+        <p:spPr>
+          <a:xfrm>
+            <a:off x="4689850" y="2273150"/>
+            <a:ext cx="4326600" cy="2587800"/>
+          </a:xfrm>
+          <a:prstGeom prst="rect">
+            <a:avLst/>
+          </a:prstGeom>
+          <a:noFill/>
+          <a:ln>
+            <a:noFill/>
+          </a:ln>
+        </p:spPr>
+      </p:pic>
     </p:spTree>
   </p:cSld>
   <p:clrMapOvr>
@@ -9010,12 +11134,12 @@
 </p:sld>
 </file>
 
-<file path=ppt/slides/slide8.xml><?xml version="1.0" encoding="utf-8"?>
+<file path=ppt/slides/slide9.xml><?xml version="1.0" encoding="utf-8"?>
 <p:sld xmlns:a="http://schemas.openxmlformats.org/drawingml/2006/main" xmlns:r="http://schemas.openxmlformats.org/officeDocument/2006/relationships" xmlns:mc="http://schemas.openxmlformats.org/markup-compatibility/2006" xmlns:mv="urn:schemas-microsoft-com:mac:vml" xmlns:p="http://schemas.openxmlformats.org/presentationml/2006/main" xmlns:c="http://schemas.openxmlformats.org/drawingml/2006/chart" xmlns:dgm="http://schemas.openxmlformats.org/drawingml/2006/diagram" xmlns:o="urn:schemas-microsoft-com:office:office" xmlns:v="urn:schemas-microsoft-com:vml" xmlns:pvml="urn:schemas-microsoft-com:office:powerpoint" xmlns:com="http://schemas.openxmlformats.org/drawingml/2006/compatibility" xmlns:p14="http://schemas.microsoft.com/office/powerpoint/2010/main" xmlns:p15="http://schemas.microsoft.com/office/powerpoint/2012/main" xmlns:ahyp="http://schemas.microsoft.com/office/drawing/2018/hyperlinkcolor">
   <p:cSld>
     <p:spTree>
       <p:nvGrpSpPr>
-        <p:cNvPr id="111" name="Shape 111"/>
+        <p:cNvPr id="123" name="Shape 123"/>
         <p:cNvGrpSpPr/>
         <p:nvPr/>
       </p:nvGrpSpPr>
@@ -9029,7 +11153,7 @@
       </p:grpSpPr>
       <p:sp>
         <p:nvSpPr>
-          <p:cNvPr id="112" name="Google Shape;112;p20"/>
+          <p:cNvPr id="124" name="Google Shape;124;p21"/>
           <p:cNvSpPr txBox="1"/>
           <p:nvPr>
             <p:ph type="title"/>
@@ -9069,7 +11193,7 @@
       </p:sp>
       <p:sp>
         <p:nvSpPr>
-          <p:cNvPr id="113" name="Google Shape;113;p20"/>
+          <p:cNvPr id="125" name="Google Shape;125;p21"/>
           <p:cNvSpPr txBox="1"/>
           <p:nvPr>
             <p:ph idx="2" type="body"/>
@@ -9077,15 +11201,15 @@
         </p:nvSpPr>
         <p:spPr>
           <a:xfrm>
-            <a:off x="4939500" y="724200"/>
-            <a:ext cx="3837000" cy="3695100"/>
+            <a:off x="4828525" y="128250"/>
+            <a:ext cx="3960900" cy="4564500"/>
           </a:xfrm>
           <a:prstGeom prst="rect">
             <a:avLst/>
           </a:prstGeom>
         </p:spPr>
         <p:txBody>
-          <a:bodyPr anchorCtr="0" anchor="ctr" bIns="91425" lIns="91425" spcFirstLastPara="1" rIns="91425" wrap="square" tIns="91425">
+          <a:bodyPr anchorCtr="0" anchor="t" bIns="91425" lIns="91425" spcFirstLastPara="1" rIns="91425" wrap="square" tIns="91425">
             <a:normAutofit lnSpcReduction="10000"/>
           </a:bodyPr>
           <a:lstStyle/>
@@ -9100,7 +11224,7 @@
               <a:buNone/>
             </a:pPr>
             <a:r>
-              <a:rPr lang="en">
+              <a:rPr b="1" lang="en" sz="1529">
                 <a:latin typeface="Roboto"/>
                 <a:ea typeface="Roboto"/>
                 <a:cs typeface="Roboto"/>
@@ -9108,7 +11232,137 @@
               </a:rPr>
               <a:t>Preliminary Data Preprocessing</a:t>
             </a:r>
-            <a:endParaRPr>
+            <a:endParaRPr sz="1529">
+              <a:latin typeface="Roboto"/>
+              <a:ea typeface="Roboto"/>
+              <a:cs typeface="Roboto"/>
+              <a:sym typeface="Roboto"/>
+            </a:endParaRPr>
+          </a:p>
+          <a:p>
+            <a:pPr indent="-298450" lvl="0" marL="457200" rtl="0" algn="l">
+              <a:spcBef>
+                <a:spcPts val="1200"/>
+              </a:spcBef>
+              <a:spcAft>
+                <a:spcPts val="0"/>
+              </a:spcAft>
+              <a:buSzPts val="1100"/>
+              <a:buFont typeface="Roboto"/>
+              <a:buChar char="❖"/>
+            </a:pPr>
+            <a:r>
+              <a:rPr lang="en" sz="1100">
+                <a:latin typeface="Roboto"/>
+                <a:ea typeface="Roboto"/>
+                <a:cs typeface="Roboto"/>
+                <a:sym typeface="Roboto"/>
+              </a:rPr>
+              <a:t>Assessed the data types </a:t>
+            </a:r>
+            <a:endParaRPr sz="1100">
+              <a:latin typeface="Roboto"/>
+              <a:ea typeface="Roboto"/>
+              <a:cs typeface="Roboto"/>
+              <a:sym typeface="Roboto"/>
+            </a:endParaRPr>
+          </a:p>
+          <a:p>
+            <a:pPr indent="-298450" lvl="0" marL="457200" rtl="0" algn="l">
+              <a:spcBef>
+                <a:spcPts val="0"/>
+              </a:spcBef>
+              <a:spcAft>
+                <a:spcPts val="0"/>
+              </a:spcAft>
+              <a:buSzPts val="1100"/>
+              <a:buFont typeface="Roboto"/>
+              <a:buChar char="❖"/>
+            </a:pPr>
+            <a:r>
+              <a:rPr lang="en" sz="1100">
+                <a:latin typeface="Roboto"/>
+                <a:ea typeface="Roboto"/>
+                <a:cs typeface="Roboto"/>
+                <a:sym typeface="Roboto"/>
+              </a:rPr>
+              <a:t>Replaced the nulls with zero </a:t>
+            </a:r>
+            <a:endParaRPr sz="1100">
+              <a:latin typeface="Roboto"/>
+              <a:ea typeface="Roboto"/>
+              <a:cs typeface="Roboto"/>
+              <a:sym typeface="Roboto"/>
+            </a:endParaRPr>
+          </a:p>
+          <a:p>
+            <a:pPr indent="-298450" lvl="0" marL="457200" rtl="0" algn="l">
+              <a:spcBef>
+                <a:spcPts val="0"/>
+              </a:spcBef>
+              <a:spcAft>
+                <a:spcPts val="0"/>
+              </a:spcAft>
+              <a:buSzPts val="1100"/>
+              <a:buFont typeface="Roboto"/>
+              <a:buChar char="❖"/>
+            </a:pPr>
+            <a:r>
+              <a:rPr lang="en" sz="1100">
+                <a:latin typeface="Roboto"/>
+                <a:ea typeface="Roboto"/>
+                <a:cs typeface="Roboto"/>
+                <a:sym typeface="Roboto"/>
+              </a:rPr>
+              <a:t>Dropped the </a:t>
+            </a:r>
+            <a:r>
+              <a:rPr lang="en" sz="1100">
+                <a:latin typeface="Roboto"/>
+                <a:ea typeface="Roboto"/>
+                <a:cs typeface="Roboto"/>
+                <a:sym typeface="Roboto"/>
+              </a:rPr>
+              <a:t>unnecessary</a:t>
+            </a:r>
+            <a:r>
+              <a:rPr lang="en" sz="1100">
+                <a:latin typeface="Roboto"/>
+                <a:ea typeface="Roboto"/>
+                <a:cs typeface="Roboto"/>
+                <a:sym typeface="Roboto"/>
+              </a:rPr>
+              <a:t> columns: University Name, Rank, Mid Career Pay, and Degree Length</a:t>
+            </a:r>
+            <a:endParaRPr sz="1100">
+              <a:latin typeface="Roboto"/>
+              <a:ea typeface="Roboto"/>
+              <a:cs typeface="Roboto"/>
+              <a:sym typeface="Roboto"/>
+            </a:endParaRPr>
+          </a:p>
+          <a:p>
+            <a:pPr indent="-298450" lvl="0" marL="457200" rtl="0" algn="l">
+              <a:spcBef>
+                <a:spcPts val="0"/>
+              </a:spcBef>
+              <a:spcAft>
+                <a:spcPts val="0"/>
+              </a:spcAft>
+              <a:buSzPts val="1100"/>
+              <a:buFont typeface="Roboto"/>
+              <a:buChar char="❖"/>
+            </a:pPr>
+            <a:r>
+              <a:rPr lang="en" sz="1100">
+                <a:latin typeface="Roboto"/>
+                <a:ea typeface="Roboto"/>
+                <a:cs typeface="Roboto"/>
+                <a:sym typeface="Roboto"/>
+              </a:rPr>
+              <a:t>Pandas.get_dummies was used to convert Division, State, Region, and Type to integers</a:t>
+            </a:r>
+            <a:endParaRPr sz="1100">
               <a:latin typeface="Roboto"/>
               <a:ea typeface="Roboto"/>
               <a:cs typeface="Roboto"/>
@@ -9126,9 +11380,32 @@
               <a:buNone/>
             </a:pPr>
             <a:r>
-              <a:t/>
-            </a:r>
-            <a:endParaRPr>
+              <a:rPr b="1" lang="en" sz="1529">
+                <a:latin typeface="Roboto"/>
+                <a:ea typeface="Roboto"/>
+                <a:cs typeface="Roboto"/>
+                <a:sym typeface="Roboto"/>
+              </a:rPr>
+              <a:t>Preliminary Feature Selection and Engineering Process</a:t>
+            </a:r>
+            <a:br>
+              <a:rPr lang="en">
+                <a:latin typeface="Roboto"/>
+                <a:ea typeface="Roboto"/>
+                <a:cs typeface="Roboto"/>
+                <a:sym typeface="Roboto"/>
+              </a:rPr>
+            </a:br>
+            <a:r>
+              <a:rPr lang="en" sz="1100">
+                <a:latin typeface="Roboto"/>
+                <a:ea typeface="Roboto"/>
+                <a:cs typeface="Roboto"/>
+                <a:sym typeface="Roboto"/>
+              </a:rPr>
+              <a:t>We elected to convert the target column values (Early Career Pay) to either “Low” (less than $45,000) or “Medium/High” for all other amounts.  Of the dropped columns above we selected to remove Mid Career Pay and Rank for the initial phase of modeling. These features may be added back in pending further testing.  </a:t>
+            </a:r>
+            <a:endParaRPr sz="1100">
               <a:latin typeface="Roboto"/>
               <a:ea typeface="Roboto"/>
               <a:cs typeface="Roboto"/>
@@ -9141,359 +11418,55 @@
                 <a:spcPts val="1200"/>
               </a:spcBef>
               <a:spcAft>
-                <a:spcPts val="0"/>
+                <a:spcPts val="1200"/>
               </a:spcAft>
               <a:buNone/>
             </a:pPr>
             <a:r>
+              <a:rPr b="1" lang="en" sz="1529">
+                <a:latin typeface="Roboto"/>
+                <a:ea typeface="Roboto"/>
+                <a:cs typeface="Roboto"/>
+                <a:sym typeface="Roboto"/>
+              </a:rPr>
+              <a:t>Training and Testing Sets</a:t>
+            </a:r>
+            <a:br>
               <a:rPr lang="en">
                 <a:latin typeface="Roboto"/>
                 <a:ea typeface="Roboto"/>
                 <a:cs typeface="Roboto"/>
                 <a:sym typeface="Roboto"/>
               </a:rPr>
-              <a:t>Preliminary Feature Selection and Engineering Process</a:t>
-            </a:r>
-            <a:endParaRPr>
-              <a:latin typeface="Roboto"/>
-              <a:ea typeface="Roboto"/>
-              <a:cs typeface="Roboto"/>
-              <a:sym typeface="Roboto"/>
-            </a:endParaRPr>
-          </a:p>
-          <a:p>
-            <a:pPr indent="0" lvl="0" marL="0" rtl="0" algn="l">
-              <a:spcBef>
-                <a:spcPts val="1200"/>
-              </a:spcBef>
-              <a:spcAft>
-                <a:spcPts val="0"/>
-              </a:spcAft>
-              <a:buNone/>
-            </a:pPr>
-            <a:r>
-              <a:t/>
-            </a:r>
-            <a:endParaRPr>
-              <a:latin typeface="Roboto"/>
-              <a:ea typeface="Roboto"/>
-              <a:cs typeface="Roboto"/>
-              <a:sym typeface="Roboto"/>
-            </a:endParaRPr>
-          </a:p>
-          <a:p>
-            <a:pPr indent="0" lvl="0" marL="0" rtl="0" algn="l">
-              <a:spcBef>
-                <a:spcPts val="1200"/>
-              </a:spcBef>
-              <a:spcAft>
-                <a:spcPts val="0"/>
-              </a:spcAft>
-              <a:buNone/>
-            </a:pPr>
-            <a:r>
-              <a:rPr lang="en">
+            </a:br>
+            <a:r>
+              <a:rPr lang="en" sz="1100">
                 <a:latin typeface="Roboto"/>
                 <a:ea typeface="Roboto"/>
                 <a:cs typeface="Roboto"/>
                 <a:sym typeface="Roboto"/>
               </a:rPr>
-              <a:t>Training and Testing Sets</a:t>
-            </a:r>
-            <a:endParaRPr>
-              <a:latin typeface="Roboto"/>
-              <a:ea typeface="Roboto"/>
-              <a:cs typeface="Roboto"/>
-              <a:sym typeface="Roboto"/>
-            </a:endParaRPr>
-          </a:p>
-          <a:p>
-            <a:pPr indent="0" lvl="0" marL="0" rtl="0" algn="l">
-              <a:spcBef>
-                <a:spcPts val="1200"/>
-              </a:spcBef>
-              <a:spcAft>
-                <a:spcPts val="0"/>
-              </a:spcAft>
-              <a:buNone/>
-            </a:pPr>
-            <a:r>
-              <a:t/>
-            </a:r>
-            <a:endParaRPr>
-              <a:latin typeface="Roboto"/>
-              <a:ea typeface="Roboto"/>
-              <a:cs typeface="Roboto"/>
-              <a:sym typeface="Roboto"/>
-            </a:endParaRPr>
-          </a:p>
-          <a:p>
-            <a:pPr indent="0" lvl="0" marL="0" rtl="0" algn="l">
-              <a:spcBef>
-                <a:spcPts val="1200"/>
-              </a:spcBef>
-              <a:spcAft>
-                <a:spcPts val="1200"/>
-              </a:spcAft>
-              <a:buNone/>
-            </a:pPr>
-            <a:r>
-              <a:rPr lang="en">
+              <a:t>We used the </a:t>
+            </a:r>
+            <a:r>
+              <a:rPr lang="en" sz="1100">
                 <a:latin typeface="Roboto"/>
                 <a:ea typeface="Roboto"/>
                 <a:cs typeface="Roboto"/>
                 <a:sym typeface="Roboto"/>
               </a:rPr>
-              <a:t>Model Selection - benefits and limitations</a:t>
-            </a:r>
-            <a:endParaRPr>
-              <a:latin typeface="Roboto"/>
-              <a:ea typeface="Roboto"/>
-              <a:cs typeface="Roboto"/>
-              <a:sym typeface="Roboto"/>
-            </a:endParaRPr>
-          </a:p>
-        </p:txBody>
-      </p:sp>
-    </p:spTree>
-  </p:cSld>
-  <p:clrMapOvr>
-    <a:masterClrMapping/>
-  </p:clrMapOvr>
-</p:sld>
-</file>
-
-<file path=ppt/slides/slide9.xml><?xml version="1.0" encoding="utf-8"?>
-<p:sld xmlns:a="http://schemas.openxmlformats.org/drawingml/2006/main" xmlns:r="http://schemas.openxmlformats.org/officeDocument/2006/relationships" xmlns:mc="http://schemas.openxmlformats.org/markup-compatibility/2006" xmlns:mv="urn:schemas-microsoft-com:mac:vml" xmlns:p="http://schemas.openxmlformats.org/presentationml/2006/main" xmlns:c="http://schemas.openxmlformats.org/drawingml/2006/chart" xmlns:dgm="http://schemas.openxmlformats.org/drawingml/2006/diagram" xmlns:o="urn:schemas-microsoft-com:office:office" xmlns:v="urn:schemas-microsoft-com:vml" xmlns:pvml="urn:schemas-microsoft-com:office:powerpoint" xmlns:com="http://schemas.openxmlformats.org/drawingml/2006/compatibility" xmlns:p14="http://schemas.microsoft.com/office/powerpoint/2010/main" xmlns:p15="http://schemas.microsoft.com/office/powerpoint/2012/main" xmlns:ahyp="http://schemas.microsoft.com/office/drawing/2018/hyperlinkcolor">
-  <p:cSld>
-    <p:spTree>
-      <p:nvGrpSpPr>
-        <p:cNvPr id="117" name="Shape 117"/>
-        <p:cNvGrpSpPr/>
-        <p:nvPr/>
-      </p:nvGrpSpPr>
-      <p:grpSpPr>
-        <a:xfrm>
-          <a:off x="0" y="0"/>
-          <a:ext cx="0" cy="0"/>
-          <a:chOff x="0" y="0"/>
-          <a:chExt cx="0" cy="0"/>
-        </a:xfrm>
-      </p:grpSpPr>
-      <p:sp>
-        <p:nvSpPr>
-          <p:cNvPr id="118" name="Google Shape;118;p21"/>
-          <p:cNvSpPr txBox="1"/>
-          <p:nvPr>
-            <p:ph type="title"/>
-          </p:nvPr>
-        </p:nvSpPr>
-        <p:spPr>
-          <a:xfrm>
-            <a:off x="265500" y="1716600"/>
-            <a:ext cx="4045200" cy="1710300"/>
-          </a:xfrm>
-          <a:prstGeom prst="rect">
-            <a:avLst/>
-          </a:prstGeom>
-        </p:spPr>
-        <p:txBody>
-          <a:bodyPr anchorCtr="0" anchor="ctr" bIns="91425" lIns="91425" spcFirstLastPara="1" rIns="91425" wrap="square" tIns="91425">
-            <a:normAutofit/>
-          </a:bodyPr>
-          <a:lstStyle/>
-          <a:p>
-            <a:pPr indent="0" lvl="0" marL="0" rtl="0" algn="ctr">
-              <a:spcBef>
-                <a:spcPts val="0"/>
-              </a:spcBef>
-              <a:spcAft>
-                <a:spcPts val="0"/>
-              </a:spcAft>
-              <a:buNone/>
-            </a:pPr>
-            <a:r>
-              <a:rPr lang="en"/>
-              <a:t>Dashboard</a:t>
-            </a:r>
-            <a:endParaRPr/>
-          </a:p>
-        </p:txBody>
-      </p:sp>
-      <p:sp>
-        <p:nvSpPr>
-          <p:cNvPr id="119" name="Google Shape;119;p21"/>
-          <p:cNvSpPr txBox="1"/>
-          <p:nvPr>
-            <p:ph idx="2" type="body"/>
-          </p:nvPr>
-        </p:nvSpPr>
-        <p:spPr>
-          <a:xfrm>
-            <a:off x="4939500" y="724200"/>
-            <a:ext cx="3837000" cy="3695100"/>
-          </a:xfrm>
-          <a:prstGeom prst="rect">
-            <a:avLst/>
-          </a:prstGeom>
-        </p:spPr>
-        <p:txBody>
-          <a:bodyPr anchorCtr="0" anchor="ctr" bIns="91425" lIns="91425" spcFirstLastPara="1" rIns="91425" wrap="square" tIns="91425">
-            <a:normAutofit/>
-          </a:bodyPr>
-          <a:lstStyle/>
-          <a:p>
-            <a:pPr indent="0" lvl="0" marL="0" rtl="0" algn="l">
-              <a:spcBef>
-                <a:spcPts val="0"/>
-              </a:spcBef>
-              <a:spcAft>
-                <a:spcPts val="0"/>
-              </a:spcAft>
-              <a:buNone/>
-            </a:pPr>
-            <a:r>
-              <a:rPr lang="en">
+              <a:t>Sklearn</a:t>
+            </a:r>
+            <a:r>
+              <a:rPr lang="en" sz="1100">
                 <a:latin typeface="Roboto"/>
                 <a:ea typeface="Roboto"/>
                 <a:cs typeface="Roboto"/>
                 <a:sym typeface="Roboto"/>
               </a:rPr>
-              <a:t>Storyboard</a:t>
-            </a:r>
-            <a:endParaRPr>
-              <a:latin typeface="Roboto"/>
-              <a:ea typeface="Roboto"/>
-              <a:cs typeface="Roboto"/>
-              <a:sym typeface="Roboto"/>
-            </a:endParaRPr>
-          </a:p>
-          <a:p>
-            <a:pPr indent="0" lvl="0" marL="0" rtl="0" algn="l">
-              <a:spcBef>
-                <a:spcPts val="1200"/>
-              </a:spcBef>
-              <a:spcAft>
-                <a:spcPts val="0"/>
-              </a:spcAft>
-              <a:buNone/>
-            </a:pPr>
-            <a:r>
-              <a:t/>
-            </a:r>
-            <a:endParaRPr>
-              <a:latin typeface="Roboto"/>
-              <a:ea typeface="Roboto"/>
-              <a:cs typeface="Roboto"/>
-              <a:sym typeface="Roboto"/>
-            </a:endParaRPr>
-          </a:p>
-          <a:p>
-            <a:pPr indent="0" lvl="0" marL="0" rtl="0" algn="l">
-              <a:spcBef>
-                <a:spcPts val="1200"/>
-              </a:spcBef>
-              <a:spcAft>
-                <a:spcPts val="0"/>
-              </a:spcAft>
-              <a:buNone/>
-            </a:pPr>
-            <a:r>
-              <a:t/>
-            </a:r>
-            <a:endParaRPr>
-              <a:latin typeface="Roboto"/>
-              <a:ea typeface="Roboto"/>
-              <a:cs typeface="Roboto"/>
-              <a:sym typeface="Roboto"/>
-            </a:endParaRPr>
-          </a:p>
-          <a:p>
-            <a:pPr indent="0" lvl="0" marL="0" rtl="0" algn="l">
-              <a:spcBef>
-                <a:spcPts val="1200"/>
-              </a:spcBef>
-              <a:spcAft>
-                <a:spcPts val="0"/>
-              </a:spcAft>
-              <a:buNone/>
-            </a:pPr>
-            <a:r>
-              <a:rPr lang="en">
-                <a:latin typeface="Roboto"/>
-                <a:ea typeface="Roboto"/>
-                <a:cs typeface="Roboto"/>
-                <a:sym typeface="Roboto"/>
-              </a:rPr>
-              <a:t>Description of Tools</a:t>
-            </a:r>
-            <a:endParaRPr>
-              <a:latin typeface="Roboto"/>
-              <a:ea typeface="Roboto"/>
-              <a:cs typeface="Roboto"/>
-              <a:sym typeface="Roboto"/>
-            </a:endParaRPr>
-          </a:p>
-          <a:p>
-            <a:pPr indent="0" lvl="0" marL="0" rtl="0" algn="l">
-              <a:spcBef>
-                <a:spcPts val="1200"/>
-              </a:spcBef>
-              <a:spcAft>
-                <a:spcPts val="0"/>
-              </a:spcAft>
-              <a:buNone/>
-            </a:pPr>
-            <a:r>
-              <a:t/>
-            </a:r>
-            <a:endParaRPr>
-              <a:latin typeface="Roboto"/>
-              <a:ea typeface="Roboto"/>
-              <a:cs typeface="Roboto"/>
-              <a:sym typeface="Roboto"/>
-            </a:endParaRPr>
-          </a:p>
-          <a:p>
-            <a:pPr indent="0" lvl="0" marL="0" rtl="0" algn="l">
-              <a:spcBef>
-                <a:spcPts val="1200"/>
-              </a:spcBef>
-              <a:spcAft>
-                <a:spcPts val="0"/>
-              </a:spcAft>
-              <a:buNone/>
-            </a:pPr>
-            <a:r>
-              <a:t/>
-            </a:r>
-            <a:endParaRPr>
-              <a:latin typeface="Roboto"/>
-              <a:ea typeface="Roboto"/>
-              <a:cs typeface="Roboto"/>
-              <a:sym typeface="Roboto"/>
-            </a:endParaRPr>
-          </a:p>
-          <a:p>
-            <a:pPr indent="0" lvl="0" marL="0" rtl="0" algn="l">
-              <a:spcBef>
-                <a:spcPts val="1200"/>
-              </a:spcBef>
-              <a:spcAft>
-                <a:spcPts val="1200"/>
-              </a:spcAft>
-              <a:buNone/>
-            </a:pPr>
-            <a:r>
-              <a:rPr lang="en">
-                <a:latin typeface="Roboto"/>
-                <a:ea typeface="Roboto"/>
-                <a:cs typeface="Roboto"/>
-                <a:sym typeface="Roboto"/>
-              </a:rPr>
-              <a:t>Interactive Elements</a:t>
-            </a:r>
-            <a:endParaRPr>
+              <a:t> train_test_split for all four of the models in our repository. In addition, 80% of our data was used for training and 20% for testing. </a:t>
+            </a:r>
+            <a:endParaRPr sz="1100">
               <a:latin typeface="Roboto"/>
               <a:ea typeface="Roboto"/>
               <a:cs typeface="Roboto"/>

--- a/College_Costs_Career_Pay.pptx
+++ b/College_Costs_Career_Pay.pptx
@@ -7898,7 +7898,7 @@
                 <a:cs typeface="Roboto"/>
                 <a:sym typeface="Roboto"/>
               </a:rPr>
-              <a:t>Of the four models, we believe that the AdaBoost is the most favorable for our dataset. It narrowly beats out the Random Forest with regards to precision and accuracy. With the AdaBoost we will need to make sure it doesn’t overfit, as that is one of the models general limitations.</a:t>
+              <a:t>Of the four models, we believe that the AdaBoost is the most favorable for our dataset. It narrowly beats out the Random Forest with regards to precision and accuracy. With the AdaBoost we will need to make sure it doesn’t overfit, as that is one of the model’s general limitations.</a:t>
             </a:r>
             <a:endParaRPr sz="1200">
               <a:solidFill>

--- a/College_Costs_Career_Pay.pptx
+++ b/College_Costs_Career_Pay.pptx
@@ -20,25 +20,26 @@
     <p:sldId id="265" r:id="rId15"/>
     <p:sldId id="266" r:id="rId16"/>
     <p:sldId id="267" r:id="rId17"/>
+    <p:sldId id="268" r:id="rId18"/>
   </p:sldIdLst>
   <p:sldSz cy="5143500" cx="9144000"/>
   <p:notesSz cx="6858000" cy="9144000"/>
   <p:embeddedFontLst>
     <p:embeddedFont>
       <p:font typeface="Roboto"/>
-      <p:regular r:id="rId18"/>
-      <p:bold r:id="rId19"/>
-      <p:italic r:id="rId20"/>
-      <p:boldItalic r:id="rId21"/>
+      <p:regular r:id="rId19"/>
+      <p:bold r:id="rId20"/>
+      <p:italic r:id="rId21"/>
+      <p:boldItalic r:id="rId22"/>
     </p:embeddedFont>
     <p:embeddedFont>
       <p:font typeface="Average"/>
-      <p:regular r:id="rId22"/>
+      <p:regular r:id="rId23"/>
     </p:embeddedFont>
     <p:embeddedFont>
       <p:font typeface="Oswald"/>
-      <p:regular r:id="rId23"/>
-      <p:bold r:id="rId24"/>
+      <p:regular r:id="rId24"/>
+      <p:bold r:id="rId25"/>
     </p:embeddedFont>
   </p:embeddedFontLst>
   <p:defaultTextStyle>
@@ -819,7 +820,7 @@
   <p:cSld>
     <p:spTree>
       <p:nvGrpSpPr>
-        <p:cNvPr id="126" name="Shape 126"/>
+        <p:cNvPr id="129" name="Shape 129"/>
         <p:cNvGrpSpPr/>
         <p:nvPr/>
       </p:nvGrpSpPr>
@@ -833,7 +834,7 @@
       </p:grpSpPr>
       <p:sp>
         <p:nvSpPr>
-          <p:cNvPr id="127" name="Google Shape;127;g19463de4c04_0_0:notes"/>
+          <p:cNvPr id="130" name="Google Shape;130;g1947fbf626d_1_10:notes"/>
           <p:cNvSpPr/>
           <p:nvPr>
             <p:ph idx="2" type="sldImg"/>
@@ -868,7 +869,7 @@
       </p:sp>
       <p:sp>
         <p:nvSpPr>
-          <p:cNvPr id="128" name="Google Shape;128;g19463de4c04_0_0:notes"/>
+          <p:cNvPr id="131" name="Google Shape;131;g1947fbf626d_1_10:notes"/>
           <p:cNvSpPr txBox="1"/>
           <p:nvPr>
             <p:ph idx="1" type="body"/>
@@ -918,7 +919,7 @@
   <p:cSld>
     <p:spTree>
       <p:nvGrpSpPr>
-        <p:cNvPr id="143" name="Shape 143"/>
+        <p:cNvPr id="146" name="Shape 146"/>
         <p:cNvGrpSpPr/>
         <p:nvPr/>
       </p:nvGrpSpPr>
@@ -932,7 +933,7 @@
       </p:grpSpPr>
       <p:sp>
         <p:nvSpPr>
-          <p:cNvPr id="144" name="Google Shape;144;g18e4127dfa6_0_281:notes"/>
+          <p:cNvPr id="147" name="Google Shape;147;g1947fbf626d_1_1:notes"/>
           <p:cNvSpPr/>
           <p:nvPr>
             <p:ph idx="2" type="sldImg"/>
@@ -967,7 +968,7 @@
       </p:sp>
       <p:sp>
         <p:nvSpPr>
-          <p:cNvPr id="145" name="Google Shape;145;g18e4127dfa6_0_281:notes"/>
+          <p:cNvPr id="148" name="Google Shape;148;g1947fbf626d_1_1:notes"/>
           <p:cNvSpPr txBox="1"/>
           <p:nvPr>
             <p:ph idx="1" type="body"/>
@@ -1017,7 +1018,7 @@
   <p:cSld>
     <p:spTree>
       <p:nvGrpSpPr>
-        <p:cNvPr id="149" name="Shape 149"/>
+        <p:cNvPr id="154" name="Shape 154"/>
         <p:cNvGrpSpPr/>
         <p:nvPr/>
       </p:nvGrpSpPr>
@@ -1031,7 +1032,7 @@
       </p:grpSpPr>
       <p:sp>
         <p:nvSpPr>
-          <p:cNvPr id="150" name="Google Shape;150;g1944409ac44_0_10:notes"/>
+          <p:cNvPr id="155" name="Google Shape;155;g18e4127dfa6_0_281:notes"/>
           <p:cNvSpPr/>
           <p:nvPr>
             <p:ph idx="2" type="sldImg"/>
@@ -1066,7 +1067,106 @@
       </p:sp>
       <p:sp>
         <p:nvSpPr>
-          <p:cNvPr id="151" name="Google Shape;151;g1944409ac44_0_10:notes"/>
+          <p:cNvPr id="156" name="Google Shape;156;g18e4127dfa6_0_281:notes"/>
+          <p:cNvSpPr txBox="1"/>
+          <p:nvPr>
+            <p:ph idx="1" type="body"/>
+          </p:nvPr>
+        </p:nvSpPr>
+        <p:spPr>
+          <a:xfrm>
+            <a:off x="685800" y="4343400"/>
+            <a:ext cx="5486400" cy="4114800"/>
+          </a:xfrm>
+          <a:prstGeom prst="rect">
+            <a:avLst/>
+          </a:prstGeom>
+        </p:spPr>
+        <p:txBody>
+          <a:bodyPr anchorCtr="0" anchor="t" bIns="91425" lIns="91425" spcFirstLastPara="1" rIns="91425" wrap="square" tIns="91425">
+            <a:noAutofit/>
+          </a:bodyPr>
+          <a:lstStyle/>
+          <a:p>
+            <a:pPr indent="0" lvl="0" marL="0" rtl="0" algn="l">
+              <a:spcBef>
+                <a:spcPts val="0"/>
+              </a:spcBef>
+              <a:spcAft>
+                <a:spcPts val="0"/>
+              </a:spcAft>
+              <a:buNone/>
+            </a:pPr>
+            <a:r>
+              <a:t/>
+            </a:r>
+            <a:endParaRPr/>
+          </a:p>
+        </p:txBody>
+      </p:sp>
+    </p:spTree>
+  </p:cSld>
+  <p:clrMapOvr>
+    <a:masterClrMapping/>
+  </p:clrMapOvr>
+</p:notes>
+</file>
+
+<file path=ppt/notesSlides/notesSlide13.xml><?xml version="1.0" encoding="utf-8"?>
+<p:notes xmlns:a="http://schemas.openxmlformats.org/drawingml/2006/main" xmlns:r="http://schemas.openxmlformats.org/officeDocument/2006/relationships" xmlns:mc="http://schemas.openxmlformats.org/markup-compatibility/2006" xmlns:mv="urn:schemas-microsoft-com:mac:vml" xmlns:p="http://schemas.openxmlformats.org/presentationml/2006/main" xmlns:c="http://schemas.openxmlformats.org/drawingml/2006/chart" xmlns:dgm="http://schemas.openxmlformats.org/drawingml/2006/diagram" xmlns:o="urn:schemas-microsoft-com:office:office" xmlns:v="urn:schemas-microsoft-com:vml" xmlns:pvml="urn:schemas-microsoft-com:office:powerpoint" xmlns:com="http://schemas.openxmlformats.org/drawingml/2006/compatibility" xmlns:p14="http://schemas.microsoft.com/office/powerpoint/2010/main" xmlns:p15="http://schemas.microsoft.com/office/powerpoint/2012/main" xmlns:ahyp="http://schemas.microsoft.com/office/drawing/2018/hyperlinkcolor" showMasterPhAnim="0" showMasterSp="0">
+  <p:cSld>
+    <p:spTree>
+      <p:nvGrpSpPr>
+        <p:cNvPr id="160" name="Shape 160"/>
+        <p:cNvGrpSpPr/>
+        <p:nvPr/>
+      </p:nvGrpSpPr>
+      <p:grpSpPr>
+        <a:xfrm>
+          <a:off x="0" y="0"/>
+          <a:ext cx="0" cy="0"/>
+          <a:chOff x="0" y="0"/>
+          <a:chExt cx="0" cy="0"/>
+        </a:xfrm>
+      </p:grpSpPr>
+      <p:sp>
+        <p:nvSpPr>
+          <p:cNvPr id="161" name="Google Shape;161;g1944409ac44_0_10:notes"/>
+          <p:cNvSpPr/>
+          <p:nvPr>
+            <p:ph idx="2" type="sldImg"/>
+          </p:nvPr>
+        </p:nvSpPr>
+        <p:spPr>
+          <a:xfrm>
+            <a:off x="381300" y="685800"/>
+            <a:ext cx="6096000" cy="3429000"/>
+          </a:xfrm>
+          <a:custGeom>
+            <a:rect b="b" l="l" r="r" t="t"/>
+            <a:pathLst>
+              <a:path extrusionOk="0" h="120000" w="120000">
+                <a:moveTo>
+                  <a:pt x="0" y="0"/>
+                </a:moveTo>
+                <a:lnTo>
+                  <a:pt x="120000" y="0"/>
+                </a:lnTo>
+                <a:lnTo>
+                  <a:pt x="120000" y="120000"/>
+                </a:lnTo>
+                <a:lnTo>
+                  <a:pt x="0" y="120000"/>
+                </a:lnTo>
+                <a:close/>
+              </a:path>
+            </a:pathLst>
+          </a:custGeom>
+        </p:spPr>
+      </p:sp>
+      <p:sp>
+        <p:nvSpPr>
+          <p:cNvPr id="162" name="Google Shape;162;g1944409ac44_0_10:notes"/>
           <p:cNvSpPr txBox="1"/>
           <p:nvPr>
             <p:ph idx="1" type="body"/>
@@ -1314,7 +1414,7 @@
   <p:cSld>
     <p:spTree>
       <p:nvGrpSpPr>
-        <p:cNvPr id="84" name="Shape 84"/>
+        <p:cNvPr id="87" name="Shape 87"/>
         <p:cNvGrpSpPr/>
         <p:nvPr/>
       </p:nvGrpSpPr>
@@ -1328,7 +1428,7 @@
       </p:grpSpPr>
       <p:sp>
         <p:nvSpPr>
-          <p:cNvPr id="85" name="Google Shape;85;g18e4127dfa6_0_235:notes"/>
+          <p:cNvPr id="88" name="Google Shape;88;g18e4127dfa6_0_235:notes"/>
           <p:cNvSpPr/>
           <p:nvPr>
             <p:ph idx="2" type="sldImg"/>
@@ -1363,7 +1463,7 @@
       </p:sp>
       <p:sp>
         <p:nvSpPr>
-          <p:cNvPr id="86" name="Google Shape;86;g18e4127dfa6_0_235:notes"/>
+          <p:cNvPr id="89" name="Google Shape;89;g18e4127dfa6_0_235:notes"/>
           <p:cNvSpPr txBox="1"/>
           <p:nvPr>
             <p:ph idx="1" type="body"/>
@@ -1413,7 +1513,7 @@
   <p:cSld>
     <p:spTree>
       <p:nvGrpSpPr>
-        <p:cNvPr id="91" name="Shape 91"/>
+        <p:cNvPr id="94" name="Shape 94"/>
         <p:cNvGrpSpPr/>
         <p:nvPr/>
       </p:nvGrpSpPr>
@@ -1427,7 +1527,7 @@
       </p:grpSpPr>
       <p:sp>
         <p:nvSpPr>
-          <p:cNvPr id="92" name="Google Shape;92;g18e4127dfa6_0_287:notes"/>
+          <p:cNvPr id="95" name="Google Shape;95;g18e4127dfa6_0_268:notes"/>
           <p:cNvSpPr/>
           <p:nvPr>
             <p:ph idx="2" type="sldImg"/>
@@ -1462,7 +1562,7 @@
       </p:sp>
       <p:sp>
         <p:nvSpPr>
-          <p:cNvPr id="93" name="Google Shape;93;g18e4127dfa6_0_287:notes"/>
+          <p:cNvPr id="96" name="Google Shape;96;g18e4127dfa6_0_268:notes"/>
           <p:cNvSpPr txBox="1"/>
           <p:nvPr>
             <p:ph idx="1" type="body"/>
@@ -1512,7 +1612,7 @@
   <p:cSld>
     <p:spTree>
       <p:nvGrpSpPr>
-        <p:cNvPr id="97" name="Shape 97"/>
+        <p:cNvPr id="101" name="Shape 101"/>
         <p:cNvGrpSpPr/>
         <p:nvPr/>
       </p:nvGrpSpPr>
@@ -1526,7 +1626,7 @@
       </p:grpSpPr>
       <p:sp>
         <p:nvSpPr>
-          <p:cNvPr id="98" name="Google Shape;98;g18e4127dfa6_0_248:notes"/>
+          <p:cNvPr id="102" name="Google Shape;102;g18e4127dfa6_0_287:notes"/>
           <p:cNvSpPr/>
           <p:nvPr>
             <p:ph idx="2" type="sldImg"/>
@@ -1561,7 +1661,7 @@
       </p:sp>
       <p:sp>
         <p:nvSpPr>
-          <p:cNvPr id="99" name="Google Shape;99;g18e4127dfa6_0_248:notes"/>
+          <p:cNvPr id="103" name="Google Shape;103;g18e4127dfa6_0_287:notes"/>
           <p:cNvSpPr txBox="1"/>
           <p:nvPr>
             <p:ph idx="1" type="body"/>
@@ -1611,7 +1711,7 @@
   <p:cSld>
     <p:spTree>
       <p:nvGrpSpPr>
-        <p:cNvPr id="105" name="Shape 105"/>
+        <p:cNvPr id="107" name="Shape 107"/>
         <p:cNvGrpSpPr/>
         <p:nvPr/>
       </p:nvGrpSpPr>
@@ -1625,7 +1725,7 @@
       </p:grpSpPr>
       <p:sp>
         <p:nvSpPr>
-          <p:cNvPr id="106" name="Google Shape;106;g1944409ac44_0_3:notes"/>
+          <p:cNvPr id="108" name="Google Shape;108;g18e4127dfa6_0_248:notes"/>
           <p:cNvSpPr/>
           <p:nvPr>
             <p:ph idx="2" type="sldImg"/>
@@ -1660,7 +1760,7 @@
       </p:sp>
       <p:sp>
         <p:nvSpPr>
-          <p:cNvPr id="107" name="Google Shape;107;g1944409ac44_0_3:notes"/>
+          <p:cNvPr id="109" name="Google Shape;109;g18e4127dfa6_0_248:notes"/>
           <p:cNvSpPr txBox="1"/>
           <p:nvPr>
             <p:ph idx="1" type="body"/>
@@ -1710,7 +1810,7 @@
   <p:cSld>
     <p:spTree>
       <p:nvGrpSpPr>
-        <p:cNvPr id="113" name="Shape 113"/>
+        <p:cNvPr id="115" name="Shape 115"/>
         <p:cNvGrpSpPr/>
         <p:nvPr/>
       </p:nvGrpSpPr>
@@ -1724,7 +1824,7 @@
       </p:grpSpPr>
       <p:sp>
         <p:nvSpPr>
-          <p:cNvPr id="114" name="Google Shape;114;g18e4127dfa6_0_268:notes"/>
+          <p:cNvPr id="116" name="Google Shape;116;g1944409ac44_0_3:notes"/>
           <p:cNvSpPr/>
           <p:nvPr>
             <p:ph idx="2" type="sldImg"/>
@@ -1759,7 +1859,7 @@
       </p:sp>
       <p:sp>
         <p:nvSpPr>
-          <p:cNvPr id="115" name="Google Shape;115;g18e4127dfa6_0_268:notes"/>
+          <p:cNvPr id="117" name="Google Shape;117;g1944409ac44_0_3:notes"/>
           <p:cNvSpPr txBox="1"/>
           <p:nvPr>
             <p:ph idx="1" type="body"/>
@@ -1809,7 +1909,7 @@
   <p:cSld>
     <p:spTree>
       <p:nvGrpSpPr>
-        <p:cNvPr id="120" name="Shape 120"/>
+        <p:cNvPr id="123" name="Shape 123"/>
         <p:cNvGrpSpPr/>
         <p:nvPr/>
       </p:nvGrpSpPr>
@@ -1823,7 +1923,7 @@
       </p:grpSpPr>
       <p:sp>
         <p:nvSpPr>
-          <p:cNvPr id="121" name="Google Shape;121;g18e4127dfa6_0_274:notes"/>
+          <p:cNvPr id="124" name="Google Shape;124;g1947fbf626d_1_5:notes"/>
           <p:cNvSpPr/>
           <p:nvPr>
             <p:ph idx="2" type="sldImg"/>
@@ -1858,7 +1958,7 @@
       </p:sp>
       <p:sp>
         <p:nvSpPr>
-          <p:cNvPr id="122" name="Google Shape;122;g18e4127dfa6_0_274:notes"/>
+          <p:cNvPr id="125" name="Google Shape;125;g1947fbf626d_1_5:notes"/>
           <p:cNvSpPr txBox="1"/>
           <p:nvPr>
             <p:ph idx="1" type="body"/>
@@ -7300,7 +7400,7 @@
   <p:cSld>
     <p:spTree>
       <p:nvGrpSpPr>
-        <p:cNvPr id="129" name="Shape 129"/>
+        <p:cNvPr id="132" name="Shape 132"/>
         <p:cNvGrpSpPr/>
         <p:nvPr/>
       </p:nvGrpSpPr>
@@ -7314,7 +7414,7 @@
       </p:grpSpPr>
       <p:sp>
         <p:nvSpPr>
-          <p:cNvPr id="130" name="Google Shape;130;p22"/>
+          <p:cNvPr id="133" name="Google Shape;133;p22"/>
           <p:cNvSpPr txBox="1"/>
           <p:nvPr>
             <p:ph type="title"/>
@@ -7346,11 +7446,7 @@
             </a:pPr>
             <a:r>
               <a:rPr lang="en"/>
-              <a:t>Machine Learning</a:t>
-            </a:r>
-            <a:r>
-              <a:rPr lang="en"/>
-              <a:t> - Model Selection with Benefits and Limitations</a:t>
+              <a:t>Machine Learning - Model Training and Testing</a:t>
             </a:r>
             <a:endParaRPr/>
           </a:p>
@@ -7376,7 +7472,7 @@
       </p:sp>
       <p:sp>
         <p:nvSpPr>
-          <p:cNvPr id="131" name="Google Shape;131;p22"/>
+          <p:cNvPr id="134" name="Google Shape;134;p22"/>
           <p:cNvSpPr txBox="1"/>
           <p:nvPr>
             <p:ph idx="1" type="body"/>
@@ -7500,7 +7596,7 @@
       </p:sp>
       <p:pic>
         <p:nvPicPr>
-          <p:cNvPr id="132" name="Google Shape;132;p22"/>
+          <p:cNvPr id="135" name="Google Shape;135;p22"/>
           <p:cNvPicPr preferRelativeResize="0"/>
           <p:nvPr/>
         </p:nvPicPr>
@@ -7514,7 +7610,7 @@
         </p:blipFill>
         <p:spPr>
           <a:xfrm>
-            <a:off x="206075" y="2724150"/>
+            <a:off x="206075" y="2571750"/>
             <a:ext cx="2751151" cy="1485875"/>
           </a:xfrm>
           <a:prstGeom prst="rect">
@@ -7528,13 +7624,13 @@
       </p:pic>
       <p:sp>
         <p:nvSpPr>
-          <p:cNvPr id="133" name="Google Shape;133;p22"/>
+          <p:cNvPr id="136" name="Google Shape;136;p22"/>
           <p:cNvSpPr txBox="1"/>
           <p:nvPr/>
         </p:nvSpPr>
         <p:spPr>
           <a:xfrm>
-            <a:off x="129800" y="2364000"/>
+            <a:off x="206000" y="2211600"/>
             <a:ext cx="2751300" cy="415500"/>
           </a:xfrm>
           <a:prstGeom prst="rect">
@@ -7570,19 +7666,7 @@
                 <a:cs typeface="Roboto"/>
                 <a:sym typeface="Roboto"/>
               </a:rPr>
-              <a:t>Linear</a:t>
-            </a:r>
-            <a:r>
-              <a:rPr lang="en" sz="1500">
-                <a:solidFill>
-                  <a:schemeClr val="accent3"/>
-                </a:solidFill>
-                <a:latin typeface="Roboto"/>
-                <a:ea typeface="Roboto"/>
-                <a:cs typeface="Roboto"/>
-                <a:sym typeface="Roboto"/>
-              </a:rPr>
-              <a:t> Regression </a:t>
+              <a:t>Linear Regression </a:t>
             </a:r>
             <a:endParaRPr sz="1500">
               <a:solidFill>
@@ -7598,7 +7682,7 @@
       </p:sp>
       <p:sp>
         <p:nvSpPr>
-          <p:cNvPr id="134" name="Google Shape;134;p22"/>
+          <p:cNvPr id="137" name="Google Shape;137;p22"/>
           <p:cNvSpPr txBox="1"/>
           <p:nvPr/>
         </p:nvSpPr>
@@ -7656,7 +7740,7 @@
       </p:sp>
       <p:sp>
         <p:nvSpPr>
-          <p:cNvPr id="135" name="Google Shape;135;p22"/>
+          <p:cNvPr id="138" name="Google Shape;138;p22"/>
           <p:cNvSpPr txBox="1"/>
           <p:nvPr/>
         </p:nvSpPr>
@@ -7714,13 +7798,13 @@
       </p:sp>
       <p:sp>
         <p:nvSpPr>
-          <p:cNvPr id="136" name="Google Shape;136;p22"/>
+          <p:cNvPr id="139" name="Google Shape;139;p22"/>
           <p:cNvSpPr txBox="1"/>
           <p:nvPr/>
         </p:nvSpPr>
         <p:spPr>
           <a:xfrm>
-            <a:off x="160825" y="4206500"/>
+            <a:off x="206000" y="4133825"/>
             <a:ext cx="3404700" cy="415500"/>
           </a:xfrm>
           <a:prstGeom prst="rect">
@@ -7772,7 +7856,7 @@
       </p:sp>
       <p:pic>
         <p:nvPicPr>
-          <p:cNvPr id="137" name="Google Shape;137;p22"/>
+          <p:cNvPr id="140" name="Google Shape;140;p22"/>
           <p:cNvPicPr preferRelativeResize="0"/>
           <p:nvPr/>
         </p:nvPicPr>
@@ -7786,7 +7870,7 @@
         </p:blipFill>
         <p:spPr>
           <a:xfrm>
-            <a:off x="237025" y="4564513"/>
+            <a:off x="237025" y="4521438"/>
             <a:ext cx="3404700" cy="289892"/>
           </a:xfrm>
           <a:prstGeom prst="rect">
@@ -7800,7 +7884,7 @@
       </p:pic>
       <p:pic>
         <p:nvPicPr>
-          <p:cNvPr id="138" name="Google Shape;138;p22"/>
+          <p:cNvPr id="141" name="Google Shape;141;p22"/>
           <p:cNvPicPr preferRelativeResize="0"/>
           <p:nvPr/>
         </p:nvPicPr>
@@ -7828,7 +7912,7 @@
       </p:pic>
       <p:pic>
         <p:nvPicPr>
-          <p:cNvPr id="139" name="Google Shape;139;p22"/>
+          <p:cNvPr id="142" name="Google Shape;142;p22"/>
           <p:cNvPicPr preferRelativeResize="0"/>
           <p:nvPr/>
         </p:nvPicPr>
@@ -7856,14 +7940,14 @@
       </p:pic>
       <p:sp>
         <p:nvSpPr>
-          <p:cNvPr id="140" name="Google Shape;140;p22"/>
+          <p:cNvPr id="143" name="Google Shape;143;p22"/>
           <p:cNvSpPr txBox="1"/>
           <p:nvPr/>
         </p:nvSpPr>
         <p:spPr>
           <a:xfrm>
-            <a:off x="237025" y="1017725"/>
-            <a:ext cx="3531000" cy="1293000"/>
+            <a:off x="206075" y="1107663"/>
+            <a:ext cx="3531000" cy="1014000"/>
           </a:xfrm>
           <a:prstGeom prst="rect">
             <a:avLst/>
@@ -7880,16 +7964,19 @@
           <a:lstStyle/>
           <a:p>
             <a:pPr indent="0" lvl="0" marL="0" rtl="0" algn="l">
-              <a:spcBef>
-                <a:spcPts val="0"/>
-              </a:spcBef>
-              <a:spcAft>
-                <a:spcPts val="0"/>
+              <a:lnSpc>
+                <a:spcPct val="115000"/>
+              </a:lnSpc>
+              <a:spcBef>
+                <a:spcPts val="0"/>
+              </a:spcBef>
+              <a:spcAft>
+                <a:spcPts val="1200"/>
               </a:spcAft>
               <a:buNone/>
             </a:pPr>
             <a:r>
-              <a:rPr lang="en" sz="1200">
+              <a:rPr b="1" lang="en" sz="1529">
                 <a:solidFill>
                   <a:schemeClr val="accent3"/>
                 </a:solidFill>
@@ -7898,7 +7985,30 @@
                 <a:cs typeface="Roboto"/>
                 <a:sym typeface="Roboto"/>
               </a:rPr>
-              <a:t>Of the four models, we believe that the AdaBoost is the most favorable for our dataset. It narrowly beats out the Random Forest with regards to precision and accuracy. With the AdaBoost we will need to make sure it doesn’t overfit, as that is one of the model’s general limitations.</a:t>
+              <a:t>Training and Testing Sets</a:t>
+            </a:r>
+            <a:br>
+              <a:rPr lang="en" sz="1800">
+                <a:solidFill>
+                  <a:schemeClr val="accent3"/>
+                </a:solidFill>
+                <a:latin typeface="Roboto"/>
+                <a:ea typeface="Roboto"/>
+                <a:cs typeface="Roboto"/>
+                <a:sym typeface="Roboto"/>
+              </a:rPr>
+            </a:br>
+            <a:r>
+              <a:rPr lang="en" sz="1100">
+                <a:solidFill>
+                  <a:schemeClr val="accent3"/>
+                </a:solidFill>
+                <a:latin typeface="Roboto"/>
+                <a:ea typeface="Roboto"/>
+                <a:cs typeface="Roboto"/>
+                <a:sym typeface="Roboto"/>
+              </a:rPr>
+              <a:t>We used the Sklearn train_test_split for all four of the models in our repository. In addition, 80% of our data was used for training and 20% for testing. </a:t>
             </a:r>
             <a:endParaRPr sz="1200">
               <a:solidFill>
@@ -7914,7 +8024,7 @@
       </p:sp>
       <p:pic>
         <p:nvPicPr>
-          <p:cNvPr id="141" name="Google Shape;141;p22"/>
+          <p:cNvPr id="144" name="Google Shape;144;p22"/>
           <p:cNvPicPr preferRelativeResize="0"/>
           <p:nvPr/>
         </p:nvPicPr>
@@ -7942,7 +8052,7 @@
       </p:pic>
       <p:pic>
         <p:nvPicPr>
-          <p:cNvPr id="142" name="Google Shape;142;p22"/>
+          <p:cNvPr id="145" name="Google Shape;145;p22"/>
           <p:cNvPicPr preferRelativeResize="0"/>
           <p:nvPr/>
         </p:nvPicPr>
@@ -7981,7 +8091,7 @@
   <p:cSld>
     <p:spTree>
       <p:nvGrpSpPr>
-        <p:cNvPr id="146" name="Shape 146"/>
+        <p:cNvPr id="149" name="Shape 149"/>
         <p:cNvGrpSpPr/>
         <p:nvPr/>
       </p:nvGrpSpPr>
@@ -7995,7 +8105,431 @@
       </p:grpSpPr>
       <p:sp>
         <p:nvSpPr>
-          <p:cNvPr id="147" name="Google Shape;147;p23"/>
+          <p:cNvPr id="150" name="Google Shape;150;p23"/>
+          <p:cNvSpPr txBox="1"/>
+          <p:nvPr>
+            <p:ph type="title"/>
+          </p:nvPr>
+        </p:nvSpPr>
+        <p:spPr>
+          <a:xfrm>
+            <a:off x="311700" y="445025"/>
+            <a:ext cx="8520600" cy="572700"/>
+          </a:xfrm>
+          <a:prstGeom prst="rect">
+            <a:avLst/>
+          </a:prstGeom>
+        </p:spPr>
+        <p:txBody>
+          <a:bodyPr anchorCtr="0" anchor="t" bIns="91425" lIns="91425" spcFirstLastPara="1" rIns="91425" wrap="square" tIns="91425">
+            <a:normAutofit fontScale="90000"/>
+          </a:bodyPr>
+          <a:lstStyle/>
+          <a:p>
+            <a:pPr indent="0" lvl="0" marL="0" rtl="0" algn="l">
+              <a:spcBef>
+                <a:spcPts val="0"/>
+              </a:spcBef>
+              <a:spcAft>
+                <a:spcPts val="0"/>
+              </a:spcAft>
+              <a:buNone/>
+            </a:pPr>
+            <a:r>
+              <a:rPr lang="en"/>
+              <a:t>Machine Learning - Model Selection with Benefits and Limitations</a:t>
+            </a:r>
+            <a:endParaRPr/>
+          </a:p>
+          <a:p>
+            <a:pPr indent="0" lvl="0" marL="0" rtl="0" algn="l">
+              <a:spcBef>
+                <a:spcPts val="0"/>
+              </a:spcBef>
+              <a:spcAft>
+                <a:spcPts val="0"/>
+              </a:spcAft>
+              <a:buNone/>
+            </a:pPr>
+            <a:r>
+              <a:t/>
+            </a:r>
+            <a:endParaRPr/>
+          </a:p>
+        </p:txBody>
+      </p:sp>
+      <p:sp>
+        <p:nvSpPr>
+          <p:cNvPr id="151" name="Google Shape;151;p23"/>
+          <p:cNvSpPr txBox="1"/>
+          <p:nvPr/>
+        </p:nvSpPr>
+        <p:spPr>
+          <a:xfrm>
+            <a:off x="430050" y="1010975"/>
+            <a:ext cx="8359500" cy="738900"/>
+          </a:xfrm>
+          <a:prstGeom prst="rect">
+            <a:avLst/>
+          </a:prstGeom>
+          <a:noFill/>
+          <a:ln>
+            <a:noFill/>
+          </a:ln>
+        </p:spPr>
+        <p:txBody>
+          <a:bodyPr anchorCtr="0" anchor="t" bIns="91425" lIns="91425" spcFirstLastPara="1" rIns="91425" wrap="square" tIns="91425">
+            <a:spAutoFit/>
+          </a:bodyPr>
+          <a:lstStyle/>
+          <a:p>
+            <a:pPr indent="0" lvl="0" marL="0" rtl="0" algn="l">
+              <a:spcBef>
+                <a:spcPts val="0"/>
+              </a:spcBef>
+              <a:spcAft>
+                <a:spcPts val="0"/>
+              </a:spcAft>
+              <a:buNone/>
+            </a:pPr>
+            <a:r>
+              <a:rPr lang="en" sz="1200">
+                <a:solidFill>
+                  <a:schemeClr val="accent3"/>
+                </a:solidFill>
+                <a:latin typeface="Roboto"/>
+                <a:ea typeface="Roboto"/>
+                <a:cs typeface="Roboto"/>
+                <a:sym typeface="Roboto"/>
+              </a:rPr>
+              <a:t>As presented on the previous slide, the best performing models were the </a:t>
+            </a:r>
+            <a:r>
+              <a:rPr b="1" lang="en" sz="1200">
+                <a:solidFill>
+                  <a:schemeClr val="accent3"/>
+                </a:solidFill>
+                <a:latin typeface="Roboto"/>
+                <a:ea typeface="Roboto"/>
+                <a:cs typeface="Roboto"/>
+                <a:sym typeface="Roboto"/>
+              </a:rPr>
+              <a:t>Easy Ensemble AdaBoost Classifier </a:t>
+            </a:r>
+            <a:r>
+              <a:rPr lang="en" sz="1200">
+                <a:solidFill>
+                  <a:schemeClr val="accent3"/>
+                </a:solidFill>
+                <a:latin typeface="Roboto"/>
+                <a:ea typeface="Roboto"/>
+                <a:cs typeface="Roboto"/>
+                <a:sym typeface="Roboto"/>
+              </a:rPr>
+              <a:t>and </a:t>
+            </a:r>
+            <a:r>
+              <a:rPr b="1" lang="en" sz="1200">
+                <a:solidFill>
+                  <a:schemeClr val="accent3"/>
+                </a:solidFill>
+                <a:latin typeface="Roboto"/>
+                <a:ea typeface="Roboto"/>
+                <a:cs typeface="Roboto"/>
+                <a:sym typeface="Roboto"/>
+              </a:rPr>
+              <a:t>Balanced Random Forest Classifier</a:t>
+            </a:r>
+            <a:r>
+              <a:rPr lang="en" sz="1200">
+                <a:solidFill>
+                  <a:schemeClr val="accent3"/>
+                </a:solidFill>
+                <a:latin typeface="Roboto"/>
+                <a:ea typeface="Roboto"/>
+                <a:cs typeface="Roboto"/>
+                <a:sym typeface="Roboto"/>
+              </a:rPr>
+              <a:t>.  Ultimately, we </a:t>
+            </a:r>
+            <a:r>
+              <a:rPr lang="en" sz="1200">
+                <a:solidFill>
+                  <a:schemeClr val="accent3"/>
+                </a:solidFill>
+                <a:latin typeface="Roboto"/>
+                <a:ea typeface="Roboto"/>
+                <a:cs typeface="Roboto"/>
+                <a:sym typeface="Roboto"/>
+              </a:rPr>
+              <a:t>believe that the </a:t>
+            </a:r>
+            <a:r>
+              <a:rPr b="1" lang="en" sz="1200">
+                <a:solidFill>
+                  <a:schemeClr val="accent3"/>
+                </a:solidFill>
+                <a:latin typeface="Roboto"/>
+                <a:ea typeface="Roboto"/>
+                <a:cs typeface="Roboto"/>
+                <a:sym typeface="Roboto"/>
+              </a:rPr>
+              <a:t>AdaBoost</a:t>
+            </a:r>
+            <a:r>
+              <a:rPr lang="en" sz="1200">
+                <a:solidFill>
+                  <a:schemeClr val="accent3"/>
+                </a:solidFill>
+                <a:latin typeface="Roboto"/>
+                <a:ea typeface="Roboto"/>
+                <a:cs typeface="Roboto"/>
+                <a:sym typeface="Roboto"/>
+              </a:rPr>
+              <a:t> is the most favorable for our dataset. It narrowly beats out the Random Forest with regards to precision and accuracy.  </a:t>
+            </a:r>
+            <a:endParaRPr sz="1200">
+              <a:solidFill>
+                <a:schemeClr val="accent3"/>
+              </a:solidFill>
+              <a:latin typeface="Roboto"/>
+              <a:ea typeface="Roboto"/>
+              <a:cs typeface="Roboto"/>
+              <a:sym typeface="Roboto"/>
+            </a:endParaRPr>
+          </a:p>
+        </p:txBody>
+      </p:sp>
+      <p:sp>
+        <p:nvSpPr>
+          <p:cNvPr id="152" name="Google Shape;152;p23"/>
+          <p:cNvSpPr txBox="1"/>
+          <p:nvPr/>
+        </p:nvSpPr>
+        <p:spPr>
+          <a:xfrm>
+            <a:off x="430050" y="1902000"/>
+            <a:ext cx="3017700" cy="2909100"/>
+          </a:xfrm>
+          <a:prstGeom prst="rect">
+            <a:avLst/>
+          </a:prstGeom>
+          <a:noFill/>
+          <a:ln>
+            <a:noFill/>
+          </a:ln>
+        </p:spPr>
+        <p:txBody>
+          <a:bodyPr anchorCtr="0" anchor="t" bIns="91425" lIns="91425" spcFirstLastPara="1" rIns="91425" wrap="square" tIns="91425">
+            <a:spAutoFit/>
+          </a:bodyPr>
+          <a:lstStyle/>
+          <a:p>
+            <a:pPr indent="0" lvl="0" marL="0" rtl="0" algn="l">
+              <a:spcBef>
+                <a:spcPts val="0"/>
+              </a:spcBef>
+              <a:spcAft>
+                <a:spcPts val="0"/>
+              </a:spcAft>
+              <a:buNone/>
+            </a:pPr>
+            <a:r>
+              <a:rPr b="1" lang="en" sz="1500">
+                <a:solidFill>
+                  <a:schemeClr val="accent3"/>
+                </a:solidFill>
+                <a:latin typeface="Roboto"/>
+                <a:ea typeface="Roboto"/>
+                <a:cs typeface="Roboto"/>
+                <a:sym typeface="Roboto"/>
+              </a:rPr>
+              <a:t>Benefits</a:t>
+            </a:r>
+            <a:endParaRPr b="1" sz="1500">
+              <a:solidFill>
+                <a:schemeClr val="accent3"/>
+              </a:solidFill>
+              <a:latin typeface="Roboto"/>
+              <a:ea typeface="Roboto"/>
+              <a:cs typeface="Roboto"/>
+              <a:sym typeface="Roboto"/>
+            </a:endParaRPr>
+          </a:p>
+          <a:p>
+            <a:pPr indent="0" lvl="0" marL="0" rtl="0" algn="l">
+              <a:spcBef>
+                <a:spcPts val="0"/>
+              </a:spcBef>
+              <a:spcAft>
+                <a:spcPts val="0"/>
+              </a:spcAft>
+              <a:buNone/>
+            </a:pPr>
+            <a:r>
+              <a:rPr lang="en" sz="1200">
+                <a:solidFill>
+                  <a:schemeClr val="accent3"/>
+                </a:solidFill>
+                <a:latin typeface="Roboto"/>
+                <a:ea typeface="Roboto"/>
+                <a:cs typeface="Roboto"/>
+                <a:sym typeface="Roboto"/>
+              </a:rPr>
+              <a:t>The AdaBoost learns by giving higher weights to errors in the previous stump. It also utilizes bootstrapping and random oversampling for balance. In this instance, the AdaBoost learners actually reduce the issue with oversampling. </a:t>
+            </a:r>
+            <a:endParaRPr sz="1200">
+              <a:solidFill>
+                <a:schemeClr val="accent3"/>
+              </a:solidFill>
+              <a:latin typeface="Roboto"/>
+              <a:ea typeface="Roboto"/>
+              <a:cs typeface="Roboto"/>
+              <a:sym typeface="Roboto"/>
+            </a:endParaRPr>
+          </a:p>
+          <a:p>
+            <a:pPr indent="0" lvl="0" marL="0" rtl="0" algn="l">
+              <a:spcBef>
+                <a:spcPts val="0"/>
+              </a:spcBef>
+              <a:spcAft>
+                <a:spcPts val="0"/>
+              </a:spcAft>
+              <a:buNone/>
+            </a:pPr>
+            <a:r>
+              <a:t/>
+            </a:r>
+            <a:endParaRPr b="1" sz="1500">
+              <a:solidFill>
+                <a:schemeClr val="accent3"/>
+              </a:solidFill>
+              <a:latin typeface="Roboto"/>
+              <a:ea typeface="Roboto"/>
+              <a:cs typeface="Roboto"/>
+              <a:sym typeface="Roboto"/>
+            </a:endParaRPr>
+          </a:p>
+          <a:p>
+            <a:pPr indent="0" lvl="0" marL="0" rtl="0" algn="l">
+              <a:spcBef>
+                <a:spcPts val="0"/>
+              </a:spcBef>
+              <a:spcAft>
+                <a:spcPts val="0"/>
+              </a:spcAft>
+              <a:buNone/>
+            </a:pPr>
+            <a:r>
+              <a:rPr b="1" lang="en" sz="1500">
+                <a:solidFill>
+                  <a:schemeClr val="accent3"/>
+                </a:solidFill>
+                <a:latin typeface="Roboto"/>
+                <a:ea typeface="Roboto"/>
+                <a:cs typeface="Roboto"/>
+                <a:sym typeface="Roboto"/>
+              </a:rPr>
+              <a:t>Limitations</a:t>
+            </a:r>
+            <a:endParaRPr b="1" sz="1500">
+              <a:solidFill>
+                <a:schemeClr val="accent3"/>
+              </a:solidFill>
+              <a:latin typeface="Roboto"/>
+              <a:ea typeface="Roboto"/>
+              <a:cs typeface="Roboto"/>
+              <a:sym typeface="Roboto"/>
+            </a:endParaRPr>
+          </a:p>
+          <a:p>
+            <a:pPr indent="0" lvl="0" marL="0" rtl="0" algn="l">
+              <a:spcBef>
+                <a:spcPts val="0"/>
+              </a:spcBef>
+              <a:spcAft>
+                <a:spcPts val="0"/>
+              </a:spcAft>
+              <a:buNone/>
+            </a:pPr>
+            <a:r>
+              <a:rPr lang="en" sz="1200">
+                <a:solidFill>
+                  <a:schemeClr val="accent3"/>
+                </a:solidFill>
+                <a:latin typeface="Roboto"/>
+                <a:ea typeface="Roboto"/>
+                <a:cs typeface="Roboto"/>
+                <a:sym typeface="Roboto"/>
+              </a:rPr>
+              <a:t>The most notable limitation is that the AdaBoost is harder to interpret the outcome. It doesn’t include feature importance or decision path like the Balanced Random Forest. </a:t>
+            </a:r>
+            <a:endParaRPr>
+              <a:latin typeface="Average"/>
+              <a:ea typeface="Average"/>
+              <a:cs typeface="Average"/>
+              <a:sym typeface="Average"/>
+            </a:endParaRPr>
+          </a:p>
+        </p:txBody>
+      </p:sp>
+      <p:pic>
+        <p:nvPicPr>
+          <p:cNvPr id="153" name="Google Shape;153;p23"/>
+          <p:cNvPicPr preferRelativeResize="0"/>
+          <p:nvPr/>
+        </p:nvPicPr>
+        <p:blipFill>
+          <a:blip r:embed="rId3">
+            <a:alphaModFix/>
+          </a:blip>
+          <a:stretch>
+            <a:fillRect/>
+          </a:stretch>
+        </p:blipFill>
+        <p:spPr>
+          <a:xfrm>
+            <a:off x="3600150" y="2054675"/>
+            <a:ext cx="5391449" cy="2143588"/>
+          </a:xfrm>
+          <a:prstGeom prst="rect">
+            <a:avLst/>
+          </a:prstGeom>
+          <a:noFill/>
+          <a:ln>
+            <a:noFill/>
+          </a:ln>
+        </p:spPr>
+      </p:pic>
+    </p:spTree>
+  </p:cSld>
+  <p:clrMapOvr>
+    <a:masterClrMapping/>
+  </p:clrMapOvr>
+</p:sld>
+</file>
+
+<file path=ppt/slides/slide12.xml><?xml version="1.0" encoding="utf-8"?>
+<p:sld xmlns:a="http://schemas.openxmlformats.org/drawingml/2006/main" xmlns:r="http://schemas.openxmlformats.org/officeDocument/2006/relationships" xmlns:mc="http://schemas.openxmlformats.org/markup-compatibility/2006" xmlns:mv="urn:schemas-microsoft-com:mac:vml" xmlns:p="http://schemas.openxmlformats.org/presentationml/2006/main" xmlns:c="http://schemas.openxmlformats.org/drawingml/2006/chart" xmlns:dgm="http://schemas.openxmlformats.org/drawingml/2006/diagram" xmlns:o="urn:schemas-microsoft-com:office:office" xmlns:v="urn:schemas-microsoft-com:vml" xmlns:pvml="urn:schemas-microsoft-com:office:powerpoint" xmlns:com="http://schemas.openxmlformats.org/drawingml/2006/compatibility" xmlns:p14="http://schemas.microsoft.com/office/powerpoint/2010/main" xmlns:p15="http://schemas.microsoft.com/office/powerpoint/2012/main" xmlns:ahyp="http://schemas.microsoft.com/office/drawing/2018/hyperlinkcolor">
+  <p:cSld>
+    <p:spTree>
+      <p:nvGrpSpPr>
+        <p:cNvPr id="157" name="Shape 157"/>
+        <p:cNvGrpSpPr/>
+        <p:nvPr/>
+      </p:nvGrpSpPr>
+      <p:grpSpPr>
+        <a:xfrm>
+          <a:off x="0" y="0"/>
+          <a:ext cx="0" cy="0"/>
+          <a:chOff x="0" y="0"/>
+          <a:chExt cx="0" cy="0"/>
+        </a:xfrm>
+      </p:grpSpPr>
+      <p:sp>
+        <p:nvSpPr>
+          <p:cNvPr id="158" name="Google Shape;158;p24"/>
           <p:cNvSpPr txBox="1"/>
           <p:nvPr>
             <p:ph type="title"/>
@@ -8035,7 +8569,7 @@
       </p:sp>
       <p:sp>
         <p:nvSpPr>
-          <p:cNvPr id="148" name="Google Shape;148;p23"/>
+          <p:cNvPr id="159" name="Google Shape;159;p24"/>
           <p:cNvSpPr txBox="1"/>
           <p:nvPr>
             <p:ph idx="2" type="body"/>
@@ -8205,12 +8739,12 @@
 </p:sld>
 </file>
 
-<file path=ppt/slides/slide12.xml><?xml version="1.0" encoding="utf-8"?>
+<file path=ppt/slides/slide13.xml><?xml version="1.0" encoding="utf-8"?>
 <p:sld xmlns:a="http://schemas.openxmlformats.org/drawingml/2006/main" xmlns:r="http://schemas.openxmlformats.org/officeDocument/2006/relationships" xmlns:mc="http://schemas.openxmlformats.org/markup-compatibility/2006" xmlns:mv="urn:schemas-microsoft-com:mac:vml" xmlns:p="http://schemas.openxmlformats.org/presentationml/2006/main" xmlns:c="http://schemas.openxmlformats.org/drawingml/2006/chart" xmlns:dgm="http://schemas.openxmlformats.org/drawingml/2006/diagram" xmlns:o="urn:schemas-microsoft-com:office:office" xmlns:v="urn:schemas-microsoft-com:vml" xmlns:pvml="urn:schemas-microsoft-com:office:powerpoint" xmlns:com="http://schemas.openxmlformats.org/drawingml/2006/compatibility" xmlns:p14="http://schemas.microsoft.com/office/powerpoint/2010/main" xmlns:p15="http://schemas.microsoft.com/office/powerpoint/2012/main" xmlns:ahyp="http://schemas.microsoft.com/office/drawing/2018/hyperlinkcolor">
   <p:cSld>
     <p:spTree>
       <p:nvGrpSpPr>
-        <p:cNvPr id="152" name="Shape 152"/>
+        <p:cNvPr id="163" name="Shape 163"/>
         <p:cNvGrpSpPr/>
         <p:nvPr/>
       </p:nvGrpSpPr>
@@ -8224,7 +8758,7 @@
       </p:grpSpPr>
       <p:sp>
         <p:nvSpPr>
-          <p:cNvPr id="153" name="Google Shape;153;p24"/>
+          <p:cNvPr id="164" name="Google Shape;164;p25"/>
           <p:cNvSpPr txBox="1"/>
           <p:nvPr>
             <p:ph type="title"/>
@@ -8264,7 +8798,7 @@
       </p:sp>
       <p:sp>
         <p:nvSpPr>
-          <p:cNvPr id="154" name="Google Shape;154;p24"/>
+          <p:cNvPr id="165" name="Google Shape;165;p25"/>
           <p:cNvSpPr txBox="1"/>
           <p:nvPr>
             <p:ph idx="1" type="body"/>
@@ -8354,7 +8888,7 @@
       </p:sp>
       <p:pic>
         <p:nvPicPr>
-          <p:cNvPr id="155" name="Google Shape;155;p24"/>
+          <p:cNvPr id="166" name="Google Shape;166;p25"/>
           <p:cNvPicPr preferRelativeResize="0"/>
           <p:nvPr/>
         </p:nvPicPr>
@@ -8382,7 +8916,7 @@
       </p:pic>
       <p:pic>
         <p:nvPicPr>
-          <p:cNvPr id="156" name="Google Shape;156;p24"/>
+          <p:cNvPr id="167" name="Google Shape;167;p25"/>
           <p:cNvPicPr preferRelativeResize="0"/>
           <p:nvPr/>
         </p:nvPicPr>
@@ -8410,7 +8944,7 @@
       </p:pic>
       <p:sp>
         <p:nvSpPr>
-          <p:cNvPr id="157" name="Google Shape;157;p24"/>
+          <p:cNvPr id="168" name="Google Shape;168;p25"/>
           <p:cNvSpPr txBox="1"/>
           <p:nvPr/>
         </p:nvSpPr>
@@ -9124,7 +9658,7 @@
                 <a:cs typeface="Roboto"/>
                 <a:sym typeface="Roboto"/>
               </a:rPr>
-              <a:t>Data Cleaning and Analysis</a:t>
+              <a:t>Data Cleaning and EDA Analysis</a:t>
             </a:r>
             <a:endParaRPr>
               <a:latin typeface="Roboto"/>
@@ -9305,7 +9839,7 @@
                 <a:cs typeface="Roboto"/>
                 <a:sym typeface="Roboto"/>
               </a:rPr>
-              <a:t>Machine Learning Library and Flowchart</a:t>
+              <a:t>Machine Learning Libraries and Flowchart</a:t>
             </a:r>
             <a:endParaRPr>
               <a:latin typeface="Roboto"/>
@@ -9365,18 +9899,46 @@
                 <a:spcPts val="1200"/>
               </a:spcBef>
               <a:spcAft>
-                <a:spcPts val="1200"/>
+                <a:spcPts val="0"/>
               </a:spcAft>
               <a:buNone/>
             </a:pPr>
-            <a:r>
+            <a:br>
               <a:rPr lang="en">
                 <a:latin typeface="Roboto"/>
                 <a:ea typeface="Roboto"/>
                 <a:cs typeface="Roboto"/>
                 <a:sym typeface="Roboto"/>
               </a:rPr>
-              <a:t>EDA and Dashboard</a:t>
+            </a:br>
+            <a:r>
+              <a:rPr lang="en">
+                <a:latin typeface="Roboto"/>
+                <a:ea typeface="Roboto"/>
+                <a:cs typeface="Roboto"/>
+                <a:sym typeface="Roboto"/>
+              </a:rPr>
+              <a:t>Dashboard</a:t>
+            </a:r>
+            <a:endParaRPr>
+              <a:latin typeface="Roboto"/>
+              <a:ea typeface="Roboto"/>
+              <a:cs typeface="Roboto"/>
+              <a:sym typeface="Roboto"/>
+            </a:endParaRPr>
+          </a:p>
+          <a:p>
+            <a:pPr indent="0" lvl="0" marL="0" rtl="0" algn="l">
+              <a:spcBef>
+                <a:spcPts val="1200"/>
+              </a:spcBef>
+              <a:spcAft>
+                <a:spcPts val="1200"/>
+              </a:spcAft>
+              <a:buNone/>
+            </a:pPr>
+            <a:r>
+              <a:t/>
             </a:r>
             <a:endParaRPr>
               <a:latin typeface="Roboto"/>
@@ -9459,7 +10021,7 @@
         </p:blipFill>
         <p:spPr>
           <a:xfrm>
-            <a:off x="388775" y="3121700"/>
+            <a:off x="388775" y="3046250"/>
             <a:ext cx="1405925" cy="539325"/>
           </a:xfrm>
           <a:prstGeom prst="rect">
@@ -9487,7 +10049,7 @@
         </p:blipFill>
         <p:spPr>
           <a:xfrm>
-            <a:off x="1957900" y="3158350"/>
+            <a:off x="1942825" y="3046250"/>
             <a:ext cx="2261700" cy="466025"/>
           </a:xfrm>
           <a:prstGeom prst="rect">
@@ -9571,7 +10133,7 @@
         </p:blipFill>
         <p:spPr>
           <a:xfrm>
-            <a:off x="4906375" y="3158350"/>
+            <a:off x="4906375" y="3340175"/>
             <a:ext cx="1602725" cy="1102579"/>
           </a:xfrm>
           <a:prstGeom prst="rect">
@@ -9599,8 +10161,92 @@
         </p:blipFill>
         <p:spPr>
           <a:xfrm>
-            <a:off x="362975" y="3775850"/>
+            <a:off x="388775" y="3692850"/>
             <a:ext cx="1405924" cy="562380"/>
+          </a:xfrm>
+          <a:prstGeom prst="rect">
+            <a:avLst/>
+          </a:prstGeom>
+          <a:noFill/>
+          <a:ln>
+            <a:noFill/>
+          </a:ln>
+        </p:spPr>
+      </p:pic>
+      <p:pic>
+        <p:nvPicPr>
+          <p:cNvPr id="84" name="Google Shape;84;p15"/>
+          <p:cNvPicPr preferRelativeResize="0"/>
+          <p:nvPr/>
+        </p:nvPicPr>
+        <p:blipFill>
+          <a:blip r:embed="rId11">
+            <a:alphaModFix/>
+          </a:blip>
+          <a:stretch>
+            <a:fillRect/>
+          </a:stretch>
+        </p:blipFill>
+        <p:spPr>
+          <a:xfrm>
+            <a:off x="4906375" y="2232325"/>
+            <a:ext cx="1602725" cy="607626"/>
+          </a:xfrm>
+          <a:prstGeom prst="rect">
+            <a:avLst/>
+          </a:prstGeom>
+          <a:noFill/>
+          <a:ln>
+            <a:noFill/>
+          </a:ln>
+        </p:spPr>
+      </p:pic>
+      <p:pic>
+        <p:nvPicPr>
+          <p:cNvPr id="85" name="Google Shape;85;p15"/>
+          <p:cNvPicPr preferRelativeResize="0"/>
+          <p:nvPr/>
+        </p:nvPicPr>
+        <p:blipFill>
+          <a:blip r:embed="rId12">
+            <a:alphaModFix/>
+          </a:blip>
+          <a:stretch>
+            <a:fillRect/>
+          </a:stretch>
+        </p:blipFill>
+        <p:spPr>
+          <a:xfrm>
+            <a:off x="387900" y="2163775"/>
+            <a:ext cx="1627175" cy="323497"/>
+          </a:xfrm>
+          <a:prstGeom prst="rect">
+            <a:avLst/>
+          </a:prstGeom>
+          <a:noFill/>
+          <a:ln>
+            <a:noFill/>
+          </a:ln>
+        </p:spPr>
+      </p:pic>
+      <p:pic>
+        <p:nvPicPr>
+          <p:cNvPr id="86" name="Google Shape;86;p15"/>
+          <p:cNvPicPr preferRelativeResize="0"/>
+          <p:nvPr/>
+        </p:nvPicPr>
+        <p:blipFill>
+          <a:blip r:embed="rId13">
+            <a:alphaModFix/>
+          </a:blip>
+          <a:stretch>
+            <a:fillRect/>
+          </a:stretch>
+        </p:blipFill>
+        <p:spPr>
+          <a:xfrm>
+            <a:off x="2149299" y="2163775"/>
+            <a:ext cx="1186117" cy="323500"/>
           </a:xfrm>
           <a:prstGeom prst="rect">
             <a:avLst/>
@@ -9624,7 +10270,7 @@
   <p:cSld>
     <p:spTree>
       <p:nvGrpSpPr>
-        <p:cNvPr id="87" name="Shape 87"/>
+        <p:cNvPr id="90" name="Shape 90"/>
         <p:cNvGrpSpPr/>
         <p:nvPr/>
       </p:nvGrpSpPr>
@@ -9638,7 +10284,7 @@
       </p:grpSpPr>
       <p:sp>
         <p:nvSpPr>
-          <p:cNvPr id="88" name="Google Shape;88;p16"/>
+          <p:cNvPr id="91" name="Google Shape;91;p16"/>
           <p:cNvSpPr txBox="1"/>
           <p:nvPr>
             <p:ph type="title"/>
@@ -9678,7 +10324,7 @@
       </p:sp>
       <p:sp>
         <p:nvSpPr>
-          <p:cNvPr id="89" name="Google Shape;89;p16"/>
+          <p:cNvPr id="92" name="Google Shape;92;p16"/>
           <p:cNvSpPr txBox="1"/>
           <p:nvPr>
             <p:ph idx="1" type="body"/>
@@ -9994,7 +10640,7 @@
       </p:sp>
       <p:cxnSp>
         <p:nvCxnSpPr>
-          <p:cNvPr id="90" name="Google Shape;90;p16"/>
+          <p:cNvPr id="93" name="Google Shape;93;p16"/>
           <p:cNvCxnSpPr/>
           <p:nvPr/>
         </p:nvCxnSpPr>
@@ -10031,7 +10677,7 @@
   <p:cSld>
     <p:spTree>
       <p:nvGrpSpPr>
-        <p:cNvPr id="94" name="Shape 94"/>
+        <p:cNvPr id="97" name="Shape 97"/>
         <p:cNvGrpSpPr/>
         <p:nvPr/>
       </p:nvGrpSpPr>
@@ -10045,7 +10691,305 @@
       </p:grpSpPr>
       <p:sp>
         <p:nvSpPr>
-          <p:cNvPr id="95" name="Google Shape;95;p17"/>
+          <p:cNvPr id="98" name="Google Shape;98;p17"/>
+          <p:cNvSpPr txBox="1"/>
+          <p:nvPr>
+            <p:ph type="title"/>
+          </p:nvPr>
+        </p:nvSpPr>
+        <p:spPr>
+          <a:xfrm>
+            <a:off x="265500" y="1716600"/>
+            <a:ext cx="4045200" cy="1710300"/>
+          </a:xfrm>
+          <a:prstGeom prst="rect">
+            <a:avLst/>
+          </a:prstGeom>
+        </p:spPr>
+        <p:txBody>
+          <a:bodyPr anchorCtr="0" anchor="ctr" bIns="91425" lIns="91425" spcFirstLastPara="1" rIns="91425" wrap="square" tIns="91425">
+            <a:normAutofit/>
+          </a:bodyPr>
+          <a:lstStyle/>
+          <a:p>
+            <a:pPr indent="0" lvl="0" marL="0" rtl="0" algn="ctr">
+              <a:spcBef>
+                <a:spcPts val="0"/>
+              </a:spcBef>
+              <a:spcAft>
+                <a:spcPts val="0"/>
+              </a:spcAft>
+              <a:buNone/>
+            </a:pPr>
+            <a:r>
+              <a:rPr lang="en"/>
+              <a:t>Database </a:t>
+            </a:r>
+            <a:endParaRPr/>
+          </a:p>
+        </p:txBody>
+      </p:sp>
+      <p:sp>
+        <p:nvSpPr>
+          <p:cNvPr id="99" name="Google Shape;99;p17"/>
+          <p:cNvSpPr txBox="1"/>
+          <p:nvPr>
+            <p:ph idx="2" type="body"/>
+          </p:nvPr>
+        </p:nvSpPr>
+        <p:spPr>
+          <a:xfrm>
+            <a:off x="4916875" y="196150"/>
+            <a:ext cx="3797100" cy="4255200"/>
+          </a:xfrm>
+          <a:prstGeom prst="rect">
+            <a:avLst/>
+          </a:prstGeom>
+        </p:spPr>
+        <p:txBody>
+          <a:bodyPr anchorCtr="0" anchor="t" bIns="91425" lIns="91425" spcFirstLastPara="1" rIns="91425" wrap="square" tIns="91425">
+            <a:normAutofit/>
+          </a:bodyPr>
+          <a:lstStyle/>
+          <a:p>
+            <a:pPr indent="0" lvl="0" marL="0" rtl="0" algn="l">
+              <a:spcBef>
+                <a:spcPts val="0"/>
+              </a:spcBef>
+              <a:spcAft>
+                <a:spcPts val="0"/>
+              </a:spcAft>
+              <a:buNone/>
+            </a:pPr>
+            <a:r>
+              <a:rPr b="1" lang="en" sz="1500">
+                <a:latin typeface="Roboto"/>
+                <a:ea typeface="Roboto"/>
+                <a:cs typeface="Roboto"/>
+                <a:sym typeface="Roboto"/>
+              </a:rPr>
+              <a:t>Overview</a:t>
+            </a:r>
+            <a:br>
+              <a:rPr lang="en" sz="1100">
+                <a:latin typeface="Roboto"/>
+                <a:ea typeface="Roboto"/>
+                <a:cs typeface="Roboto"/>
+                <a:sym typeface="Roboto"/>
+              </a:rPr>
+            </a:br>
+            <a:r>
+              <a:rPr lang="en" sz="1100">
+                <a:latin typeface="Roboto"/>
+                <a:ea typeface="Roboto"/>
+                <a:cs typeface="Roboto"/>
+                <a:sym typeface="Roboto"/>
+              </a:rPr>
+              <a:t>PostgreSQL, via PGAdmin, is used to store the tables of data. We used SQLAlchemy as our Object Relational Mapper.</a:t>
+            </a:r>
+            <a:endParaRPr sz="1100">
+              <a:latin typeface="Roboto"/>
+              <a:ea typeface="Roboto"/>
+              <a:cs typeface="Roboto"/>
+              <a:sym typeface="Roboto"/>
+            </a:endParaRPr>
+          </a:p>
+          <a:p>
+            <a:pPr indent="0" lvl="0" marL="0" rtl="0" algn="l">
+              <a:spcBef>
+                <a:spcPts val="1200"/>
+              </a:spcBef>
+              <a:spcAft>
+                <a:spcPts val="0"/>
+              </a:spcAft>
+              <a:buNone/>
+            </a:pPr>
+            <a:r>
+              <a:rPr lang="en" sz="1100">
+                <a:latin typeface="Roboto"/>
+                <a:ea typeface="Roboto"/>
+                <a:cs typeface="Roboto"/>
+                <a:sym typeface="Roboto"/>
+              </a:rPr>
+              <a:t>Below is our entity relational diagram that outlines our datasets and assisted us with our EDA process. </a:t>
+            </a:r>
+            <a:endParaRPr sz="1100">
+              <a:latin typeface="Roboto"/>
+              <a:ea typeface="Roboto"/>
+              <a:cs typeface="Roboto"/>
+              <a:sym typeface="Roboto"/>
+            </a:endParaRPr>
+          </a:p>
+          <a:p>
+            <a:pPr indent="0" lvl="0" marL="0" rtl="0" algn="l">
+              <a:spcBef>
+                <a:spcPts val="1200"/>
+              </a:spcBef>
+              <a:spcAft>
+                <a:spcPts val="0"/>
+              </a:spcAft>
+              <a:buNone/>
+            </a:pPr>
+            <a:r>
+              <a:rPr lang="en" sz="1100">
+                <a:latin typeface="Roboto"/>
+                <a:ea typeface="Roboto"/>
+                <a:cs typeface="Roboto"/>
+                <a:sym typeface="Roboto"/>
+              </a:rPr>
+              <a:t>The two most common features within our datasets is </a:t>
+            </a:r>
+            <a:r>
+              <a:rPr b="1" lang="en" sz="1100">
+                <a:latin typeface="Roboto"/>
+                <a:ea typeface="Roboto"/>
+                <a:cs typeface="Roboto"/>
+                <a:sym typeface="Roboto"/>
+              </a:rPr>
+              <a:t>State </a:t>
+            </a:r>
+            <a:r>
+              <a:rPr lang="en" sz="1100">
+                <a:latin typeface="Roboto"/>
+                <a:ea typeface="Roboto"/>
+                <a:cs typeface="Roboto"/>
+                <a:sym typeface="Roboto"/>
+              </a:rPr>
+              <a:t>and </a:t>
+            </a:r>
+            <a:r>
+              <a:rPr b="1" lang="en" sz="1100">
+                <a:latin typeface="Roboto"/>
+                <a:ea typeface="Roboto"/>
+                <a:cs typeface="Roboto"/>
+                <a:sym typeface="Roboto"/>
+              </a:rPr>
+              <a:t>UniversityName</a:t>
+            </a:r>
+            <a:r>
+              <a:rPr lang="en" sz="1100">
+                <a:latin typeface="Roboto"/>
+                <a:ea typeface="Roboto"/>
+                <a:cs typeface="Roboto"/>
+                <a:sym typeface="Roboto"/>
+              </a:rPr>
+              <a:t>. </a:t>
+            </a:r>
+            <a:endParaRPr sz="1100">
+              <a:latin typeface="Roboto"/>
+              <a:ea typeface="Roboto"/>
+              <a:cs typeface="Roboto"/>
+              <a:sym typeface="Roboto"/>
+            </a:endParaRPr>
+          </a:p>
+          <a:p>
+            <a:pPr indent="0" lvl="0" marL="0" rtl="0" algn="l">
+              <a:spcBef>
+                <a:spcPts val="1200"/>
+              </a:spcBef>
+              <a:spcAft>
+                <a:spcPts val="0"/>
+              </a:spcAft>
+              <a:buNone/>
+            </a:pPr>
+            <a:r>
+              <a:t/>
+            </a:r>
+            <a:endParaRPr sz="1100"/>
+          </a:p>
+          <a:p>
+            <a:pPr indent="0" lvl="0" marL="0" rtl="0" algn="l">
+              <a:spcBef>
+                <a:spcPts val="1200"/>
+              </a:spcBef>
+              <a:spcAft>
+                <a:spcPts val="0"/>
+              </a:spcAft>
+              <a:buNone/>
+            </a:pPr>
+            <a:r>
+              <a:t/>
+            </a:r>
+            <a:endParaRPr sz="1200"/>
+          </a:p>
+          <a:p>
+            <a:pPr indent="0" lvl="0" marL="0" rtl="0" algn="l">
+              <a:spcBef>
+                <a:spcPts val="1200"/>
+              </a:spcBef>
+              <a:spcAft>
+                <a:spcPts val="1200"/>
+              </a:spcAft>
+              <a:buNone/>
+            </a:pPr>
+            <a:r>
+              <a:t/>
+            </a:r>
+            <a:endParaRPr i="1" sz="1600">
+              <a:latin typeface="Times New Roman"/>
+              <a:ea typeface="Times New Roman"/>
+              <a:cs typeface="Times New Roman"/>
+              <a:sym typeface="Times New Roman"/>
+            </a:endParaRPr>
+          </a:p>
+        </p:txBody>
+      </p:sp>
+      <p:pic>
+        <p:nvPicPr>
+          <p:cNvPr id="100" name="Google Shape;100;p17"/>
+          <p:cNvPicPr preferRelativeResize="0"/>
+          <p:nvPr/>
+        </p:nvPicPr>
+        <p:blipFill>
+          <a:blip r:embed="rId3">
+            <a:alphaModFix/>
+          </a:blip>
+          <a:stretch>
+            <a:fillRect/>
+          </a:stretch>
+        </p:blipFill>
+        <p:spPr>
+          <a:xfrm>
+            <a:off x="4689850" y="2273150"/>
+            <a:ext cx="4326600" cy="2587800"/>
+          </a:xfrm>
+          <a:prstGeom prst="rect">
+            <a:avLst/>
+          </a:prstGeom>
+          <a:noFill/>
+          <a:ln>
+            <a:noFill/>
+          </a:ln>
+        </p:spPr>
+      </p:pic>
+    </p:spTree>
+  </p:cSld>
+  <p:clrMapOvr>
+    <a:masterClrMapping/>
+  </p:clrMapOvr>
+</p:sld>
+</file>
+
+<file path=ppt/slides/slide6.xml><?xml version="1.0" encoding="utf-8"?>
+<p:sld xmlns:a="http://schemas.openxmlformats.org/drawingml/2006/main" xmlns:r="http://schemas.openxmlformats.org/officeDocument/2006/relationships" xmlns:mc="http://schemas.openxmlformats.org/markup-compatibility/2006" xmlns:mv="urn:schemas-microsoft-com:mac:vml" xmlns:p="http://schemas.openxmlformats.org/presentationml/2006/main" xmlns:c="http://schemas.openxmlformats.org/drawingml/2006/chart" xmlns:dgm="http://schemas.openxmlformats.org/drawingml/2006/diagram" xmlns:o="urn:schemas-microsoft-com:office:office" xmlns:v="urn:schemas-microsoft-com:vml" xmlns:pvml="urn:schemas-microsoft-com:office:powerpoint" xmlns:com="http://schemas.openxmlformats.org/drawingml/2006/compatibility" xmlns:p14="http://schemas.microsoft.com/office/powerpoint/2010/main" xmlns:p15="http://schemas.microsoft.com/office/powerpoint/2012/main" xmlns:ahyp="http://schemas.microsoft.com/office/drawing/2018/hyperlinkcolor">
+  <p:cSld>
+    <p:spTree>
+      <p:nvGrpSpPr>
+        <p:cNvPr id="104" name="Shape 104"/>
+        <p:cNvGrpSpPr/>
+        <p:nvPr/>
+      </p:nvGrpSpPr>
+      <p:grpSpPr>
+        <a:xfrm>
+          <a:off x="0" y="0"/>
+          <a:ext cx="0" cy="0"/>
+          <a:chOff x="0" y="0"/>
+          <a:chExt cx="0" cy="0"/>
+        </a:xfrm>
+      </p:grpSpPr>
+      <p:sp>
+        <p:nvSpPr>
+          <p:cNvPr id="105" name="Google Shape;105;p18"/>
           <p:cNvSpPr txBox="1"/>
           <p:nvPr>
             <p:ph type="title"/>
@@ -10085,7 +11029,7 @@
       </p:sp>
       <p:sp>
         <p:nvSpPr>
-          <p:cNvPr id="96" name="Google Shape;96;p17"/>
+          <p:cNvPr id="106" name="Google Shape;106;p18"/>
           <p:cNvSpPr txBox="1"/>
           <p:nvPr>
             <p:ph idx="2" type="body"/>
@@ -10093,8 +11037,8 @@
         </p:nvSpPr>
         <p:spPr>
           <a:xfrm>
-            <a:off x="4954600" y="648750"/>
-            <a:ext cx="3837000" cy="3719400"/>
+            <a:off x="4962125" y="407400"/>
+            <a:ext cx="3706500" cy="4074000"/>
           </a:xfrm>
           <a:prstGeom prst="rect">
             <a:avLst/>
@@ -10102,7 +11046,7 @@
         </p:spPr>
         <p:txBody>
           <a:bodyPr anchorCtr="0" anchor="ctr" bIns="91425" lIns="91425" spcFirstLastPara="1" rIns="91425" wrap="square" tIns="91425">
-            <a:normAutofit fontScale="85000" lnSpcReduction="10000"/>
+            <a:normAutofit fontScale="77500" lnSpcReduction="10000"/>
           </a:bodyPr>
           <a:lstStyle/>
           <a:p>
@@ -10122,7 +11066,7 @@
                 <a:cs typeface="Roboto"/>
                 <a:sym typeface="Roboto"/>
               </a:rPr>
-              <a:t>QUESTIONS</a:t>
+              <a:t>INITIAL QUESTIONS</a:t>
             </a:r>
             <a:endParaRPr b="1" sz="1814">
               <a:latin typeface="Roboto"/>
@@ -10132,7 +11076,7 @@
             </a:endParaRPr>
           </a:p>
           <a:p>
-            <a:pPr indent="-319404" lvl="0" marL="457200" rtl="0" algn="l">
+            <a:pPr indent="-311392" lvl="0" marL="457200" rtl="0" algn="l">
               <a:spcBef>
                 <a:spcPts val="1200"/>
               </a:spcBef>
@@ -10171,7 +11115,7 @@
             </a:endParaRPr>
           </a:p>
           <a:p>
-            <a:pPr indent="-319404" lvl="0" marL="457200" rtl="0" algn="l">
+            <a:pPr indent="-311392" lvl="0" marL="457200" rtl="0" algn="l">
               <a:spcBef>
                 <a:spcPts val="0"/>
               </a:spcBef>
@@ -10210,7 +11154,7 @@
             </a:endParaRPr>
           </a:p>
           <a:p>
-            <a:pPr indent="-319404" lvl="0" marL="457200" rtl="0" algn="l">
+            <a:pPr indent="-311392" lvl="0" marL="457200" rtl="0" algn="l">
               <a:spcBef>
                 <a:spcPts val="0"/>
               </a:spcBef>
@@ -10231,7 +11175,7 @@
                 <a:cs typeface="Roboto"/>
                 <a:sym typeface="Roboto"/>
               </a:rPr>
-              <a:t>How does field of study influence early career pay?</a:t>
+              <a:t>What are the average tuition costs by state of a two-year and four-year college?</a:t>
             </a:r>
             <a:br>
               <a:rPr lang="en" sz="1682">
@@ -10249,7 +11193,7 @@
             </a:endParaRPr>
           </a:p>
           <a:p>
-            <a:pPr indent="-319404" lvl="0" marL="457200" rtl="0" algn="l">
+            <a:pPr indent="-311392" lvl="0" marL="457200" rtl="0" algn="l">
               <a:spcBef>
                 <a:spcPts val="0"/>
               </a:spcBef>
@@ -10270,7 +11214,7 @@
                 <a:cs typeface="Roboto"/>
                 <a:sym typeface="Roboto"/>
               </a:rPr>
-              <a:t>What states have the highest early career salary?</a:t>
+              <a:t>How does field of study influence early career pay?</a:t>
             </a:r>
             <a:br>
               <a:rPr lang="en" sz="1682">
@@ -10288,7 +11232,46 @@
             </a:endParaRPr>
           </a:p>
           <a:p>
-            <a:pPr indent="-319404" lvl="0" marL="457200" rtl="0" algn="l">
+            <a:pPr indent="-311392" lvl="0" marL="457200" rtl="0" algn="l">
+              <a:spcBef>
+                <a:spcPts val="0"/>
+              </a:spcBef>
+              <a:spcAft>
+                <a:spcPts val="0"/>
+              </a:spcAft>
+              <a:buClr>
+                <a:schemeClr val="lt1"/>
+              </a:buClr>
+              <a:buSzPct val="100000"/>
+              <a:buFont typeface="Roboto"/>
+              <a:buChar char="❖"/>
+            </a:pPr>
+            <a:r>
+              <a:rPr lang="en" sz="1682">
+                <a:latin typeface="Roboto"/>
+                <a:ea typeface="Roboto"/>
+                <a:cs typeface="Roboto"/>
+                <a:sym typeface="Roboto"/>
+              </a:rPr>
+              <a:t>What states have the highest early career salary?</a:t>
+            </a:r>
+            <a:br>
+              <a:rPr lang="en" sz="1682">
+                <a:latin typeface="Roboto"/>
+                <a:ea typeface="Roboto"/>
+                <a:cs typeface="Roboto"/>
+                <a:sym typeface="Roboto"/>
+              </a:rPr>
+            </a:br>
+            <a:endParaRPr sz="1682">
+              <a:latin typeface="Roboto"/>
+              <a:ea typeface="Roboto"/>
+              <a:cs typeface="Roboto"/>
+              <a:sym typeface="Roboto"/>
+            </a:endParaRPr>
+          </a:p>
+          <a:p>
+            <a:pPr indent="-311392" lvl="0" marL="457200" rtl="0" algn="l">
               <a:spcBef>
                 <a:spcPts val="0"/>
               </a:spcBef>
@@ -10323,12 +11306,12 @@
 </p:sld>
 </file>
 
-<file path=ppt/slides/slide6.xml><?xml version="1.0" encoding="utf-8"?>
+<file path=ppt/slides/slide7.xml><?xml version="1.0" encoding="utf-8"?>
 <p:sld xmlns:a="http://schemas.openxmlformats.org/drawingml/2006/main" xmlns:r="http://schemas.openxmlformats.org/officeDocument/2006/relationships" xmlns:mc="http://schemas.openxmlformats.org/markup-compatibility/2006" xmlns:mv="urn:schemas-microsoft-com:mac:vml" xmlns:p="http://schemas.openxmlformats.org/presentationml/2006/main" xmlns:c="http://schemas.openxmlformats.org/drawingml/2006/chart" xmlns:dgm="http://schemas.openxmlformats.org/drawingml/2006/diagram" xmlns:o="urn:schemas-microsoft-com:office:office" xmlns:v="urn:schemas-microsoft-com:vml" xmlns:pvml="urn:schemas-microsoft-com:office:powerpoint" xmlns:com="http://schemas.openxmlformats.org/drawingml/2006/compatibility" xmlns:p14="http://schemas.microsoft.com/office/powerpoint/2010/main" xmlns:p15="http://schemas.microsoft.com/office/powerpoint/2012/main" xmlns:ahyp="http://schemas.microsoft.com/office/drawing/2018/hyperlinkcolor">
   <p:cSld>
     <p:spTree>
       <p:nvGrpSpPr>
-        <p:cNvPr id="100" name="Shape 100"/>
+        <p:cNvPr id="110" name="Shape 110"/>
         <p:cNvGrpSpPr/>
         <p:nvPr/>
       </p:nvGrpSpPr>
@@ -10342,7 +11325,7 @@
       </p:grpSpPr>
       <p:sp>
         <p:nvSpPr>
-          <p:cNvPr id="101" name="Google Shape;101;p18"/>
+          <p:cNvPr id="111" name="Google Shape;111;p19"/>
           <p:cNvSpPr txBox="1"/>
           <p:nvPr>
             <p:ph type="title"/>
@@ -10397,7 +11380,7 @@
       </p:sp>
       <p:sp>
         <p:nvSpPr>
-          <p:cNvPr id="102" name="Google Shape;102;p18"/>
+          <p:cNvPr id="112" name="Google Shape;112;p19"/>
           <p:cNvSpPr txBox="1"/>
           <p:nvPr>
             <p:ph idx="1" type="body"/>
@@ -10405,7 +11388,7 @@
         </p:nvSpPr>
         <p:spPr>
           <a:xfrm>
-            <a:off x="311700" y="1152475"/>
+            <a:off x="273975" y="1017725"/>
             <a:ext cx="8520600" cy="3416400"/>
           </a:xfrm>
           <a:prstGeom prst="rect">
@@ -10501,7 +11484,7 @@
       </p:sp>
       <p:pic>
         <p:nvPicPr>
-          <p:cNvPr id="103" name="Google Shape;103;p18"/>
+          <p:cNvPr id="113" name="Google Shape;113;p19"/>
           <p:cNvPicPr preferRelativeResize="0"/>
           <p:nvPr/>
         </p:nvPicPr>
@@ -10515,8 +11498,8 @@
         </p:blipFill>
         <p:spPr>
           <a:xfrm>
-            <a:off x="414950" y="1956825"/>
-            <a:ext cx="5175575" cy="3016525"/>
+            <a:off x="414950" y="1811750"/>
+            <a:ext cx="5424525" cy="3161600"/>
           </a:xfrm>
           <a:prstGeom prst="rect">
             <a:avLst/>
@@ -10529,14 +11512,14 @@
       </p:pic>
       <p:sp>
         <p:nvSpPr>
-          <p:cNvPr id="104" name="Google Shape;104;p18"/>
+          <p:cNvPr id="114" name="Google Shape;114;p19"/>
           <p:cNvSpPr txBox="1"/>
           <p:nvPr/>
         </p:nvSpPr>
         <p:spPr>
           <a:xfrm>
-            <a:off x="5772350" y="1999325"/>
-            <a:ext cx="2353800" cy="1847100"/>
+            <a:off x="5909650" y="1894775"/>
+            <a:ext cx="2502600" cy="1662300"/>
           </a:xfrm>
           <a:prstGeom prst="rect">
             <a:avLst/>
@@ -10593,12 +11576,12 @@
 </p:sld>
 </file>
 
-<file path=ppt/slides/slide7.xml><?xml version="1.0" encoding="utf-8"?>
+<file path=ppt/slides/slide8.xml><?xml version="1.0" encoding="utf-8"?>
 <p:sld xmlns:a="http://schemas.openxmlformats.org/drawingml/2006/main" xmlns:r="http://schemas.openxmlformats.org/officeDocument/2006/relationships" xmlns:mc="http://schemas.openxmlformats.org/markup-compatibility/2006" xmlns:mv="urn:schemas-microsoft-com:mac:vml" xmlns:p="http://schemas.openxmlformats.org/presentationml/2006/main" xmlns:c="http://schemas.openxmlformats.org/drawingml/2006/chart" xmlns:dgm="http://schemas.openxmlformats.org/drawingml/2006/diagram" xmlns:o="urn:schemas-microsoft-com:office:office" xmlns:v="urn:schemas-microsoft-com:vml" xmlns:pvml="urn:schemas-microsoft-com:office:powerpoint" xmlns:com="http://schemas.openxmlformats.org/drawingml/2006/compatibility" xmlns:p14="http://schemas.microsoft.com/office/powerpoint/2010/main" xmlns:p15="http://schemas.microsoft.com/office/powerpoint/2012/main" xmlns:ahyp="http://schemas.microsoft.com/office/drawing/2018/hyperlinkcolor">
   <p:cSld>
     <p:spTree>
       <p:nvGrpSpPr>
-        <p:cNvPr id="108" name="Shape 108"/>
+        <p:cNvPr id="118" name="Shape 118"/>
         <p:cNvGrpSpPr/>
         <p:nvPr/>
       </p:nvGrpSpPr>
@@ -10612,7 +11595,7 @@
       </p:grpSpPr>
       <p:sp>
         <p:nvSpPr>
-          <p:cNvPr id="109" name="Google Shape;109;p19"/>
+          <p:cNvPr id="119" name="Google Shape;119;p20"/>
           <p:cNvSpPr txBox="1"/>
           <p:nvPr>
             <p:ph type="title"/>
@@ -10652,7 +11635,7 @@
       </p:sp>
       <p:sp>
         <p:nvSpPr>
-          <p:cNvPr id="110" name="Google Shape;110;p19"/>
+          <p:cNvPr id="120" name="Google Shape;120;p20"/>
           <p:cNvSpPr txBox="1"/>
           <p:nvPr>
             <p:ph idx="1" type="body"/>
@@ -10774,7 +11757,7 @@
       </p:sp>
       <p:pic>
         <p:nvPicPr>
-          <p:cNvPr id="111" name="Google Shape;111;p19"/>
+          <p:cNvPr id="121" name="Google Shape;121;p20"/>
           <p:cNvPicPr preferRelativeResize="0"/>
           <p:nvPr/>
         </p:nvPicPr>
@@ -10802,7 +11785,7 @@
       </p:pic>
       <p:pic>
         <p:nvPicPr>
-          <p:cNvPr id="112" name="Google Shape;112;p19"/>
+          <p:cNvPr id="122" name="Google Shape;122;p20"/>
           <p:cNvPicPr preferRelativeResize="0"/>
           <p:nvPr/>
         </p:nvPicPr>
@@ -10836,12 +11819,12 @@
 </p:sld>
 </file>
 
-<file path=ppt/slides/slide8.xml><?xml version="1.0" encoding="utf-8"?>
+<file path=ppt/slides/slide9.xml><?xml version="1.0" encoding="utf-8"?>
 <p:sld xmlns:a="http://schemas.openxmlformats.org/drawingml/2006/main" xmlns:r="http://schemas.openxmlformats.org/officeDocument/2006/relationships" xmlns:mc="http://schemas.openxmlformats.org/markup-compatibility/2006" xmlns:mv="urn:schemas-microsoft-com:mac:vml" xmlns:p="http://schemas.openxmlformats.org/presentationml/2006/main" xmlns:c="http://schemas.openxmlformats.org/drawingml/2006/chart" xmlns:dgm="http://schemas.openxmlformats.org/drawingml/2006/diagram" xmlns:o="urn:schemas-microsoft-com:office:office" xmlns:v="urn:schemas-microsoft-com:vml" xmlns:pvml="urn:schemas-microsoft-com:office:powerpoint" xmlns:com="http://schemas.openxmlformats.org/drawingml/2006/compatibility" xmlns:p14="http://schemas.microsoft.com/office/powerpoint/2010/main" xmlns:p15="http://schemas.microsoft.com/office/powerpoint/2012/main" xmlns:ahyp="http://schemas.microsoft.com/office/drawing/2018/hyperlinkcolor">
   <p:cSld>
     <p:spTree>
       <p:nvGrpSpPr>
-        <p:cNvPr id="116" name="Shape 116"/>
+        <p:cNvPr id="126" name="Shape 126"/>
         <p:cNvGrpSpPr/>
         <p:nvPr/>
       </p:nvGrpSpPr>
@@ -10855,7 +11838,7 @@
       </p:grpSpPr>
       <p:sp>
         <p:nvSpPr>
-          <p:cNvPr id="117" name="Google Shape;117;p20"/>
+          <p:cNvPr id="127" name="Google Shape;127;p21"/>
           <p:cNvSpPr txBox="1"/>
           <p:nvPr>
             <p:ph type="title"/>
@@ -10887,7 +11870,7 @@
             </a:pPr>
             <a:r>
               <a:rPr lang="en"/>
-              <a:t>Database </a:t>
+              <a:t>Machine Learning</a:t>
             </a:r>
             <a:endParaRPr/>
           </a:p>
@@ -10895,7 +11878,7 @@
       </p:sp>
       <p:sp>
         <p:nvSpPr>
-          <p:cNvPr id="118" name="Google Shape;118;p20"/>
+          <p:cNvPr id="128" name="Google Shape;128;p21"/>
           <p:cNvSpPr txBox="1"/>
           <p:nvPr>
             <p:ph idx="2" type="body"/>
@@ -10903,8 +11886,8 @@
         </p:nvSpPr>
         <p:spPr>
           <a:xfrm>
-            <a:off x="4916875" y="196150"/>
-            <a:ext cx="3797100" cy="4255200"/>
+            <a:off x="4813425" y="242175"/>
+            <a:ext cx="3960900" cy="4564500"/>
           </a:xfrm>
           <a:prstGeom prst="rect">
             <a:avLst/>
@@ -10912,7 +11895,7 @@
         </p:spPr>
         <p:txBody>
           <a:bodyPr anchorCtr="0" anchor="t" bIns="91425" lIns="91425" spcFirstLastPara="1" rIns="91425" wrap="square" tIns="91425">
-            <a:normAutofit/>
+            <a:normAutofit fontScale="70000" lnSpcReduction="20000"/>
           </a:bodyPr>
           <a:lstStyle/>
           <a:p>
@@ -10926,30 +11909,125 @@
               <a:buNone/>
             </a:pPr>
             <a:r>
-              <a:rPr b="1" lang="en" sz="1500">
+              <a:rPr b="1" lang="en" sz="2178">
                 <a:latin typeface="Roboto"/>
                 <a:ea typeface="Roboto"/>
                 <a:cs typeface="Roboto"/>
                 <a:sym typeface="Roboto"/>
               </a:rPr>
-              <a:t>Overview</a:t>
-            </a:r>
-            <a:br>
-              <a:rPr lang="en" sz="1100">
+              <a:t>Preliminary Data Preprocessing</a:t>
+            </a:r>
+            <a:endParaRPr sz="2178">
+              <a:latin typeface="Roboto"/>
+              <a:ea typeface="Roboto"/>
+              <a:cs typeface="Roboto"/>
+              <a:sym typeface="Roboto"/>
+            </a:endParaRPr>
+          </a:p>
+          <a:p>
+            <a:pPr indent="-300653" lvl="0" marL="457200" rtl="0" algn="l">
+              <a:spcBef>
+                <a:spcPts val="1200"/>
+              </a:spcBef>
+              <a:spcAft>
+                <a:spcPts val="0"/>
+              </a:spcAft>
+              <a:buSzPct val="100000"/>
+              <a:buFont typeface="Roboto"/>
+              <a:buChar char="❖"/>
+            </a:pPr>
+            <a:r>
+              <a:rPr lang="en" sz="1621">
                 <a:latin typeface="Roboto"/>
                 <a:ea typeface="Roboto"/>
                 <a:cs typeface="Roboto"/>
                 <a:sym typeface="Roboto"/>
               </a:rPr>
-            </a:br>
-            <a:r>
-              <a:rPr lang="en" sz="1100">
+              <a:t>Assessed the data types </a:t>
+            </a:r>
+            <a:endParaRPr sz="1621">
+              <a:latin typeface="Roboto"/>
+              <a:ea typeface="Roboto"/>
+              <a:cs typeface="Roboto"/>
+              <a:sym typeface="Roboto"/>
+            </a:endParaRPr>
+          </a:p>
+          <a:p>
+            <a:pPr indent="-300653" lvl="0" marL="457200" rtl="0" algn="l">
+              <a:spcBef>
+                <a:spcPts val="0"/>
+              </a:spcBef>
+              <a:spcAft>
+                <a:spcPts val="0"/>
+              </a:spcAft>
+              <a:buSzPct val="100000"/>
+              <a:buFont typeface="Roboto"/>
+              <a:buChar char="❖"/>
+            </a:pPr>
+            <a:r>
+              <a:rPr lang="en" sz="1621">
                 <a:latin typeface="Roboto"/>
                 <a:ea typeface="Roboto"/>
                 <a:cs typeface="Roboto"/>
                 <a:sym typeface="Roboto"/>
               </a:rPr>
-              <a:t>PostgreSQL, via PGAdmin, is used to store the tables of data. We used SQLAlchemy as our Object Relational Mapper.</a:t>
+              <a:t>Replaced the nulls with zero </a:t>
+            </a:r>
+            <a:endParaRPr sz="1621">
+              <a:latin typeface="Roboto"/>
+              <a:ea typeface="Roboto"/>
+              <a:cs typeface="Roboto"/>
+              <a:sym typeface="Roboto"/>
+            </a:endParaRPr>
+          </a:p>
+          <a:p>
+            <a:pPr indent="-300653" lvl="0" marL="457200" rtl="0" algn="l">
+              <a:spcBef>
+                <a:spcPts val="0"/>
+              </a:spcBef>
+              <a:spcAft>
+                <a:spcPts val="0"/>
+              </a:spcAft>
+              <a:buSzPct val="100000"/>
+              <a:buFont typeface="Roboto"/>
+              <a:buChar char="❖"/>
+            </a:pPr>
+            <a:r>
+              <a:rPr lang="en" sz="1621">
+                <a:latin typeface="Roboto"/>
+                <a:ea typeface="Roboto"/>
+                <a:cs typeface="Roboto"/>
+                <a:sym typeface="Roboto"/>
+              </a:rPr>
+              <a:t>Dropped the unnecessary columns: University Name, Rank, Mid Career Pay, and Degree Length</a:t>
+            </a:r>
+            <a:endParaRPr sz="1621">
+              <a:latin typeface="Roboto"/>
+              <a:ea typeface="Roboto"/>
+              <a:cs typeface="Roboto"/>
+              <a:sym typeface="Roboto"/>
+            </a:endParaRPr>
+          </a:p>
+          <a:p>
+            <a:pPr indent="-300653" lvl="0" marL="457200" rtl="0" algn="l">
+              <a:spcBef>
+                <a:spcPts val="0"/>
+              </a:spcBef>
+              <a:spcAft>
+                <a:spcPts val="0"/>
+              </a:spcAft>
+              <a:buSzPct val="100000"/>
+              <a:buFont typeface="Roboto"/>
+              <a:buChar char="❖"/>
+            </a:pPr>
+            <a:r>
+              <a:rPr lang="en" sz="1621">
+                <a:latin typeface="Roboto"/>
+                <a:ea typeface="Roboto"/>
+                <a:cs typeface="Roboto"/>
+                <a:sym typeface="Roboto"/>
+              </a:rPr>
+              <a:t>Pandas.get_dummies was used to convert Division, State, Region, and Type to integers</a:t>
             </a:r>
             <a:endParaRPr sz="1100">
               <a:latin typeface="Roboto"/>
@@ -10969,15 +12047,40 @@
               <a:buNone/>
             </a:pPr>
             <a:r>
-              <a:rPr lang="en" sz="1100">
+              <a:rPr b="1" lang="en" sz="2178">
                 <a:latin typeface="Roboto"/>
                 <a:ea typeface="Roboto"/>
                 <a:cs typeface="Roboto"/>
                 <a:sym typeface="Roboto"/>
               </a:rPr>
-              <a:t>Below is our entity relational diagram that outlines our datasets and assisted us with our EDA process. </a:t>
-            </a:r>
-            <a:endParaRPr sz="1100">
+              <a:t>Preliminary Feature Selection and Engineering Process</a:t>
+            </a:r>
+            <a:br>
+              <a:rPr b="1" lang="en" sz="2178">
+                <a:latin typeface="Roboto"/>
+                <a:ea typeface="Roboto"/>
+                <a:cs typeface="Roboto"/>
+                <a:sym typeface="Roboto"/>
+              </a:rPr>
+            </a:br>
+            <a:br>
+              <a:rPr lang="en">
+                <a:latin typeface="Roboto"/>
+                <a:ea typeface="Roboto"/>
+                <a:cs typeface="Roboto"/>
+                <a:sym typeface="Roboto"/>
+              </a:rPr>
+            </a:br>
+            <a:r>
+              <a:rPr lang="en" sz="1550">
+                <a:latin typeface="Roboto"/>
+                <a:ea typeface="Roboto"/>
+                <a:cs typeface="Roboto"/>
+                <a:sym typeface="Roboto"/>
+              </a:rPr>
+              <a:t>We elected to convert the target column values (Early Career Pay) to either “Low” (less than $45,000) or “Medium/High” for all other amounts.  </a:t>
+            </a:r>
+            <a:endParaRPr sz="1550">
               <a:latin typeface="Roboto"/>
               <a:ea typeface="Roboto"/>
               <a:cs typeface="Roboto"/>
@@ -10995,51 +12098,15 @@
               <a:buNone/>
             </a:pPr>
             <a:r>
-              <a:rPr lang="en" sz="1100">
+              <a:rPr lang="en" sz="1550">
                 <a:latin typeface="Roboto"/>
                 <a:ea typeface="Roboto"/>
                 <a:cs typeface="Roboto"/>
                 <a:sym typeface="Roboto"/>
               </a:rPr>
-              <a:t>The two most common features within our datasets is </a:t>
-            </a:r>
-            <a:r>
-              <a:rPr b="1" lang="en" sz="1100">
-                <a:latin typeface="Roboto"/>
-                <a:ea typeface="Roboto"/>
-                <a:cs typeface="Roboto"/>
-                <a:sym typeface="Roboto"/>
-              </a:rPr>
-              <a:t>State </a:t>
-            </a:r>
-            <a:r>
-              <a:rPr lang="en" sz="1100">
-                <a:latin typeface="Roboto"/>
-                <a:ea typeface="Roboto"/>
-                <a:cs typeface="Roboto"/>
-                <a:sym typeface="Roboto"/>
-              </a:rPr>
-              <a:t>and </a:t>
-            </a:r>
-            <a:r>
-              <a:rPr b="1" lang="en" sz="1100">
-                <a:latin typeface="Roboto"/>
-                <a:ea typeface="Roboto"/>
-                <a:cs typeface="Roboto"/>
-                <a:sym typeface="Roboto"/>
-              </a:rPr>
-              <a:t>UniversityName</a:t>
-            </a:r>
-            <a:r>
-              <a:rPr lang="en" sz="1100">
-                <a:latin typeface="Roboto"/>
-                <a:ea typeface="Roboto"/>
-                <a:cs typeface="Roboto"/>
-                <a:sym typeface="Roboto"/>
-              </a:rPr>
-              <a:t>. </a:t>
-            </a:r>
-            <a:endParaRPr sz="1100">
+              <a:t>Of the dropped columns above we selected to remove Mid Career Pay and Rank for the initial phase of modeling. These features may be added back in pending further testing.  </a:t>
+            </a:r>
+            <a:endParaRPr sz="1550">
               <a:latin typeface="Roboto"/>
               <a:ea typeface="Roboto"/>
               <a:cs typeface="Roboto"/>
@@ -11057,312 +12124,15 @@
               <a:buNone/>
             </a:pPr>
             <a:r>
-              <a:t/>
-            </a:r>
-            <a:endParaRPr sz="1100"/>
-          </a:p>
-          <a:p>
-            <a:pPr indent="0" lvl="0" marL="0" rtl="0" algn="l">
-              <a:spcBef>
-                <a:spcPts val="1200"/>
-              </a:spcBef>
-              <a:spcAft>
-                <a:spcPts val="0"/>
-              </a:spcAft>
-              <a:buNone/>
-            </a:pPr>
-            <a:r>
-              <a:t/>
-            </a:r>
-            <a:endParaRPr sz="1200"/>
-          </a:p>
-          <a:p>
-            <a:pPr indent="0" lvl="0" marL="0" rtl="0" algn="l">
-              <a:spcBef>
-                <a:spcPts val="1200"/>
-              </a:spcBef>
-              <a:spcAft>
-                <a:spcPts val="1200"/>
-              </a:spcAft>
-              <a:buNone/>
-            </a:pPr>
-            <a:r>
-              <a:t/>
-            </a:r>
-            <a:endParaRPr i="1" sz="1600">
-              <a:latin typeface="Times New Roman"/>
-              <a:ea typeface="Times New Roman"/>
-              <a:cs typeface="Times New Roman"/>
-              <a:sym typeface="Times New Roman"/>
-            </a:endParaRPr>
-          </a:p>
-        </p:txBody>
-      </p:sp>
-      <p:pic>
-        <p:nvPicPr>
-          <p:cNvPr id="119" name="Google Shape;119;p20"/>
-          <p:cNvPicPr preferRelativeResize="0"/>
-          <p:nvPr/>
-        </p:nvPicPr>
-        <p:blipFill>
-          <a:blip r:embed="rId3">
-            <a:alphaModFix/>
-          </a:blip>
-          <a:stretch>
-            <a:fillRect/>
-          </a:stretch>
-        </p:blipFill>
-        <p:spPr>
-          <a:xfrm>
-            <a:off x="4689850" y="2273150"/>
-            <a:ext cx="4326600" cy="2587800"/>
-          </a:xfrm>
-          <a:prstGeom prst="rect">
-            <a:avLst/>
-          </a:prstGeom>
-          <a:noFill/>
-          <a:ln>
-            <a:noFill/>
-          </a:ln>
-        </p:spPr>
-      </p:pic>
-    </p:spTree>
-  </p:cSld>
-  <p:clrMapOvr>
-    <a:masterClrMapping/>
-  </p:clrMapOvr>
-</p:sld>
-</file>
-
-<file path=ppt/slides/slide9.xml><?xml version="1.0" encoding="utf-8"?>
-<p:sld xmlns:a="http://schemas.openxmlformats.org/drawingml/2006/main" xmlns:r="http://schemas.openxmlformats.org/officeDocument/2006/relationships" xmlns:mc="http://schemas.openxmlformats.org/markup-compatibility/2006" xmlns:mv="urn:schemas-microsoft-com:mac:vml" xmlns:p="http://schemas.openxmlformats.org/presentationml/2006/main" xmlns:c="http://schemas.openxmlformats.org/drawingml/2006/chart" xmlns:dgm="http://schemas.openxmlformats.org/drawingml/2006/diagram" xmlns:o="urn:schemas-microsoft-com:office:office" xmlns:v="urn:schemas-microsoft-com:vml" xmlns:pvml="urn:schemas-microsoft-com:office:powerpoint" xmlns:com="http://schemas.openxmlformats.org/drawingml/2006/compatibility" xmlns:p14="http://schemas.microsoft.com/office/powerpoint/2010/main" xmlns:p15="http://schemas.microsoft.com/office/powerpoint/2012/main" xmlns:ahyp="http://schemas.microsoft.com/office/drawing/2018/hyperlinkcolor">
-  <p:cSld>
-    <p:spTree>
-      <p:nvGrpSpPr>
-        <p:cNvPr id="123" name="Shape 123"/>
-        <p:cNvGrpSpPr/>
-        <p:nvPr/>
-      </p:nvGrpSpPr>
-      <p:grpSpPr>
-        <a:xfrm>
-          <a:off x="0" y="0"/>
-          <a:ext cx="0" cy="0"/>
-          <a:chOff x="0" y="0"/>
-          <a:chExt cx="0" cy="0"/>
-        </a:xfrm>
-      </p:grpSpPr>
-      <p:sp>
-        <p:nvSpPr>
-          <p:cNvPr id="124" name="Google Shape;124;p21"/>
-          <p:cNvSpPr txBox="1"/>
-          <p:nvPr>
-            <p:ph type="title"/>
-          </p:nvPr>
-        </p:nvSpPr>
-        <p:spPr>
-          <a:xfrm>
-            <a:off x="265500" y="1716600"/>
-            <a:ext cx="4045200" cy="1710300"/>
-          </a:xfrm>
-          <a:prstGeom prst="rect">
-            <a:avLst/>
-          </a:prstGeom>
-        </p:spPr>
-        <p:txBody>
-          <a:bodyPr anchorCtr="0" anchor="ctr" bIns="91425" lIns="91425" spcFirstLastPara="1" rIns="91425" wrap="square" tIns="91425">
-            <a:normAutofit/>
-          </a:bodyPr>
-          <a:lstStyle/>
-          <a:p>
-            <a:pPr indent="0" lvl="0" marL="0" rtl="0" algn="ctr">
-              <a:spcBef>
-                <a:spcPts val="0"/>
-              </a:spcBef>
-              <a:spcAft>
-                <a:spcPts val="0"/>
-              </a:spcAft>
-              <a:buNone/>
-            </a:pPr>
-            <a:r>
-              <a:rPr lang="en"/>
-              <a:t>Machine Learning</a:t>
-            </a:r>
-            <a:endParaRPr/>
-          </a:p>
-        </p:txBody>
-      </p:sp>
-      <p:sp>
-        <p:nvSpPr>
-          <p:cNvPr id="125" name="Google Shape;125;p21"/>
-          <p:cNvSpPr txBox="1"/>
-          <p:nvPr>
-            <p:ph idx="2" type="body"/>
-          </p:nvPr>
-        </p:nvSpPr>
-        <p:spPr>
-          <a:xfrm>
-            <a:off x="4828525" y="128250"/>
-            <a:ext cx="3960900" cy="4564500"/>
-          </a:xfrm>
-          <a:prstGeom prst="rect">
-            <a:avLst/>
-          </a:prstGeom>
-        </p:spPr>
-        <p:txBody>
-          <a:bodyPr anchorCtr="0" anchor="t" bIns="91425" lIns="91425" spcFirstLastPara="1" rIns="91425" wrap="square" tIns="91425">
-            <a:normAutofit lnSpcReduction="10000"/>
-          </a:bodyPr>
-          <a:lstStyle/>
-          <a:p>
-            <a:pPr indent="0" lvl="0" marL="0" rtl="0" algn="l">
-              <a:spcBef>
-                <a:spcPts val="0"/>
-              </a:spcBef>
-              <a:spcAft>
-                <a:spcPts val="0"/>
-              </a:spcAft>
-              <a:buNone/>
-            </a:pPr>
-            <a:r>
-              <a:rPr b="1" lang="en" sz="1529">
+              <a:rPr lang="en" sz="1550">
                 <a:latin typeface="Roboto"/>
                 <a:ea typeface="Roboto"/>
                 <a:cs typeface="Roboto"/>
                 <a:sym typeface="Roboto"/>
               </a:rPr>
-              <a:t>Preliminary Data Preprocessing</a:t>
-            </a:r>
-            <a:endParaRPr sz="1529">
-              <a:latin typeface="Roboto"/>
-              <a:ea typeface="Roboto"/>
-              <a:cs typeface="Roboto"/>
-              <a:sym typeface="Roboto"/>
-            </a:endParaRPr>
-          </a:p>
-          <a:p>
-            <a:pPr indent="-298450" lvl="0" marL="457200" rtl="0" algn="l">
-              <a:spcBef>
-                <a:spcPts val="1200"/>
-              </a:spcBef>
-              <a:spcAft>
-                <a:spcPts val="0"/>
-              </a:spcAft>
-              <a:buSzPts val="1100"/>
-              <a:buFont typeface="Roboto"/>
-              <a:buChar char="❖"/>
-            </a:pPr>
-            <a:r>
-              <a:rPr lang="en" sz="1100">
-                <a:latin typeface="Roboto"/>
-                <a:ea typeface="Roboto"/>
-                <a:cs typeface="Roboto"/>
-                <a:sym typeface="Roboto"/>
-              </a:rPr>
-              <a:t>Assessed the data types </a:t>
-            </a:r>
-            <a:endParaRPr sz="1100">
-              <a:latin typeface="Roboto"/>
-              <a:ea typeface="Roboto"/>
-              <a:cs typeface="Roboto"/>
-              <a:sym typeface="Roboto"/>
-            </a:endParaRPr>
-          </a:p>
-          <a:p>
-            <a:pPr indent="-298450" lvl="0" marL="457200" rtl="0" algn="l">
-              <a:spcBef>
-                <a:spcPts val="0"/>
-              </a:spcBef>
-              <a:spcAft>
-                <a:spcPts val="0"/>
-              </a:spcAft>
-              <a:buSzPts val="1100"/>
-              <a:buFont typeface="Roboto"/>
-              <a:buChar char="❖"/>
-            </a:pPr>
-            <a:r>
-              <a:rPr lang="en" sz="1100">
-                <a:latin typeface="Roboto"/>
-                <a:ea typeface="Roboto"/>
-                <a:cs typeface="Roboto"/>
-                <a:sym typeface="Roboto"/>
-              </a:rPr>
-              <a:t>Replaced the nulls with zero </a:t>
-            </a:r>
-            <a:endParaRPr sz="1100">
-              <a:latin typeface="Roboto"/>
-              <a:ea typeface="Roboto"/>
-              <a:cs typeface="Roboto"/>
-              <a:sym typeface="Roboto"/>
-            </a:endParaRPr>
-          </a:p>
-          <a:p>
-            <a:pPr indent="-298450" lvl="0" marL="457200" rtl="0" algn="l">
-              <a:spcBef>
-                <a:spcPts val="0"/>
-              </a:spcBef>
-              <a:spcAft>
-                <a:spcPts val="0"/>
-              </a:spcAft>
-              <a:buSzPts val="1100"/>
-              <a:buFont typeface="Roboto"/>
-              <a:buChar char="❖"/>
-            </a:pPr>
-            <a:r>
-              <a:rPr lang="en" sz="1100">
-                <a:latin typeface="Roboto"/>
-                <a:ea typeface="Roboto"/>
-                <a:cs typeface="Roboto"/>
-                <a:sym typeface="Roboto"/>
-              </a:rPr>
-              <a:t>Dropped the </a:t>
-            </a:r>
-            <a:r>
-              <a:rPr lang="en" sz="1100">
-                <a:latin typeface="Roboto"/>
-                <a:ea typeface="Roboto"/>
-                <a:cs typeface="Roboto"/>
-                <a:sym typeface="Roboto"/>
-              </a:rPr>
-              <a:t>unnecessary</a:t>
-            </a:r>
-            <a:r>
-              <a:rPr lang="en" sz="1100">
-                <a:latin typeface="Roboto"/>
-                <a:ea typeface="Roboto"/>
-                <a:cs typeface="Roboto"/>
-                <a:sym typeface="Roboto"/>
-              </a:rPr>
-              <a:t> columns: University Name, Rank, Mid Career Pay, and Degree Length</a:t>
-            </a:r>
-            <a:endParaRPr sz="1100">
-              <a:latin typeface="Roboto"/>
-              <a:ea typeface="Roboto"/>
-              <a:cs typeface="Roboto"/>
-              <a:sym typeface="Roboto"/>
-            </a:endParaRPr>
-          </a:p>
-          <a:p>
-            <a:pPr indent="-298450" lvl="0" marL="457200" rtl="0" algn="l">
-              <a:spcBef>
-                <a:spcPts val="0"/>
-              </a:spcBef>
-              <a:spcAft>
-                <a:spcPts val="0"/>
-              </a:spcAft>
-              <a:buSzPts val="1100"/>
-              <a:buFont typeface="Roboto"/>
-              <a:buChar char="❖"/>
-            </a:pPr>
-            <a:r>
-              <a:rPr lang="en" sz="1100">
-                <a:latin typeface="Roboto"/>
-                <a:ea typeface="Roboto"/>
-                <a:cs typeface="Roboto"/>
-                <a:sym typeface="Roboto"/>
-              </a:rPr>
-              <a:t>Pandas.get_dummies was used to convert Division, State, Region, and Type to integers</a:t>
-            </a:r>
-            <a:endParaRPr sz="1100">
+              <a:t>While we were initially interested in the difference of Early Career Pay between two-year and four-year degrees, we only had six rows of data associated with two-year degrees. Those rows were removed.</a:t>
+            </a:r>
+            <a:endParaRPr sz="1550">
               <a:latin typeface="Roboto"/>
               <a:ea typeface="Roboto"/>
               <a:cs typeface="Roboto"/>
@@ -11375,96 +12145,12 @@
                 <a:spcPts val="1200"/>
               </a:spcBef>
               <a:spcAft>
-                <a:spcPts val="0"/>
+                <a:spcPts val="1200"/>
               </a:spcAft>
               <a:buNone/>
             </a:pPr>
             <a:r>
-              <a:rPr b="1" lang="en" sz="1529">
-                <a:latin typeface="Roboto"/>
-                <a:ea typeface="Roboto"/>
-                <a:cs typeface="Roboto"/>
-                <a:sym typeface="Roboto"/>
-              </a:rPr>
-              <a:t>Preliminary Feature Selection and Engineering Process</a:t>
-            </a:r>
-            <a:br>
-              <a:rPr lang="en">
-                <a:latin typeface="Roboto"/>
-                <a:ea typeface="Roboto"/>
-                <a:cs typeface="Roboto"/>
-                <a:sym typeface="Roboto"/>
-              </a:rPr>
-            </a:br>
-            <a:r>
-              <a:rPr lang="en" sz="1100">
-                <a:latin typeface="Roboto"/>
-                <a:ea typeface="Roboto"/>
-                <a:cs typeface="Roboto"/>
-                <a:sym typeface="Roboto"/>
-              </a:rPr>
-              <a:t>We elected to convert the target column values (Early Career Pay) to either “Low” (less than $45,000) or “Medium/High” for all other amounts.  Of the dropped columns above we selected to remove Mid Career Pay and Rank for the initial phase of modeling. These features may be added back in pending further testing.  </a:t>
-            </a:r>
-            <a:endParaRPr sz="1100">
-              <a:latin typeface="Roboto"/>
-              <a:ea typeface="Roboto"/>
-              <a:cs typeface="Roboto"/>
-              <a:sym typeface="Roboto"/>
-            </a:endParaRPr>
-          </a:p>
-          <a:p>
-            <a:pPr indent="0" lvl="0" marL="0" rtl="0" algn="l">
-              <a:spcBef>
-                <a:spcPts val="1200"/>
-              </a:spcBef>
-              <a:spcAft>
-                <a:spcPts val="1200"/>
-              </a:spcAft>
-              <a:buNone/>
-            </a:pPr>
-            <a:r>
-              <a:rPr b="1" lang="en" sz="1529">
-                <a:latin typeface="Roboto"/>
-                <a:ea typeface="Roboto"/>
-                <a:cs typeface="Roboto"/>
-                <a:sym typeface="Roboto"/>
-              </a:rPr>
-              <a:t>Training and Testing Sets</a:t>
-            </a:r>
-            <a:br>
-              <a:rPr lang="en">
-                <a:latin typeface="Roboto"/>
-                <a:ea typeface="Roboto"/>
-                <a:cs typeface="Roboto"/>
-                <a:sym typeface="Roboto"/>
-              </a:rPr>
-            </a:br>
-            <a:r>
-              <a:rPr lang="en" sz="1100">
-                <a:latin typeface="Roboto"/>
-                <a:ea typeface="Roboto"/>
-                <a:cs typeface="Roboto"/>
-                <a:sym typeface="Roboto"/>
-              </a:rPr>
-              <a:t>We used the </a:t>
-            </a:r>
-            <a:r>
-              <a:rPr lang="en" sz="1100">
-                <a:latin typeface="Roboto"/>
-                <a:ea typeface="Roboto"/>
-                <a:cs typeface="Roboto"/>
-                <a:sym typeface="Roboto"/>
-              </a:rPr>
-              <a:t>Sklearn</a:t>
-            </a:r>
-            <a:r>
-              <a:rPr lang="en" sz="1100">
-                <a:latin typeface="Roboto"/>
-                <a:ea typeface="Roboto"/>
-                <a:cs typeface="Roboto"/>
-                <a:sym typeface="Roboto"/>
-              </a:rPr>
-              <a:t> train_test_split for all four of the models in our repository. In addition, 80% of our data was used for training and 20% for testing. </a:t>
+              <a:t/>
             </a:r>
             <a:endParaRPr sz="1100">
               <a:latin typeface="Roboto"/>

--- a/College_Costs_Career_Pay.pptx
+++ b/College_Costs_Career_Pay.pptx
@@ -8376,7 +8376,7 @@
                 <a:cs typeface="Roboto"/>
                 <a:sym typeface="Roboto"/>
               </a:rPr>
-              <a:t>The AdaBoost learns by giving higher weights to errors in the previous stump. It also utilizes bootstrapping and random oversampling for balance. In this instance, the AdaBoost learners actually reduce the issue with oversampling. </a:t>
+              <a:t>The AdaBoost learns by giving higher weights to errors in the previous stump. It also utilizes bootstrapping and random undersampling for balance. In this instance, the AdaBoost learners actually reduce the issue with oversampling. </a:t>
             </a:r>
             <a:endParaRPr sz="1200">
               <a:solidFill>
@@ -12130,7 +12130,7 @@
                 <a:cs typeface="Roboto"/>
                 <a:sym typeface="Roboto"/>
               </a:rPr>
-              <a:t>While we were initially interested in the difference of Early Career Pay between two-year and four-year degrees, we only had six rows of data associated with two-year degrees. Those rows were removed.</a:t>
+              <a:t>While we were initially interested in the difference of Early Career Pay between two-year and four-year degrees, we only had six rows of data associated with two-year degrees. Therefore, we did not use the Degree Length column.</a:t>
             </a:r>
             <a:endParaRPr sz="1550">
               <a:latin typeface="Roboto"/>

--- a/College_Costs_Career_Pay.pptx
+++ b/College_Costs_Career_Pay.pptx
@@ -10341,7 +10341,7 @@
         </p:spPr>
         <p:txBody>
           <a:bodyPr anchorCtr="0" anchor="t" bIns="91425" lIns="91425" spcFirstLastPara="1" rIns="91425" wrap="square" tIns="91425">
-            <a:normAutofit/>
+            <a:normAutofit lnSpcReduction="10000"/>
           </a:bodyPr>
           <a:lstStyle/>
           <a:p>
@@ -10547,7 +10547,7 @@
                 <a:cs typeface="Roboto"/>
                 <a:sym typeface="Roboto"/>
               </a:rPr>
-              <a:t>Potential salary data and percentage of STEM degrees comes from </a:t>
+              <a:t>Potential salary data, percentage of STEM degrees, and Make World Better percent comes from </a:t>
             </a:r>
             <a:r>
               <a:rPr lang="en" sz="1600" u="sng">
